--- a/zzz MEDIA/R Basics.pptx
+++ b/zzz MEDIA/R Basics.pptx
@@ -13831,7 +13831,7 @@
         <p:spPr>
           <a:xfrm>
             <a:off x="473697" y="1017270"/>
-            <a:ext cx="7917083" cy="954107"/>
+            <a:ext cx="7917083" cy="1169551"/>
           </a:xfrm>
           <a:prstGeom prst="rect">
             <a:avLst/>
@@ -13863,7 +13863,23 @@
           <a:p>
             <a:r>
               <a:rPr lang="en-US" dirty="0"/>
-              <a:t>Let’s install the “R Programming” and “Regression Models” courses</a:t>
+              <a:t>Let’s install the “R Programming” and “Regression Models” courses by typing </a:t>
+            </a:r>
+            <a:r>
+              <a:rPr lang="en-US" dirty="0" err="1"/>
+              <a:t>install_course</a:t>
+            </a:r>
+            <a:r>
+              <a:rPr lang="en-US" dirty="0"/>
+              <a:t>(“R Programming”) and </a:t>
+            </a:r>
+            <a:r>
+              <a:rPr lang="en-US" dirty="0" err="1"/>
+              <a:t>install_course</a:t>
+            </a:r>
+            <a:r>
+              <a:rPr lang="en-US" dirty="0"/>
+              <a:t>(“Regression Models”)</a:t>
             </a:r>
           </a:p>
         </p:txBody>
@@ -14175,7 +14191,7 @@
           <a:p>
             <a:r>
               <a:rPr lang="en-US" dirty="0"/>
-              <a:t>After using the swirl() function to open swirl, it will list the courses you have installed. After selecting a course, it will then list lessons for you to select. For purposes of getting started with R, I recommend you attempt the following courses:</a:t>
+              <a:t>After using the swirl() function to open swirl, it will list the courses you have installed. After selecting a course, it will then list lessons for you to select. For purposes of getting started with R, I recommend you start with the following courses:</a:t>
             </a:r>
           </a:p>
           <a:p>
@@ -14193,12 +14209,8 @@
           <a:p>
             <a:pPr lvl="1"/>
             <a:r>
-              <a:rPr lang="en-US"/>
-              <a:t>1. Basic </a:t>
-            </a:r>
-            <a:r>
               <a:rPr lang="en-US" dirty="0"/>
-              <a:t>Building Blocks</a:t>
+              <a:t>1. Basic Building Blocks</a:t>
             </a:r>
           </a:p>
           <a:p>
@@ -16978,6 +16990,36 @@
           </a:p>
         </p:txBody>
       </p:sp>
+      <p:pic>
+        <p:nvPicPr>
+          <p:cNvPr id="2" name="Picture 1">
+            <a:extLst>
+              <a:ext uri="{FF2B5EF4-FFF2-40B4-BE49-F238E27FC236}">
+                <a16:creationId xmlns:a16="http://schemas.microsoft.com/office/drawing/2014/main" id="{654573B1-E2BA-4C7F-9012-D705177DA34F}"/>
+              </a:ext>
+            </a:extLst>
+          </p:cNvPr>
+          <p:cNvPicPr>
+            <a:picLocks noChangeAspect="1"/>
+          </p:cNvPicPr>
+          <p:nvPr/>
+        </p:nvPicPr>
+        <p:blipFill>
+          <a:blip r:embed="rId5"/>
+          <a:stretch>
+            <a:fillRect/>
+          </a:stretch>
+        </p:blipFill>
+        <p:spPr>
+          <a:xfrm>
+            <a:off x="4004083" y="5137389"/>
+            <a:ext cx="1135833" cy="802151"/>
+          </a:xfrm>
+          <a:prstGeom prst="rect">
+            <a:avLst/>
+          </a:prstGeom>
+        </p:spPr>
+      </p:pic>
     </p:spTree>
     <p:extLst>
       <p:ext uri="{BB962C8B-B14F-4D97-AF65-F5344CB8AC3E}">
@@ -17332,7 +17374,7 @@
         <p:spPr>
           <a:xfrm>
             <a:off x="473697" y="1017270"/>
-            <a:ext cx="7917083" cy="1815882"/>
+            <a:ext cx="7917083" cy="1600438"/>
           </a:xfrm>
           <a:prstGeom prst="rect">
             <a:avLst/>
@@ -17372,15 +17414,7 @@
             </a:r>
             <a:r>
               <a:rPr lang="en-US" dirty="0"/>
-              <a:t>(“swirl”)’ followed by ‘library(swirl)’. Note that quotation marks are necessary for the </a:t>
-            </a:r>
-            <a:r>
-              <a:rPr lang="en-US" dirty="0" err="1"/>
-              <a:t>install.packages</a:t>
-            </a:r>
-            <a:r>
-              <a:rPr lang="en-US" dirty="0"/>
-              <a:t> function but not for library.</a:t>
+              <a:t>(“swirl”)’ followed by ‘library(swirl)’.</a:t>
             </a:r>
           </a:p>
         </p:txBody>

--- a/zzz MEDIA/R Basics.pptx
+++ b/zzz MEDIA/R Basics.pptx
@@ -5,25 +5,28 @@
     <p:sldMasterId id="2147483663" r:id="rId1"/>
   </p:sldMasterIdLst>
   <p:notesMasterIdLst>
-    <p:notesMasterId r:id="rId18"/>
+    <p:notesMasterId r:id="rId21"/>
   </p:notesMasterIdLst>
   <p:sldIdLst>
     <p:sldId id="256" r:id="rId2"/>
     <p:sldId id="257" r:id="rId3"/>
     <p:sldId id="260" r:id="rId4"/>
     <p:sldId id="258" r:id="rId5"/>
-    <p:sldId id="268" r:id="rId6"/>
-    <p:sldId id="269" r:id="rId7"/>
-    <p:sldId id="270" r:id="rId8"/>
-    <p:sldId id="271" r:id="rId9"/>
-    <p:sldId id="272" r:id="rId10"/>
-    <p:sldId id="278" r:id="rId11"/>
-    <p:sldId id="275" r:id="rId12"/>
-    <p:sldId id="277" r:id="rId13"/>
-    <p:sldId id="273" r:id="rId14"/>
-    <p:sldId id="276" r:id="rId15"/>
-    <p:sldId id="279" r:id="rId16"/>
-    <p:sldId id="274" r:id="rId17"/>
+    <p:sldId id="269" r:id="rId6"/>
+    <p:sldId id="270" r:id="rId7"/>
+    <p:sldId id="281" r:id="rId8"/>
+    <p:sldId id="282" r:id="rId9"/>
+    <p:sldId id="268" r:id="rId10"/>
+    <p:sldId id="271" r:id="rId11"/>
+    <p:sldId id="272" r:id="rId12"/>
+    <p:sldId id="278" r:id="rId13"/>
+    <p:sldId id="275" r:id="rId14"/>
+    <p:sldId id="277" r:id="rId15"/>
+    <p:sldId id="273" r:id="rId16"/>
+    <p:sldId id="276" r:id="rId17"/>
+    <p:sldId id="279" r:id="rId18"/>
+    <p:sldId id="280" r:id="rId19"/>
+    <p:sldId id="274" r:id="rId20"/>
   </p:sldIdLst>
   <p:sldSz cx="9144000" cy="6858000" type="screen4x3"/>
   <p:notesSz cx="6950075" cy="9236075"/>
@@ -1722,7 +1725,7 @@
     </p:spTree>
     <p:extLst>
       <p:ext uri="{BB962C8B-B14F-4D97-AF65-F5344CB8AC3E}">
-        <p14:creationId xmlns:p14="http://schemas.microsoft.com/office/powerpoint/2010/main" val="4143668362"/>
+        <p14:creationId xmlns:p14="http://schemas.microsoft.com/office/powerpoint/2010/main" val="3628674355"/>
       </p:ext>
     </p:extLst>
   </p:cSld>
@@ -1897,6 +1900,356 @@
     </p:spTree>
     <p:extLst>
       <p:ext uri="{BB962C8B-B14F-4D97-AF65-F5344CB8AC3E}">
+        <p14:creationId xmlns:p14="http://schemas.microsoft.com/office/powerpoint/2010/main" val="4143668362"/>
+      </p:ext>
+    </p:extLst>
+  </p:cSld>
+  <p:clrMapOvr>
+    <a:masterClrMapping/>
+  </p:clrMapOvr>
+</p:notes>
+</file>
+
+<file path=ppt/notesSlides/notesSlide12.xml><?xml version="1.0" encoding="utf-8"?>
+<p:notes xmlns:a="http://schemas.openxmlformats.org/drawingml/2006/main" xmlns:r="http://schemas.openxmlformats.org/officeDocument/2006/relationships" xmlns:p="http://schemas.openxmlformats.org/presentationml/2006/main" showMasterSp="0" showMasterPhAnim="0">
+  <p:cSld>
+    <p:spTree>
+      <p:nvGrpSpPr>
+        <p:cNvPr id="1" name="Shape 91"/>
+        <p:cNvGrpSpPr/>
+        <p:nvPr/>
+      </p:nvGrpSpPr>
+      <p:grpSpPr>
+        <a:xfrm>
+          <a:off x="0" y="0"/>
+          <a:ext cx="0" cy="0"/>
+          <a:chOff x="0" y="0"/>
+          <a:chExt cx="0" cy="0"/>
+        </a:xfrm>
+      </p:grpSpPr>
+      <p:sp>
+        <p:nvSpPr>
+          <p:cNvPr id="92" name="Shape 92"/>
+          <p:cNvSpPr txBox="1"/>
+          <p:nvPr/>
+        </p:nvSpPr>
+        <p:spPr>
+          <a:xfrm>
+            <a:off x="3937000" y="8772525"/>
+            <a:ext cx="3011488" cy="461963"/>
+          </a:xfrm>
+          <a:prstGeom prst="rect">
+            <a:avLst/>
+          </a:prstGeom>
+          <a:noFill/>
+          <a:ln>
+            <a:noFill/>
+          </a:ln>
+        </p:spPr>
+        <p:txBody>
+          <a:bodyPr spcFirstLastPara="1" wrap="square" lIns="91375" tIns="45675" rIns="91375" bIns="45675" anchor="b" anchorCtr="0">
+            <a:noAutofit/>
+          </a:bodyPr>
+          <a:lstStyle/>
+          <a:p>
+            <a:pPr marL="0" marR="0" lvl="0" indent="0" algn="r" rtl="0">
+              <a:spcBef>
+                <a:spcPts val="0"/>
+              </a:spcBef>
+              <a:spcAft>
+                <a:spcPts val="0"/>
+              </a:spcAft>
+              <a:buNone/>
+            </a:pPr>
+            <a:fld id="{00000000-1234-1234-1234-123412341234}" type="slidenum">
+              <a:rPr lang="en-US" sz="1200">
+                <a:solidFill>
+                  <a:schemeClr val="dk1"/>
+                </a:solidFill>
+                <a:latin typeface="Arial"/>
+                <a:ea typeface="Arial"/>
+                <a:cs typeface="Arial"/>
+                <a:sym typeface="Arial"/>
+              </a:rPr>
+              <a:t>18</a:t>
+            </a:fld>
+            <a:endParaRPr sz="1200">
+              <a:solidFill>
+                <a:schemeClr val="dk1"/>
+              </a:solidFill>
+              <a:latin typeface="Arial"/>
+              <a:ea typeface="Arial"/>
+              <a:cs typeface="Arial"/>
+              <a:sym typeface="Arial"/>
+            </a:endParaRPr>
+          </a:p>
+        </p:txBody>
+      </p:sp>
+      <p:sp>
+        <p:nvSpPr>
+          <p:cNvPr id="93" name="Shape 93"/>
+          <p:cNvSpPr>
+            <a:spLocks noGrp="1" noRot="1" noChangeAspect="1"/>
+          </p:cNvSpPr>
+          <p:nvPr>
+            <p:ph type="sldImg" idx="2"/>
+          </p:nvPr>
+        </p:nvSpPr>
+        <p:spPr>
+          <a:xfrm>
+            <a:off x="1165225" y="692150"/>
+            <a:ext cx="4619625" cy="3463925"/>
+          </a:xfrm>
+          <a:custGeom>
+            <a:avLst/>
+            <a:gdLst/>
+            <a:ahLst/>
+            <a:cxnLst/>
+            <a:rect l="0" t="0" r="0" b="0"/>
+            <a:pathLst>
+              <a:path w="120000" h="120000" extrusionOk="0">
+                <a:moveTo>
+                  <a:pt x="0" y="0"/>
+                </a:moveTo>
+                <a:lnTo>
+                  <a:pt x="120000" y="0"/>
+                </a:lnTo>
+                <a:lnTo>
+                  <a:pt x="120000" y="120000"/>
+                </a:lnTo>
+                <a:lnTo>
+                  <a:pt x="0" y="120000"/>
+                </a:lnTo>
+                <a:close/>
+              </a:path>
+            </a:pathLst>
+          </a:custGeom>
+          <a:noFill/>
+          <a:ln>
+            <a:noFill/>
+          </a:ln>
+        </p:spPr>
+      </p:sp>
+      <p:sp>
+        <p:nvSpPr>
+          <p:cNvPr id="94" name="Shape 94"/>
+          <p:cNvSpPr txBox="1">
+            <a:spLocks noGrp="1"/>
+          </p:cNvSpPr>
+          <p:nvPr>
+            <p:ph type="body" idx="1"/>
+          </p:nvPr>
+        </p:nvSpPr>
+        <p:spPr>
+          <a:xfrm>
+            <a:off x="695325" y="4387850"/>
+            <a:ext cx="5945188" cy="4156075"/>
+          </a:xfrm>
+          <a:prstGeom prst="rect">
+            <a:avLst/>
+          </a:prstGeom>
+          <a:noFill/>
+          <a:ln>
+            <a:noFill/>
+          </a:ln>
+        </p:spPr>
+        <p:txBody>
+          <a:bodyPr spcFirstLastPara="1" wrap="square" lIns="91375" tIns="45675" rIns="91375" bIns="45675" anchor="t" anchorCtr="0">
+            <a:noAutofit/>
+          </a:bodyPr>
+          <a:lstStyle/>
+          <a:p>
+            <a:pPr marL="0" marR="0" lvl="0" indent="0" algn="l" rtl="0">
+              <a:spcBef>
+                <a:spcPts val="0"/>
+              </a:spcBef>
+              <a:spcAft>
+                <a:spcPts val="0"/>
+              </a:spcAft>
+              <a:buNone/>
+            </a:pPr>
+            <a:endParaRPr sz="1000" dirty="0"/>
+          </a:p>
+        </p:txBody>
+      </p:sp>
+    </p:spTree>
+    <p:extLst>
+      <p:ext uri="{BB962C8B-B14F-4D97-AF65-F5344CB8AC3E}">
+        <p14:creationId xmlns:p14="http://schemas.microsoft.com/office/powerpoint/2010/main" val="3919043365"/>
+      </p:ext>
+    </p:extLst>
+  </p:cSld>
+  <p:clrMapOvr>
+    <a:masterClrMapping/>
+  </p:clrMapOvr>
+</p:notes>
+</file>
+
+<file path=ppt/notesSlides/notesSlide13.xml><?xml version="1.0" encoding="utf-8"?>
+<p:notes xmlns:a="http://schemas.openxmlformats.org/drawingml/2006/main" xmlns:r="http://schemas.openxmlformats.org/officeDocument/2006/relationships" xmlns:p="http://schemas.openxmlformats.org/presentationml/2006/main" showMasterSp="0" showMasterPhAnim="0">
+  <p:cSld>
+    <p:spTree>
+      <p:nvGrpSpPr>
+        <p:cNvPr id="1" name="Shape 91"/>
+        <p:cNvGrpSpPr/>
+        <p:nvPr/>
+      </p:nvGrpSpPr>
+      <p:grpSpPr>
+        <a:xfrm>
+          <a:off x="0" y="0"/>
+          <a:ext cx="0" cy="0"/>
+          <a:chOff x="0" y="0"/>
+          <a:chExt cx="0" cy="0"/>
+        </a:xfrm>
+      </p:grpSpPr>
+      <p:sp>
+        <p:nvSpPr>
+          <p:cNvPr id="92" name="Shape 92"/>
+          <p:cNvSpPr txBox="1"/>
+          <p:nvPr/>
+        </p:nvSpPr>
+        <p:spPr>
+          <a:xfrm>
+            <a:off x="3937000" y="8772525"/>
+            <a:ext cx="3011488" cy="461963"/>
+          </a:xfrm>
+          <a:prstGeom prst="rect">
+            <a:avLst/>
+          </a:prstGeom>
+          <a:noFill/>
+          <a:ln>
+            <a:noFill/>
+          </a:ln>
+        </p:spPr>
+        <p:txBody>
+          <a:bodyPr spcFirstLastPara="1" wrap="square" lIns="91375" tIns="45675" rIns="91375" bIns="45675" anchor="b" anchorCtr="0">
+            <a:noAutofit/>
+          </a:bodyPr>
+          <a:lstStyle/>
+          <a:p>
+            <a:pPr marL="0" marR="0" lvl="0" indent="0" algn="r" rtl="0">
+              <a:spcBef>
+                <a:spcPts val="0"/>
+              </a:spcBef>
+              <a:spcAft>
+                <a:spcPts val="0"/>
+              </a:spcAft>
+              <a:buNone/>
+            </a:pPr>
+            <a:fld id="{00000000-1234-1234-1234-123412341234}" type="slidenum">
+              <a:rPr lang="en-US" sz="1200">
+                <a:solidFill>
+                  <a:schemeClr val="dk1"/>
+                </a:solidFill>
+                <a:latin typeface="Arial"/>
+                <a:ea typeface="Arial"/>
+                <a:cs typeface="Arial"/>
+                <a:sym typeface="Arial"/>
+              </a:rPr>
+              <a:t>19</a:t>
+            </a:fld>
+            <a:endParaRPr sz="1200">
+              <a:solidFill>
+                <a:schemeClr val="dk1"/>
+              </a:solidFill>
+              <a:latin typeface="Arial"/>
+              <a:ea typeface="Arial"/>
+              <a:cs typeface="Arial"/>
+              <a:sym typeface="Arial"/>
+            </a:endParaRPr>
+          </a:p>
+        </p:txBody>
+      </p:sp>
+      <p:sp>
+        <p:nvSpPr>
+          <p:cNvPr id="93" name="Shape 93"/>
+          <p:cNvSpPr>
+            <a:spLocks noGrp="1" noRot="1" noChangeAspect="1"/>
+          </p:cNvSpPr>
+          <p:nvPr>
+            <p:ph type="sldImg" idx="2"/>
+          </p:nvPr>
+        </p:nvSpPr>
+        <p:spPr>
+          <a:xfrm>
+            <a:off x="1165225" y="692150"/>
+            <a:ext cx="4619625" cy="3463925"/>
+          </a:xfrm>
+          <a:custGeom>
+            <a:avLst/>
+            <a:gdLst/>
+            <a:ahLst/>
+            <a:cxnLst/>
+            <a:rect l="0" t="0" r="0" b="0"/>
+            <a:pathLst>
+              <a:path w="120000" h="120000" extrusionOk="0">
+                <a:moveTo>
+                  <a:pt x="0" y="0"/>
+                </a:moveTo>
+                <a:lnTo>
+                  <a:pt x="120000" y="0"/>
+                </a:lnTo>
+                <a:lnTo>
+                  <a:pt x="120000" y="120000"/>
+                </a:lnTo>
+                <a:lnTo>
+                  <a:pt x="0" y="120000"/>
+                </a:lnTo>
+                <a:close/>
+              </a:path>
+            </a:pathLst>
+          </a:custGeom>
+          <a:noFill/>
+          <a:ln>
+            <a:noFill/>
+          </a:ln>
+        </p:spPr>
+      </p:sp>
+      <p:sp>
+        <p:nvSpPr>
+          <p:cNvPr id="94" name="Shape 94"/>
+          <p:cNvSpPr txBox="1">
+            <a:spLocks noGrp="1"/>
+          </p:cNvSpPr>
+          <p:nvPr>
+            <p:ph type="body" idx="1"/>
+          </p:nvPr>
+        </p:nvSpPr>
+        <p:spPr>
+          <a:xfrm>
+            <a:off x="695325" y="4387850"/>
+            <a:ext cx="5945188" cy="4156075"/>
+          </a:xfrm>
+          <a:prstGeom prst="rect">
+            <a:avLst/>
+          </a:prstGeom>
+          <a:noFill/>
+          <a:ln>
+            <a:noFill/>
+          </a:ln>
+        </p:spPr>
+        <p:txBody>
+          <a:bodyPr spcFirstLastPara="1" wrap="square" lIns="91375" tIns="45675" rIns="91375" bIns="45675" anchor="t" anchorCtr="0">
+            <a:noAutofit/>
+          </a:bodyPr>
+          <a:lstStyle/>
+          <a:p>
+            <a:pPr marL="0" marR="0" lvl="0" indent="0" algn="l" rtl="0">
+              <a:spcBef>
+                <a:spcPts val="0"/>
+              </a:spcBef>
+              <a:spcAft>
+                <a:spcPts val="0"/>
+              </a:spcAft>
+              <a:buNone/>
+            </a:pPr>
+            <a:endParaRPr sz="1000" dirty="0"/>
+          </a:p>
+        </p:txBody>
+      </p:sp>
+    </p:spTree>
+    <p:extLst>
+      <p:ext uri="{BB962C8B-B14F-4D97-AF65-F5344CB8AC3E}">
         <p14:creationId xmlns:p14="http://schemas.microsoft.com/office/powerpoint/2010/main" val="3615680583"/>
       </p:ext>
     </p:extLst>
@@ -2440,7 +2793,7 @@
     </p:spTree>
     <p:extLst>
       <p:ext uri="{BB962C8B-B14F-4D97-AF65-F5344CB8AC3E}">
-        <p14:creationId xmlns:p14="http://schemas.microsoft.com/office/powerpoint/2010/main" val="2727407776"/>
+        <p14:creationId xmlns:p14="http://schemas.microsoft.com/office/powerpoint/2010/main" val="3284415987"/>
       </p:ext>
     </p:extLst>
   </p:cSld>
@@ -2615,7 +2968,7 @@
     </p:spTree>
     <p:extLst>
       <p:ext uri="{BB962C8B-B14F-4D97-AF65-F5344CB8AC3E}">
-        <p14:creationId xmlns:p14="http://schemas.microsoft.com/office/powerpoint/2010/main" val="3284415987"/>
+        <p14:creationId xmlns:p14="http://schemas.microsoft.com/office/powerpoint/2010/main" val="3431323971"/>
       </p:ext>
     </p:extLst>
   </p:cSld>
@@ -2686,7 +3039,7 @@
                 <a:cs typeface="Arial"/>
                 <a:sym typeface="Arial"/>
               </a:rPr>
-              <a:t>7</a:t>
+              <a:t>8</a:t>
             </a:fld>
             <a:endParaRPr sz="1200">
               <a:solidFill>
@@ -2790,7 +3143,7 @@
     </p:spTree>
     <p:extLst>
       <p:ext uri="{BB962C8B-B14F-4D97-AF65-F5344CB8AC3E}">
-        <p14:creationId xmlns:p14="http://schemas.microsoft.com/office/powerpoint/2010/main" val="3431323971"/>
+        <p14:creationId xmlns:p14="http://schemas.microsoft.com/office/powerpoint/2010/main" val="2962379283"/>
       </p:ext>
     </p:extLst>
   </p:cSld>
@@ -2965,7 +3318,7 @@
     </p:spTree>
     <p:extLst>
       <p:ext uri="{BB962C8B-B14F-4D97-AF65-F5344CB8AC3E}">
-        <p14:creationId xmlns:p14="http://schemas.microsoft.com/office/powerpoint/2010/main" val="4116474225"/>
+        <p14:creationId xmlns:p14="http://schemas.microsoft.com/office/powerpoint/2010/main" val="2284505863"/>
       </p:ext>
     </p:extLst>
   </p:cSld>
@@ -3140,7 +3493,7 @@
     </p:spTree>
     <p:extLst>
       <p:ext uri="{BB962C8B-B14F-4D97-AF65-F5344CB8AC3E}">
-        <p14:creationId xmlns:p14="http://schemas.microsoft.com/office/powerpoint/2010/main" val="625523186"/>
+        <p14:creationId xmlns:p14="http://schemas.microsoft.com/office/powerpoint/2010/main" val="4116474225"/>
       </p:ext>
     </p:extLst>
   </p:cSld>
@@ -3211,7 +3564,7 @@
                 <a:cs typeface="Arial"/>
                 <a:sym typeface="Arial"/>
               </a:rPr>
-              <a:t>12</a:t>
+              <a:t>13</a:t>
             </a:fld>
             <a:endParaRPr sz="1200">
               <a:solidFill>
@@ -3315,7 +3668,7 @@
     </p:spTree>
     <p:extLst>
       <p:ext uri="{BB962C8B-B14F-4D97-AF65-F5344CB8AC3E}">
-        <p14:creationId xmlns:p14="http://schemas.microsoft.com/office/powerpoint/2010/main" val="3628674355"/>
+        <p14:creationId xmlns:p14="http://schemas.microsoft.com/office/powerpoint/2010/main" val="625523186"/>
       </p:ext>
     </p:extLst>
   </p:cSld>
@@ -13530,7 +13883,7 @@
           <a:p>
             <a:r>
               <a:rPr lang="en-US" dirty="0"/>
-              <a:t>Getting Started with Swirl</a:t>
+              <a:t>Installing Packages</a:t>
             </a:r>
           </a:p>
         </p:txBody>
@@ -13576,7 +13929,7 @@
     </p:spTree>
     <p:extLst>
       <p:ext uri="{BB962C8B-B14F-4D97-AF65-F5344CB8AC3E}">
-        <p14:creationId xmlns:p14="http://schemas.microsoft.com/office/powerpoint/2010/main" val="911760999"/>
+        <p14:creationId xmlns:p14="http://schemas.microsoft.com/office/powerpoint/2010/main" val="464181074"/>
       </p:ext>
     </p:extLst>
   </p:cSld>
@@ -13648,6 +14001,469 @@
                 <a:sym typeface="Arial"/>
               </a:rPr>
               <a:t>11</a:t>
+            </a:fld>
+            <a:endParaRPr sz="1000">
+              <a:solidFill>
+                <a:schemeClr val="dk1"/>
+              </a:solidFill>
+              <a:latin typeface="Arial"/>
+              <a:ea typeface="Arial"/>
+              <a:cs typeface="Arial"/>
+              <a:sym typeface="Arial"/>
+            </a:endParaRPr>
+          </a:p>
+        </p:txBody>
+      </p:sp>
+      <p:sp>
+        <p:nvSpPr>
+          <p:cNvPr id="97" name="Shape 97"/>
+          <p:cNvSpPr txBox="1"/>
+          <p:nvPr/>
+        </p:nvSpPr>
+        <p:spPr>
+          <a:xfrm>
+            <a:off x="381000" y="223650"/>
+            <a:ext cx="8382000" cy="457200"/>
+          </a:xfrm>
+          <a:prstGeom prst="rect">
+            <a:avLst/>
+          </a:prstGeom>
+          <a:noFill/>
+          <a:ln>
+            <a:noFill/>
+          </a:ln>
+        </p:spPr>
+        <p:txBody>
+          <a:bodyPr spcFirstLastPara="1" wrap="square" lIns="91425" tIns="45700" rIns="91425" bIns="45700" anchor="t" anchorCtr="0">
+            <a:noAutofit/>
+          </a:bodyPr>
+          <a:lstStyle/>
+          <a:p>
+            <a:pPr marL="0" marR="0" lvl="0" indent="0" algn="l" rtl="0">
+              <a:spcBef>
+                <a:spcPts val="0"/>
+              </a:spcBef>
+              <a:spcAft>
+                <a:spcPts val="0"/>
+              </a:spcAft>
+              <a:buNone/>
+            </a:pPr>
+            <a:r>
+              <a:rPr lang="en-US" sz="2400" b="1" dirty="0">
+                <a:solidFill>
+                  <a:srgbClr val="820009"/>
+                </a:solidFill>
+              </a:rPr>
+              <a:t>Installing and Loading Packages in R</a:t>
+            </a:r>
+            <a:endParaRPr sz="2400" b="1" dirty="0">
+              <a:solidFill>
+                <a:srgbClr val="820009"/>
+              </a:solidFill>
+              <a:latin typeface="Arial"/>
+              <a:ea typeface="Arial"/>
+              <a:cs typeface="Arial"/>
+              <a:sym typeface="Arial"/>
+            </a:endParaRPr>
+          </a:p>
+        </p:txBody>
+      </p:sp>
+      <p:graphicFrame>
+        <p:nvGraphicFramePr>
+          <p:cNvPr id="99" name="Shape 99"/>
+          <p:cNvGraphicFramePr/>
+          <p:nvPr/>
+        </p:nvGraphicFramePr>
+        <p:xfrm>
+          <a:off x="5623560" y="560070"/>
+          <a:ext cx="208300" cy="365770"/>
+        </p:xfrm>
+        <a:graphic>
+          <a:graphicData uri="http://schemas.openxmlformats.org/drawingml/2006/table">
+            <a:tbl>
+              <a:tblPr>
+                <a:noFill/>
+                <a:tableStyleId>{3E517AEF-C05D-40B9-8274-1AED4C133E0D}</a:tableStyleId>
+              </a:tblPr>
+              <a:tblGrid>
+                <a:gridCol w="208300">
+                  <a:extLst>
+                    <a:ext uri="{9D8B030D-6E8A-4147-A177-3AD203B41FA5}">
+                      <a16:colId xmlns:a16="http://schemas.microsoft.com/office/drawing/2014/main" val="20000"/>
+                    </a:ext>
+                  </a:extLst>
+                </a:gridCol>
+              </a:tblGrid>
+              <a:tr h="0">
+                <a:tc>
+                  <a:txBody>
+                    <a:bodyPr/>
+                    <a:lstStyle/>
+                    <a:p>
+                      <a:pPr marL="0" marR="0" lvl="0" indent="0" algn="l" rtl="0">
+                        <a:spcBef>
+                          <a:spcPts val="0"/>
+                        </a:spcBef>
+                        <a:spcAft>
+                          <a:spcPts val="0"/>
+                        </a:spcAft>
+                        <a:buNone/>
+                      </a:pPr>
+                      <a:endParaRPr sz="1800"/>
+                    </a:p>
+                  </a:txBody>
+                  <a:tcPr marL="91450" marR="91450" marT="45725" marB="45725">
+                    <a:lnL w="9525" cap="flat" cmpd="sng">
+                      <a:solidFill>
+                        <a:srgbClr val="000000">
+                          <a:alpha val="0"/>
+                        </a:srgbClr>
+                      </a:solidFill>
+                      <a:prstDash val="solid"/>
+                      <a:round/>
+                      <a:headEnd type="none" w="sm" len="sm"/>
+                      <a:tailEnd type="none" w="sm" len="sm"/>
+                    </a:lnL>
+                    <a:lnR w="9525" cap="flat" cmpd="sng">
+                      <a:solidFill>
+                        <a:srgbClr val="000000">
+                          <a:alpha val="0"/>
+                        </a:srgbClr>
+                      </a:solidFill>
+                      <a:prstDash val="solid"/>
+                      <a:round/>
+                      <a:headEnd type="none" w="sm" len="sm"/>
+                      <a:tailEnd type="none" w="sm" len="sm"/>
+                    </a:lnR>
+                    <a:lnT w="9525" cap="flat" cmpd="sng">
+                      <a:solidFill>
+                        <a:srgbClr val="000000">
+                          <a:alpha val="0"/>
+                        </a:srgbClr>
+                      </a:solidFill>
+                      <a:prstDash val="solid"/>
+                      <a:round/>
+                      <a:headEnd type="none" w="sm" len="sm"/>
+                      <a:tailEnd type="none" w="sm" len="sm"/>
+                    </a:lnT>
+                    <a:lnB w="9525" cap="flat" cmpd="sng">
+                      <a:solidFill>
+                        <a:srgbClr val="000000">
+                          <a:alpha val="0"/>
+                        </a:srgbClr>
+                      </a:solidFill>
+                      <a:prstDash val="solid"/>
+                      <a:round/>
+                      <a:headEnd type="none" w="sm" len="sm"/>
+                      <a:tailEnd type="none" w="sm" len="sm"/>
+                    </a:lnB>
+                  </a:tcPr>
+                </a:tc>
+                <a:extLst>
+                  <a:ext uri="{0D108BD9-81ED-4DB2-BD59-A6C34878D82A}">
+                    <a16:rowId xmlns:a16="http://schemas.microsoft.com/office/drawing/2014/main" val="10000"/>
+                  </a:ext>
+                </a:extLst>
+              </a:tr>
+            </a:tbl>
+          </a:graphicData>
+        </a:graphic>
+      </p:graphicFrame>
+      <p:sp>
+        <p:nvSpPr>
+          <p:cNvPr id="7" name="TextBox 6">
+            <a:extLst>
+              <a:ext uri="{FF2B5EF4-FFF2-40B4-BE49-F238E27FC236}">
+                <a16:creationId xmlns:a16="http://schemas.microsoft.com/office/drawing/2014/main" id="{08632213-E1DB-4E3E-A327-973607EC3DED}"/>
+              </a:ext>
+            </a:extLst>
+          </p:cNvPr>
+          <p:cNvSpPr txBox="1"/>
+          <p:nvPr/>
+        </p:nvSpPr>
+        <p:spPr>
+          <a:xfrm>
+            <a:off x="473697" y="1017270"/>
+            <a:ext cx="7917083" cy="1600438"/>
+          </a:xfrm>
+          <a:prstGeom prst="rect">
+            <a:avLst/>
+          </a:prstGeom>
+          <a:noFill/>
+        </p:spPr>
+        <p:txBody>
+          <a:bodyPr wrap="square" rtlCol="0">
+            <a:spAutoFit/>
+          </a:bodyPr>
+          <a:lstStyle/>
+          <a:p>
+            <a:r>
+              <a:rPr lang="en-US" dirty="0"/>
+              <a:t>One of the key strengths of R is the fact that so many R developers have written packages and shared them with the larger community through CRAN (the Comprehensive R Archive Network). Base R allows you to install and load these packages directly through the R interface with the </a:t>
+            </a:r>
+            <a:r>
+              <a:rPr lang="en-US" dirty="0" err="1"/>
+              <a:t>install.packages</a:t>
+            </a:r>
+            <a:r>
+              <a:rPr lang="en-US" dirty="0"/>
+              <a:t>() and library() functions. The package that we are going to install and use today is “swirl”, a software package for learning R, directly in R!</a:t>
+            </a:r>
+          </a:p>
+          <a:p>
+            <a:endParaRPr lang="en-US" dirty="0"/>
+          </a:p>
+          <a:p>
+            <a:r>
+              <a:rPr lang="en-US" dirty="0"/>
+              <a:t>Type ‘</a:t>
+            </a:r>
+            <a:r>
+              <a:rPr lang="en-US" dirty="0" err="1"/>
+              <a:t>install.packages</a:t>
+            </a:r>
+            <a:r>
+              <a:rPr lang="en-US" dirty="0"/>
+              <a:t>(“swirl”)’ followed by ‘library(swirl)’.</a:t>
+            </a:r>
+          </a:p>
+        </p:txBody>
+      </p:sp>
+      <p:pic>
+        <p:nvPicPr>
+          <p:cNvPr id="2" name="Picture 1">
+            <a:extLst>
+              <a:ext uri="{FF2B5EF4-FFF2-40B4-BE49-F238E27FC236}">
+                <a16:creationId xmlns:a16="http://schemas.microsoft.com/office/drawing/2014/main" id="{E00E1AD8-7740-4D86-AE76-493B4E238B8E}"/>
+              </a:ext>
+            </a:extLst>
+          </p:cNvPr>
+          <p:cNvPicPr>
+            <a:picLocks noChangeAspect="1"/>
+          </p:cNvPicPr>
+          <p:nvPr/>
+        </p:nvPicPr>
+        <p:blipFill rotWithShape="1">
+          <a:blip r:embed="rId3"/>
+          <a:srcRect t="51609" r="28283" b="4726"/>
+          <a:stretch/>
+        </p:blipFill>
+        <p:spPr>
+          <a:xfrm>
+            <a:off x="719982" y="2924582"/>
+            <a:ext cx="7704035" cy="2202886"/>
+          </a:xfrm>
+          <a:prstGeom prst="rect">
+            <a:avLst/>
+          </a:prstGeom>
+        </p:spPr>
+      </p:pic>
+      <p:sp>
+        <p:nvSpPr>
+          <p:cNvPr id="10" name="TextBox 9">
+            <a:extLst>
+              <a:ext uri="{FF2B5EF4-FFF2-40B4-BE49-F238E27FC236}">
+                <a16:creationId xmlns:a16="http://schemas.microsoft.com/office/drawing/2014/main" id="{9663A82C-AC7D-4DC9-9F24-6CB34609AA06}"/>
+              </a:ext>
+            </a:extLst>
+          </p:cNvPr>
+          <p:cNvSpPr txBox="1"/>
+          <p:nvPr/>
+        </p:nvSpPr>
+        <p:spPr>
+          <a:xfrm>
+            <a:off x="384858" y="5218898"/>
+            <a:ext cx="7917083" cy="523220"/>
+          </a:xfrm>
+          <a:prstGeom prst="rect">
+            <a:avLst/>
+          </a:prstGeom>
+          <a:noFill/>
+        </p:spPr>
+        <p:txBody>
+          <a:bodyPr wrap="square" rtlCol="0">
+            <a:spAutoFit/>
+          </a:bodyPr>
+          <a:lstStyle/>
+          <a:p>
+            <a:r>
+              <a:rPr lang="en-US" dirty="0"/>
+              <a:t>This is exactly the same process you will use to install and load any R packages that you may need in the future</a:t>
+            </a:r>
+          </a:p>
+        </p:txBody>
+      </p:sp>
+    </p:spTree>
+    <p:extLst>
+      <p:ext uri="{BB962C8B-B14F-4D97-AF65-F5344CB8AC3E}">
+        <p14:creationId xmlns:p14="http://schemas.microsoft.com/office/powerpoint/2010/main" val="3602526551"/>
+      </p:ext>
+    </p:extLst>
+  </p:cSld>
+  <p:clrMapOvr>
+    <a:masterClrMapping/>
+  </p:clrMapOvr>
+</p:sld>
+</file>
+
+<file path=ppt/slides/slide12.xml><?xml version="1.0" encoding="utf-8"?>
+<p:sld xmlns:a="http://schemas.openxmlformats.org/drawingml/2006/main" xmlns:r="http://schemas.openxmlformats.org/officeDocument/2006/relationships" xmlns:p="http://schemas.openxmlformats.org/presentationml/2006/main">
+  <p:cSld>
+    <p:spTree>
+      <p:nvGrpSpPr>
+        <p:cNvPr id="1" name=""/>
+        <p:cNvGrpSpPr/>
+        <p:nvPr/>
+      </p:nvGrpSpPr>
+      <p:grpSpPr>
+        <a:xfrm>
+          <a:off x="0" y="0"/>
+          <a:ext cx="0" cy="0"/>
+          <a:chOff x="0" y="0"/>
+          <a:chExt cx="0" cy="0"/>
+        </a:xfrm>
+      </p:grpSpPr>
+      <p:sp>
+        <p:nvSpPr>
+          <p:cNvPr id="3" name="Title 2">
+            <a:extLst>
+              <a:ext uri="{FF2B5EF4-FFF2-40B4-BE49-F238E27FC236}">
+                <a16:creationId xmlns:a16="http://schemas.microsoft.com/office/drawing/2014/main" id="{EE078754-30AA-4C20-8335-D87A47D7E33D}"/>
+              </a:ext>
+            </a:extLst>
+          </p:cNvPr>
+          <p:cNvSpPr>
+            <a:spLocks noGrp="1"/>
+          </p:cNvSpPr>
+          <p:nvPr>
+            <p:ph type="title"/>
+          </p:nvPr>
+        </p:nvSpPr>
+        <p:spPr/>
+        <p:txBody>
+          <a:bodyPr/>
+          <a:lstStyle/>
+          <a:p>
+            <a:r>
+              <a:rPr lang="en-US" dirty="0"/>
+              <a:t>Getting Started with Swirl</a:t>
+            </a:r>
+          </a:p>
+        </p:txBody>
+      </p:sp>
+      <p:sp>
+        <p:nvSpPr>
+          <p:cNvPr id="2" name="Slide Number Placeholder 1">
+            <a:extLst>
+              <a:ext uri="{FF2B5EF4-FFF2-40B4-BE49-F238E27FC236}">
+                <a16:creationId xmlns:a16="http://schemas.microsoft.com/office/drawing/2014/main" id="{B93A5DA5-FF98-4920-B370-FF24EA2D0034}"/>
+              </a:ext>
+            </a:extLst>
+          </p:cNvPr>
+          <p:cNvSpPr>
+            <a:spLocks noGrp="1"/>
+          </p:cNvSpPr>
+          <p:nvPr>
+            <p:ph type="sldNum" idx="12"/>
+          </p:nvPr>
+        </p:nvSpPr>
+        <p:spPr/>
+        <p:txBody>
+          <a:bodyPr/>
+          <a:lstStyle/>
+          <a:p>
+            <a:pPr marL="0" lvl="0" indent="0">
+              <a:spcBef>
+                <a:spcPts val="0"/>
+              </a:spcBef>
+              <a:spcAft>
+                <a:spcPts val="0"/>
+              </a:spcAft>
+              <a:buNone/>
+            </a:pPr>
+            <a:fld id="{00000000-1234-1234-1234-123412341234}" type="slidenum">
+              <a:rPr lang="en-US" smtClean="0"/>
+              <a:t>12</a:t>
+            </a:fld>
+            <a:endParaRPr lang="en-US"/>
+          </a:p>
+        </p:txBody>
+      </p:sp>
+    </p:spTree>
+    <p:extLst>
+      <p:ext uri="{BB962C8B-B14F-4D97-AF65-F5344CB8AC3E}">
+        <p14:creationId xmlns:p14="http://schemas.microsoft.com/office/powerpoint/2010/main" val="911760999"/>
+      </p:ext>
+    </p:extLst>
+  </p:cSld>
+  <p:clrMapOvr>
+    <a:masterClrMapping/>
+  </p:clrMapOvr>
+</p:sld>
+</file>
+
+<file path=ppt/slides/slide13.xml><?xml version="1.0" encoding="utf-8"?>
+<p:sld xmlns:a="http://schemas.openxmlformats.org/drawingml/2006/main" xmlns:r="http://schemas.openxmlformats.org/officeDocument/2006/relationships" xmlns:p="http://schemas.openxmlformats.org/presentationml/2006/main">
+  <p:cSld>
+    <p:spTree>
+      <p:nvGrpSpPr>
+        <p:cNvPr id="1" name="Shape 95"/>
+        <p:cNvGrpSpPr/>
+        <p:nvPr/>
+      </p:nvGrpSpPr>
+      <p:grpSpPr>
+        <a:xfrm>
+          <a:off x="0" y="0"/>
+          <a:ext cx="0" cy="0"/>
+          <a:chOff x="0" y="0"/>
+          <a:chExt cx="0" cy="0"/>
+        </a:xfrm>
+      </p:grpSpPr>
+      <p:sp>
+        <p:nvSpPr>
+          <p:cNvPr id="96" name="Shape 96"/>
+          <p:cNvSpPr txBox="1"/>
+          <p:nvPr/>
+        </p:nvSpPr>
+        <p:spPr>
+          <a:xfrm>
+            <a:off x="4343400" y="6172200"/>
+            <a:ext cx="457200" cy="457200"/>
+          </a:xfrm>
+          <a:prstGeom prst="rect">
+            <a:avLst/>
+          </a:prstGeom>
+          <a:noFill/>
+          <a:ln>
+            <a:noFill/>
+          </a:ln>
+        </p:spPr>
+        <p:txBody>
+          <a:bodyPr spcFirstLastPara="1" wrap="square" lIns="91425" tIns="45700" rIns="91425" bIns="45700" anchor="t" anchorCtr="0">
+            <a:noAutofit/>
+          </a:bodyPr>
+          <a:lstStyle/>
+          <a:p>
+            <a:pPr marL="0" marR="0" lvl="0" indent="0" algn="ctr" rtl="0">
+              <a:spcBef>
+                <a:spcPts val="0"/>
+              </a:spcBef>
+              <a:spcAft>
+                <a:spcPts val="0"/>
+              </a:spcAft>
+              <a:buNone/>
+            </a:pPr>
+            <a:fld id="{00000000-1234-1234-1234-123412341234}" type="slidenum">
+              <a:rPr lang="en-US" sz="1000">
+                <a:solidFill>
+                  <a:schemeClr val="dk1"/>
+                </a:solidFill>
+                <a:latin typeface="Arial"/>
+                <a:ea typeface="Arial"/>
+                <a:cs typeface="Arial"/>
+                <a:sym typeface="Arial"/>
+              </a:rPr>
+              <a:t>13</a:t>
             </a:fld>
             <a:endParaRPr sz="1000">
               <a:solidFill>
@@ -13927,7 +14743,7 @@
 </p:sld>
 </file>
 
-<file path=ppt/slides/slide12.xml><?xml version="1.0" encoding="utf-8"?>
+<file path=ppt/slides/slide14.xml><?xml version="1.0" encoding="utf-8"?>
 <p:sld xmlns:a="http://schemas.openxmlformats.org/drawingml/2006/main" xmlns:r="http://schemas.openxmlformats.org/officeDocument/2006/relationships" xmlns:p="http://schemas.openxmlformats.org/presentationml/2006/main">
   <p:cSld>
     <p:spTree>
@@ -13988,7 +14804,7 @@
                 <a:cs typeface="Arial"/>
                 <a:sym typeface="Arial"/>
               </a:rPr>
-              <a:t>12</a:t>
+              <a:t>14</a:t>
             </a:fld>
             <a:endParaRPr sz="1000">
               <a:solidFill>
@@ -14176,7 +14992,7 @@
         <p:spPr>
           <a:xfrm>
             <a:off x="384858" y="1062893"/>
-            <a:ext cx="7917083" cy="3539430"/>
+            <a:ext cx="7917083" cy="2462213"/>
           </a:xfrm>
           <a:prstGeom prst="rect">
             <a:avLst/>
@@ -14247,42 +15063,6 @@
               <a:t>7. Matrices and Data Frames</a:t>
             </a:r>
           </a:p>
-          <a:p>
-            <a:endParaRPr lang="en-US" dirty="0"/>
-          </a:p>
-          <a:p>
-            <a:r>
-              <a:rPr lang="en-US" dirty="0"/>
-              <a:t>Regression Models:</a:t>
-            </a:r>
-          </a:p>
-          <a:p>
-            <a:pPr marL="342900" indent="-342900">
-              <a:buAutoNum type="arabicPeriod"/>
-            </a:pPr>
-            <a:r>
-              <a:rPr lang="en-US" dirty="0"/>
-              <a:t>Introduction</a:t>
-            </a:r>
-          </a:p>
-          <a:p>
-            <a:pPr marL="342900" indent="-342900">
-              <a:buAutoNum type="arabicPeriod"/>
-            </a:pPr>
-            <a:r>
-              <a:rPr lang="en-US" dirty="0"/>
-              <a:t>Residuals</a:t>
-            </a:r>
-          </a:p>
-          <a:p>
-            <a:pPr marL="342900" indent="-342900">
-              <a:buAutoNum type="arabicPeriod"/>
-            </a:pPr>
-            <a:r>
-              <a:rPr lang="en-US" dirty="0"/>
-              <a:t>Least Square Estimation</a:t>
-            </a:r>
-          </a:p>
         </p:txBody>
       </p:sp>
     </p:spTree>
@@ -14298,7 +15078,7 @@
 </p:sld>
 </file>
 
-<file path=ppt/slides/slide13.xml><?xml version="1.0" encoding="utf-8"?>
+<file path=ppt/slides/slide15.xml><?xml version="1.0" encoding="utf-8"?>
 <p:sld xmlns:a="http://schemas.openxmlformats.org/drawingml/2006/main" xmlns:r="http://schemas.openxmlformats.org/officeDocument/2006/relationships" xmlns:p="http://schemas.openxmlformats.org/presentationml/2006/main">
   <p:cSld>
     <p:spTree>
@@ -14375,7 +15155,7 @@
             </a:pPr>
             <a:fld id="{00000000-1234-1234-1234-123412341234}" type="slidenum">
               <a:rPr lang="en-US" smtClean="0"/>
-              <a:t>13</a:t>
+              <a:t>15</a:t>
             </a:fld>
             <a:endParaRPr lang="en-US"/>
           </a:p>
@@ -14394,7 +15174,7 @@
 </p:sld>
 </file>
 
-<file path=ppt/slides/slide14.xml><?xml version="1.0" encoding="utf-8"?>
+<file path=ppt/slides/slide16.xml><?xml version="1.0" encoding="utf-8"?>
 <p:sld xmlns:a="http://schemas.openxmlformats.org/drawingml/2006/main" xmlns:r="http://schemas.openxmlformats.org/officeDocument/2006/relationships" xmlns:p="http://schemas.openxmlformats.org/presentationml/2006/main">
   <p:cSld>
     <p:spTree>
@@ -14455,7 +15235,7 @@
                 <a:cs typeface="Arial"/>
                 <a:sym typeface="Arial"/>
               </a:rPr>
-              <a:t>14</a:t>
+              <a:t>16</a:t>
             </a:fld>
             <a:endParaRPr sz="1000">
               <a:solidFill>
@@ -14637,7 +15417,7 @@
 </p:sld>
 </file>
 
-<file path=ppt/slides/slide15.xml><?xml version="1.0" encoding="utf-8"?>
+<file path=ppt/slides/slide17.xml><?xml version="1.0" encoding="utf-8"?>
 <p:sld xmlns:a="http://schemas.openxmlformats.org/drawingml/2006/main" xmlns:r="http://schemas.openxmlformats.org/officeDocument/2006/relationships" xmlns:p="http://schemas.openxmlformats.org/presentationml/2006/main">
   <p:cSld>
     <p:spTree>
@@ -14677,7 +15457,7 @@
           <a:p>
             <a:r>
               <a:rPr lang="en-US" dirty="0"/>
-              <a:t>Regression Models</a:t>
+              <a:t>Wrap Up</a:t>
             </a:r>
           </a:p>
         </p:txBody>
@@ -14714,7 +15494,7 @@
             </a:pPr>
             <a:fld id="{00000000-1234-1234-1234-123412341234}" type="slidenum">
               <a:rPr lang="en-US" smtClean="0"/>
-              <a:t>15</a:t>
+              <a:t>17</a:t>
             </a:fld>
             <a:endParaRPr lang="en-US"/>
           </a:p>
@@ -14733,7 +15513,7 @@
 </p:sld>
 </file>
 
-<file path=ppt/slides/slide16.xml><?xml version="1.0" encoding="utf-8"?>
+<file path=ppt/slides/slide18.xml><?xml version="1.0" encoding="utf-8"?>
 <p:sld xmlns:a="http://schemas.openxmlformats.org/drawingml/2006/main" xmlns:r="http://schemas.openxmlformats.org/officeDocument/2006/relationships" xmlns:p="http://schemas.openxmlformats.org/presentationml/2006/main">
   <p:cSld>
     <p:spTree>
@@ -14794,7 +15574,7 @@
                 <a:cs typeface="Arial"/>
                 <a:sym typeface="Arial"/>
               </a:rPr>
-              <a:t>16</a:t>
+              <a:t>18</a:t>
             </a:fld>
             <a:endParaRPr sz="1000">
               <a:solidFill>
@@ -14853,6 +15633,334 @@
                 <a:sym typeface="Arial"/>
               </a:rPr>
               <a:t>More Resources</a:t>
+            </a:r>
+            <a:endParaRPr sz="2400" b="1" dirty="0">
+              <a:solidFill>
+                <a:srgbClr val="820009"/>
+              </a:solidFill>
+              <a:latin typeface="Arial"/>
+              <a:ea typeface="Arial"/>
+              <a:cs typeface="Arial"/>
+              <a:sym typeface="Arial"/>
+            </a:endParaRPr>
+          </a:p>
+        </p:txBody>
+      </p:sp>
+      <p:graphicFrame>
+        <p:nvGraphicFramePr>
+          <p:cNvPr id="99" name="Shape 99"/>
+          <p:cNvGraphicFramePr/>
+          <p:nvPr/>
+        </p:nvGraphicFramePr>
+        <p:xfrm>
+          <a:off x="5623560" y="560070"/>
+          <a:ext cx="208300" cy="365770"/>
+        </p:xfrm>
+        <a:graphic>
+          <a:graphicData uri="http://schemas.openxmlformats.org/drawingml/2006/table">
+            <a:tbl>
+              <a:tblPr>
+                <a:noFill/>
+                <a:tableStyleId>{3E517AEF-C05D-40B9-8274-1AED4C133E0D}</a:tableStyleId>
+              </a:tblPr>
+              <a:tblGrid>
+                <a:gridCol w="208300">
+                  <a:extLst>
+                    <a:ext uri="{9D8B030D-6E8A-4147-A177-3AD203B41FA5}">
+                      <a16:colId xmlns:a16="http://schemas.microsoft.com/office/drawing/2014/main" val="20000"/>
+                    </a:ext>
+                  </a:extLst>
+                </a:gridCol>
+              </a:tblGrid>
+              <a:tr h="0">
+                <a:tc>
+                  <a:txBody>
+                    <a:bodyPr/>
+                    <a:lstStyle/>
+                    <a:p>
+                      <a:pPr marL="0" marR="0" lvl="0" indent="0" algn="l" rtl="0">
+                        <a:spcBef>
+                          <a:spcPts val="0"/>
+                        </a:spcBef>
+                        <a:spcAft>
+                          <a:spcPts val="0"/>
+                        </a:spcAft>
+                        <a:buNone/>
+                      </a:pPr>
+                      <a:endParaRPr sz="1800"/>
+                    </a:p>
+                  </a:txBody>
+                  <a:tcPr marL="91450" marR="91450" marT="45725" marB="45725">
+                    <a:lnL w="9525" cap="flat" cmpd="sng">
+                      <a:solidFill>
+                        <a:srgbClr val="000000">
+                          <a:alpha val="0"/>
+                        </a:srgbClr>
+                      </a:solidFill>
+                      <a:prstDash val="solid"/>
+                      <a:round/>
+                      <a:headEnd type="none" w="sm" len="sm"/>
+                      <a:tailEnd type="none" w="sm" len="sm"/>
+                    </a:lnL>
+                    <a:lnR w="9525" cap="flat" cmpd="sng">
+                      <a:solidFill>
+                        <a:srgbClr val="000000">
+                          <a:alpha val="0"/>
+                        </a:srgbClr>
+                      </a:solidFill>
+                      <a:prstDash val="solid"/>
+                      <a:round/>
+                      <a:headEnd type="none" w="sm" len="sm"/>
+                      <a:tailEnd type="none" w="sm" len="sm"/>
+                    </a:lnR>
+                    <a:lnT w="9525" cap="flat" cmpd="sng">
+                      <a:solidFill>
+                        <a:srgbClr val="000000">
+                          <a:alpha val="0"/>
+                        </a:srgbClr>
+                      </a:solidFill>
+                      <a:prstDash val="solid"/>
+                      <a:round/>
+                      <a:headEnd type="none" w="sm" len="sm"/>
+                      <a:tailEnd type="none" w="sm" len="sm"/>
+                    </a:lnT>
+                    <a:lnB w="9525" cap="flat" cmpd="sng">
+                      <a:solidFill>
+                        <a:srgbClr val="000000">
+                          <a:alpha val="0"/>
+                        </a:srgbClr>
+                      </a:solidFill>
+                      <a:prstDash val="solid"/>
+                      <a:round/>
+                      <a:headEnd type="none" w="sm" len="sm"/>
+                      <a:tailEnd type="none" w="sm" len="sm"/>
+                    </a:lnB>
+                  </a:tcPr>
+                </a:tc>
+                <a:extLst>
+                  <a:ext uri="{0D108BD9-81ED-4DB2-BD59-A6C34878D82A}">
+                    <a16:rowId xmlns:a16="http://schemas.microsoft.com/office/drawing/2014/main" val="10000"/>
+                  </a:ext>
+                </a:extLst>
+              </a:tr>
+            </a:tbl>
+          </a:graphicData>
+        </a:graphic>
+      </p:graphicFrame>
+      <p:sp>
+        <p:nvSpPr>
+          <p:cNvPr id="9" name="TextBox 8">
+            <a:extLst>
+              <a:ext uri="{FF2B5EF4-FFF2-40B4-BE49-F238E27FC236}">
+                <a16:creationId xmlns:a16="http://schemas.microsoft.com/office/drawing/2014/main" id="{F4DF7DD2-3D15-41B5-BBF8-410230F9B214}"/>
+              </a:ext>
+            </a:extLst>
+          </p:cNvPr>
+          <p:cNvSpPr txBox="1"/>
+          <p:nvPr/>
+        </p:nvSpPr>
+        <p:spPr>
+          <a:xfrm>
+            <a:off x="384858" y="1290704"/>
+            <a:ext cx="7917083" cy="2862322"/>
+          </a:xfrm>
+          <a:prstGeom prst="rect">
+            <a:avLst/>
+          </a:prstGeom>
+          <a:noFill/>
+        </p:spPr>
+        <p:txBody>
+          <a:bodyPr wrap="square" rtlCol="0">
+            <a:spAutoFit/>
+          </a:bodyPr>
+          <a:lstStyle/>
+          <a:p>
+            <a:r>
+              <a:rPr lang="en-US" sz="3000" dirty="0">
+                <a:hlinkClick r:id="rId3"/>
+              </a:rPr>
+              <a:t>https://swirlstats.com/</a:t>
+            </a:r>
+            <a:endParaRPr lang="en-US" sz="3000" dirty="0"/>
+          </a:p>
+          <a:p>
+            <a:r>
+              <a:rPr lang="en-US" sz="3000" dirty="0">
+                <a:hlinkClick r:id="rId4"/>
+              </a:rPr>
+              <a:t>https://www.datacamp.com/</a:t>
+            </a:r>
+            <a:endParaRPr lang="en-US" sz="3000" dirty="0"/>
+          </a:p>
+          <a:p>
+            <a:r>
+              <a:rPr lang="en-US" sz="3000" dirty="0">
+                <a:hlinkClick r:id="rId5"/>
+              </a:rPr>
+              <a:t>http://tryr.codeschool.com/</a:t>
+            </a:r>
+            <a:r>
+              <a:rPr lang="en-US" sz="3000" dirty="0"/>
+              <a:t> </a:t>
+            </a:r>
+          </a:p>
+          <a:p>
+            <a:endParaRPr lang="en-US" sz="3000" dirty="0"/>
+          </a:p>
+          <a:p>
+            <a:r>
+              <a:rPr lang="en-US" sz="3000" dirty="0"/>
+              <a:t>Or just ask! </a:t>
+            </a:r>
+            <a:r>
+              <a:rPr lang="en-US" sz="3000" dirty="0">
+                <a:hlinkClick r:id="rId6"/>
+              </a:rPr>
+              <a:t>jmejiare@chicagobooth.edu</a:t>
+            </a:r>
+            <a:r>
+              <a:rPr lang="en-US" sz="3000" dirty="0"/>
+              <a:t> or </a:t>
+            </a:r>
+            <a:r>
+              <a:rPr lang="en-US" sz="3000" dirty="0">
+                <a:hlinkClick r:id="rId7"/>
+              </a:rPr>
+              <a:t>jmckee0@chicagobooth.edu</a:t>
+            </a:r>
+            <a:endParaRPr lang="en-US" sz="3000" dirty="0"/>
+          </a:p>
+        </p:txBody>
+      </p:sp>
+    </p:spTree>
+    <p:extLst>
+      <p:ext uri="{BB962C8B-B14F-4D97-AF65-F5344CB8AC3E}">
+        <p14:creationId xmlns:p14="http://schemas.microsoft.com/office/powerpoint/2010/main" val="690798502"/>
+      </p:ext>
+    </p:extLst>
+  </p:cSld>
+  <p:clrMapOvr>
+    <a:masterClrMapping/>
+  </p:clrMapOvr>
+</p:sld>
+</file>
+
+<file path=ppt/slides/slide19.xml><?xml version="1.0" encoding="utf-8"?>
+<p:sld xmlns:a="http://schemas.openxmlformats.org/drawingml/2006/main" xmlns:r="http://schemas.openxmlformats.org/officeDocument/2006/relationships" xmlns:p="http://schemas.openxmlformats.org/presentationml/2006/main">
+  <p:cSld>
+    <p:spTree>
+      <p:nvGrpSpPr>
+        <p:cNvPr id="1" name="Shape 95"/>
+        <p:cNvGrpSpPr/>
+        <p:nvPr/>
+      </p:nvGrpSpPr>
+      <p:grpSpPr>
+        <a:xfrm>
+          <a:off x="0" y="0"/>
+          <a:ext cx="0" cy="0"/>
+          <a:chOff x="0" y="0"/>
+          <a:chExt cx="0" cy="0"/>
+        </a:xfrm>
+      </p:grpSpPr>
+      <p:sp>
+        <p:nvSpPr>
+          <p:cNvPr id="96" name="Shape 96"/>
+          <p:cNvSpPr txBox="1"/>
+          <p:nvPr/>
+        </p:nvSpPr>
+        <p:spPr>
+          <a:xfrm>
+            <a:off x="4343400" y="6172200"/>
+            <a:ext cx="457200" cy="457200"/>
+          </a:xfrm>
+          <a:prstGeom prst="rect">
+            <a:avLst/>
+          </a:prstGeom>
+          <a:noFill/>
+          <a:ln>
+            <a:noFill/>
+          </a:ln>
+        </p:spPr>
+        <p:txBody>
+          <a:bodyPr spcFirstLastPara="1" wrap="square" lIns="91425" tIns="45700" rIns="91425" bIns="45700" anchor="t" anchorCtr="0">
+            <a:noAutofit/>
+          </a:bodyPr>
+          <a:lstStyle/>
+          <a:p>
+            <a:pPr marL="0" marR="0" lvl="0" indent="0" algn="ctr" rtl="0">
+              <a:spcBef>
+                <a:spcPts val="0"/>
+              </a:spcBef>
+              <a:spcAft>
+                <a:spcPts val="0"/>
+              </a:spcAft>
+              <a:buNone/>
+            </a:pPr>
+            <a:fld id="{00000000-1234-1234-1234-123412341234}" type="slidenum">
+              <a:rPr lang="en-US" sz="1000">
+                <a:solidFill>
+                  <a:schemeClr val="dk1"/>
+                </a:solidFill>
+                <a:latin typeface="Arial"/>
+                <a:ea typeface="Arial"/>
+                <a:cs typeface="Arial"/>
+                <a:sym typeface="Arial"/>
+              </a:rPr>
+              <a:t>19</a:t>
+            </a:fld>
+            <a:endParaRPr sz="1000">
+              <a:solidFill>
+                <a:schemeClr val="dk1"/>
+              </a:solidFill>
+              <a:latin typeface="Arial"/>
+              <a:ea typeface="Arial"/>
+              <a:cs typeface="Arial"/>
+              <a:sym typeface="Arial"/>
+            </a:endParaRPr>
+          </a:p>
+        </p:txBody>
+      </p:sp>
+      <p:sp>
+        <p:nvSpPr>
+          <p:cNvPr id="97" name="Shape 97"/>
+          <p:cNvSpPr txBox="1"/>
+          <p:nvPr/>
+        </p:nvSpPr>
+        <p:spPr>
+          <a:xfrm>
+            <a:off x="381000" y="223650"/>
+            <a:ext cx="8382000" cy="457200"/>
+          </a:xfrm>
+          <a:prstGeom prst="rect">
+            <a:avLst/>
+          </a:prstGeom>
+          <a:noFill/>
+          <a:ln>
+            <a:noFill/>
+          </a:ln>
+        </p:spPr>
+        <p:txBody>
+          <a:bodyPr spcFirstLastPara="1" wrap="square" lIns="91425" tIns="45700" rIns="91425" bIns="45700" anchor="t" anchorCtr="0">
+            <a:noAutofit/>
+          </a:bodyPr>
+          <a:lstStyle/>
+          <a:p>
+            <a:pPr marL="0" marR="0" lvl="0" indent="0" algn="l" rtl="0">
+              <a:spcBef>
+                <a:spcPts val="0"/>
+              </a:spcBef>
+              <a:spcAft>
+                <a:spcPts val="0"/>
+              </a:spcAft>
+              <a:buNone/>
+            </a:pPr>
+            <a:r>
+              <a:rPr lang="en-US" sz="2400" b="1" dirty="0">
+                <a:solidFill>
+                  <a:srgbClr val="820009"/>
+                </a:solidFill>
+              </a:rPr>
+              <a:t>Preview of Next Week’s Session</a:t>
             </a:r>
             <a:endParaRPr sz="2400" b="1" dirty="0">
               <a:solidFill>
@@ -15280,8 +16388,17 @@
                   <a:schemeClr val="dk1"/>
                 </a:solidFill>
               </a:rPr>
-              <a:t>Installing packages</a:t>
+              <a:t>R Overview</a:t>
             </a:r>
+            <a:endParaRPr lang="en-US" sz="2800" b="0" i="0" u="none" strike="noStrike" cap="none" dirty="0">
+              <a:solidFill>
+                <a:schemeClr val="dk1"/>
+              </a:solidFill>
+              <a:latin typeface="Arial"/>
+              <a:ea typeface="Arial"/>
+              <a:cs typeface="Arial"/>
+              <a:sym typeface="Arial"/>
+            </a:endParaRPr>
           </a:p>
           <a:p>
             <a:pPr marL="285750" marR="0" lvl="0" indent="-285750" algn="l" rtl="0">
@@ -15304,7 +16421,7 @@
                   <a:schemeClr val="dk1"/>
                 </a:solidFill>
               </a:rPr>
-              <a:t>Getting Started with Swirl</a:t>
+              <a:t>Installing packages</a:t>
             </a:r>
           </a:p>
           <a:p>
@@ -15328,7 +16445,7 @@
                   <a:schemeClr val="dk1"/>
                 </a:solidFill>
               </a:rPr>
-              <a:t>R Programming</a:t>
+              <a:t>Getting Started with Swirl</a:t>
             </a:r>
           </a:p>
           <a:p>
@@ -15352,7 +16469,7 @@
                   <a:schemeClr val="dk1"/>
                 </a:solidFill>
               </a:rPr>
-              <a:t>Regression Models</a:t>
+              <a:t>Preview Next Week</a:t>
             </a:r>
             <a:endParaRPr sz="2800" dirty="0">
               <a:solidFill>
@@ -15991,331 +17108,6 @@
                   <a:srgbClr val="820009"/>
                 </a:solidFill>
               </a:rPr>
-              <a:t>Introduction to R Studio</a:t>
-            </a:r>
-            <a:endParaRPr sz="2400" b="1" dirty="0">
-              <a:solidFill>
-                <a:srgbClr val="820009"/>
-              </a:solidFill>
-              <a:latin typeface="Arial"/>
-              <a:ea typeface="Arial"/>
-              <a:cs typeface="Arial"/>
-              <a:sym typeface="Arial"/>
-            </a:endParaRPr>
-          </a:p>
-        </p:txBody>
-      </p:sp>
-      <p:graphicFrame>
-        <p:nvGraphicFramePr>
-          <p:cNvPr id="99" name="Shape 99"/>
-          <p:cNvGraphicFramePr/>
-          <p:nvPr/>
-        </p:nvGraphicFramePr>
-        <p:xfrm>
-          <a:off x="5623560" y="560070"/>
-          <a:ext cx="208300" cy="365770"/>
-        </p:xfrm>
-        <a:graphic>
-          <a:graphicData uri="http://schemas.openxmlformats.org/drawingml/2006/table">
-            <a:tbl>
-              <a:tblPr>
-                <a:noFill/>
-                <a:tableStyleId>{3E517AEF-C05D-40B9-8274-1AED4C133E0D}</a:tableStyleId>
-              </a:tblPr>
-              <a:tblGrid>
-                <a:gridCol w="208300">
-                  <a:extLst>
-                    <a:ext uri="{9D8B030D-6E8A-4147-A177-3AD203B41FA5}">
-                      <a16:colId xmlns:a16="http://schemas.microsoft.com/office/drawing/2014/main" val="20000"/>
-                    </a:ext>
-                  </a:extLst>
-                </a:gridCol>
-              </a:tblGrid>
-              <a:tr h="0">
-                <a:tc>
-                  <a:txBody>
-                    <a:bodyPr/>
-                    <a:lstStyle/>
-                    <a:p>
-                      <a:pPr marL="0" marR="0" lvl="0" indent="0" algn="l" rtl="0">
-                        <a:spcBef>
-                          <a:spcPts val="0"/>
-                        </a:spcBef>
-                        <a:spcAft>
-                          <a:spcPts val="0"/>
-                        </a:spcAft>
-                        <a:buNone/>
-                      </a:pPr>
-                      <a:endParaRPr sz="1800"/>
-                    </a:p>
-                  </a:txBody>
-                  <a:tcPr marL="91450" marR="91450" marT="45725" marB="45725">
-                    <a:lnL w="9525" cap="flat" cmpd="sng">
-                      <a:solidFill>
-                        <a:srgbClr val="000000">
-                          <a:alpha val="0"/>
-                        </a:srgbClr>
-                      </a:solidFill>
-                      <a:prstDash val="solid"/>
-                      <a:round/>
-                      <a:headEnd type="none" w="sm" len="sm"/>
-                      <a:tailEnd type="none" w="sm" len="sm"/>
-                    </a:lnL>
-                    <a:lnR w="9525" cap="flat" cmpd="sng">
-                      <a:solidFill>
-                        <a:srgbClr val="000000">
-                          <a:alpha val="0"/>
-                        </a:srgbClr>
-                      </a:solidFill>
-                      <a:prstDash val="solid"/>
-                      <a:round/>
-                      <a:headEnd type="none" w="sm" len="sm"/>
-                      <a:tailEnd type="none" w="sm" len="sm"/>
-                    </a:lnR>
-                    <a:lnT w="9525" cap="flat" cmpd="sng">
-                      <a:solidFill>
-                        <a:srgbClr val="000000">
-                          <a:alpha val="0"/>
-                        </a:srgbClr>
-                      </a:solidFill>
-                      <a:prstDash val="solid"/>
-                      <a:round/>
-                      <a:headEnd type="none" w="sm" len="sm"/>
-                      <a:tailEnd type="none" w="sm" len="sm"/>
-                    </a:lnT>
-                    <a:lnB w="9525" cap="flat" cmpd="sng">
-                      <a:solidFill>
-                        <a:srgbClr val="000000">
-                          <a:alpha val="0"/>
-                        </a:srgbClr>
-                      </a:solidFill>
-                      <a:prstDash val="solid"/>
-                      <a:round/>
-                      <a:headEnd type="none" w="sm" len="sm"/>
-                      <a:tailEnd type="none" w="sm" len="sm"/>
-                    </a:lnB>
-                  </a:tcPr>
-                </a:tc>
-                <a:extLst>
-                  <a:ext uri="{0D108BD9-81ED-4DB2-BD59-A6C34878D82A}">
-                    <a16:rowId xmlns:a16="http://schemas.microsoft.com/office/drawing/2014/main" val="10000"/>
-                  </a:ext>
-                </a:extLst>
-              </a:tr>
-            </a:tbl>
-          </a:graphicData>
-        </a:graphic>
-      </p:graphicFrame>
-      <p:sp>
-        <p:nvSpPr>
-          <p:cNvPr id="7" name="TextBox 6">
-            <a:extLst>
-              <a:ext uri="{FF2B5EF4-FFF2-40B4-BE49-F238E27FC236}">
-                <a16:creationId xmlns:a16="http://schemas.microsoft.com/office/drawing/2014/main" id="{08632213-E1DB-4E3E-A327-973607EC3DED}"/>
-              </a:ext>
-            </a:extLst>
-          </p:cNvPr>
-          <p:cNvSpPr txBox="1"/>
-          <p:nvPr/>
-        </p:nvSpPr>
-        <p:spPr>
-          <a:xfrm>
-            <a:off x="473697" y="1017270"/>
-            <a:ext cx="7917083" cy="738664"/>
-          </a:xfrm>
-          <a:prstGeom prst="rect">
-            <a:avLst/>
-          </a:prstGeom>
-          <a:noFill/>
-        </p:spPr>
-        <p:txBody>
-          <a:bodyPr wrap="square" rtlCol="0">
-            <a:spAutoFit/>
-          </a:bodyPr>
-          <a:lstStyle/>
-          <a:p>
-            <a:r>
-              <a:rPr lang="en-US" dirty="0"/>
-              <a:t>R Studio is a FREE integrated development environment (IDE) for R and the preferred IDE at Booth. It provides a convenient interface to write code, see your working directory, and examine any plots all at the same time. Here’s an example of what it looks like:</a:t>
-            </a:r>
-          </a:p>
-        </p:txBody>
-      </p:sp>
-      <p:pic>
-        <p:nvPicPr>
-          <p:cNvPr id="1026" name="Picture 2" descr="Image result for r studio">
-            <a:extLst>
-              <a:ext uri="{FF2B5EF4-FFF2-40B4-BE49-F238E27FC236}">
-                <a16:creationId xmlns:a16="http://schemas.microsoft.com/office/drawing/2014/main" id="{98BFC059-960A-4A69-97EB-A01F231A0243}"/>
-              </a:ext>
-            </a:extLst>
-          </p:cNvPr>
-          <p:cNvPicPr>
-            <a:picLocks noChangeAspect="1" noChangeArrowheads="1"/>
-          </p:cNvPicPr>
-          <p:nvPr/>
-        </p:nvPicPr>
-        <p:blipFill>
-          <a:blip r:embed="rId3">
-            <a:extLst>
-              <a:ext uri="{28A0092B-C50C-407E-A947-70E740481C1C}">
-                <a14:useLocalDpi xmlns:a14="http://schemas.microsoft.com/office/drawing/2010/main" val="0"/>
-              </a:ext>
-            </a:extLst>
-          </a:blip>
-          <a:srcRect/>
-          <a:stretch>
-            <a:fillRect/>
-          </a:stretch>
-        </p:blipFill>
-        <p:spPr bwMode="auto">
-          <a:xfrm>
-            <a:off x="2335412" y="1833496"/>
-            <a:ext cx="4473175" cy="3724054"/>
-          </a:xfrm>
-          <a:prstGeom prst="rect">
-            <a:avLst/>
-          </a:prstGeom>
-          <a:noFill/>
-          <a:extLst>
-            <a:ext uri="{909E8E84-426E-40DD-AFC4-6F175D3DCCD1}">
-              <a14:hiddenFill xmlns:a14="http://schemas.microsoft.com/office/drawing/2010/main">
-                <a:solidFill>
-                  <a:srgbClr val="FFFFFF"/>
-                </a:solidFill>
-              </a14:hiddenFill>
-            </a:ext>
-          </a:extLst>
-        </p:spPr>
-      </p:pic>
-    </p:spTree>
-    <p:extLst>
-      <p:ext uri="{BB962C8B-B14F-4D97-AF65-F5344CB8AC3E}">
-        <p14:creationId xmlns:p14="http://schemas.microsoft.com/office/powerpoint/2010/main" val="3880641647"/>
-      </p:ext>
-    </p:extLst>
-  </p:cSld>
-  <p:clrMapOvr>
-    <a:masterClrMapping/>
-  </p:clrMapOvr>
-</p:sld>
-</file>
-
-<file path=ppt/slides/slide6.xml><?xml version="1.0" encoding="utf-8"?>
-<p:sld xmlns:a="http://schemas.openxmlformats.org/drawingml/2006/main" xmlns:r="http://schemas.openxmlformats.org/officeDocument/2006/relationships" xmlns:p="http://schemas.openxmlformats.org/presentationml/2006/main">
-  <p:cSld>
-    <p:spTree>
-      <p:nvGrpSpPr>
-        <p:cNvPr id="1" name="Shape 95"/>
-        <p:cNvGrpSpPr/>
-        <p:nvPr/>
-      </p:nvGrpSpPr>
-      <p:grpSpPr>
-        <a:xfrm>
-          <a:off x="0" y="0"/>
-          <a:ext cx="0" cy="0"/>
-          <a:chOff x="0" y="0"/>
-          <a:chExt cx="0" cy="0"/>
-        </a:xfrm>
-      </p:grpSpPr>
-      <p:sp>
-        <p:nvSpPr>
-          <p:cNvPr id="96" name="Shape 96"/>
-          <p:cNvSpPr txBox="1"/>
-          <p:nvPr/>
-        </p:nvSpPr>
-        <p:spPr>
-          <a:xfrm>
-            <a:off x="4343400" y="6172200"/>
-            <a:ext cx="457200" cy="457200"/>
-          </a:xfrm>
-          <a:prstGeom prst="rect">
-            <a:avLst/>
-          </a:prstGeom>
-          <a:noFill/>
-          <a:ln>
-            <a:noFill/>
-          </a:ln>
-        </p:spPr>
-        <p:txBody>
-          <a:bodyPr spcFirstLastPara="1" wrap="square" lIns="91425" tIns="45700" rIns="91425" bIns="45700" anchor="t" anchorCtr="0">
-            <a:noAutofit/>
-          </a:bodyPr>
-          <a:lstStyle/>
-          <a:p>
-            <a:pPr marL="0" marR="0" lvl="0" indent="0" algn="ctr" rtl="0">
-              <a:spcBef>
-                <a:spcPts val="0"/>
-              </a:spcBef>
-              <a:spcAft>
-                <a:spcPts val="0"/>
-              </a:spcAft>
-              <a:buNone/>
-            </a:pPr>
-            <a:fld id="{00000000-1234-1234-1234-123412341234}" type="slidenum">
-              <a:rPr lang="en-US" sz="1000">
-                <a:solidFill>
-                  <a:schemeClr val="dk1"/>
-                </a:solidFill>
-                <a:latin typeface="Arial"/>
-                <a:ea typeface="Arial"/>
-                <a:cs typeface="Arial"/>
-                <a:sym typeface="Arial"/>
-              </a:rPr>
-              <a:t>6</a:t>
-            </a:fld>
-            <a:endParaRPr sz="1000">
-              <a:solidFill>
-                <a:schemeClr val="dk1"/>
-              </a:solidFill>
-              <a:latin typeface="Arial"/>
-              <a:ea typeface="Arial"/>
-              <a:cs typeface="Arial"/>
-              <a:sym typeface="Arial"/>
-            </a:endParaRPr>
-          </a:p>
-        </p:txBody>
-      </p:sp>
-      <p:sp>
-        <p:nvSpPr>
-          <p:cNvPr id="97" name="Shape 97"/>
-          <p:cNvSpPr txBox="1"/>
-          <p:nvPr/>
-        </p:nvSpPr>
-        <p:spPr>
-          <a:xfrm>
-            <a:off x="381000" y="223650"/>
-            <a:ext cx="8382000" cy="457200"/>
-          </a:xfrm>
-          <a:prstGeom prst="rect">
-            <a:avLst/>
-          </a:prstGeom>
-          <a:noFill/>
-          <a:ln>
-            <a:noFill/>
-          </a:ln>
-        </p:spPr>
-        <p:txBody>
-          <a:bodyPr spcFirstLastPara="1" wrap="square" lIns="91425" tIns="45700" rIns="91425" bIns="45700" anchor="t" anchorCtr="0">
-            <a:noAutofit/>
-          </a:bodyPr>
-          <a:lstStyle/>
-          <a:p>
-            <a:pPr marL="0" marR="0" lvl="0" indent="0" algn="l" rtl="0">
-              <a:spcBef>
-                <a:spcPts val="0"/>
-              </a:spcBef>
-              <a:spcAft>
-                <a:spcPts val="0"/>
-              </a:spcAft>
-              <a:buNone/>
-            </a:pPr>
-            <a:r>
-              <a:rPr lang="en-US" sz="2400" b="1" dirty="0">
-                <a:solidFill>
-                  <a:srgbClr val="820009"/>
-                </a:solidFill>
-              </a:rPr>
               <a:t>Downloading and Installing R Studio</a:t>
             </a:r>
             <a:endParaRPr sz="2400" b="1" dirty="0">
@@ -16571,7 +17363,7 @@
 </p:sld>
 </file>
 
-<file path=ppt/slides/slide7.xml><?xml version="1.0" encoding="utf-8"?>
+<file path=ppt/slides/slide6.xml><?xml version="1.0" encoding="utf-8"?>
 <p:sld xmlns:a="http://schemas.openxmlformats.org/drawingml/2006/main" xmlns:r="http://schemas.openxmlformats.org/officeDocument/2006/relationships" xmlns:p="http://schemas.openxmlformats.org/presentationml/2006/main">
   <p:cSld>
     <p:spTree>
@@ -16632,7 +17424,7 @@
                 <a:cs typeface="Arial"/>
                 <a:sym typeface="Arial"/>
               </a:rPr>
-              <a:t>7</a:t>
+              <a:t>6</a:t>
             </a:fld>
             <a:endParaRPr sz="1000">
               <a:solidFill>
@@ -17033,7 +17825,7 @@
 </p:sld>
 </file>
 
-<file path=ppt/slides/slide8.xml><?xml version="1.0" encoding="utf-8"?>
+<file path=ppt/slides/slide7.xml><?xml version="1.0" encoding="utf-8"?>
 <p:sld xmlns:a="http://schemas.openxmlformats.org/drawingml/2006/main" xmlns:r="http://schemas.openxmlformats.org/officeDocument/2006/relationships" xmlns:p="http://schemas.openxmlformats.org/presentationml/2006/main">
   <p:cSld>
     <p:spTree>
@@ -17073,7 +17865,7 @@
           <a:p>
             <a:r>
               <a:rPr lang="en-US" dirty="0"/>
-              <a:t>Installing Packages</a:t>
+              <a:t>What is R?</a:t>
             </a:r>
           </a:p>
         </p:txBody>
@@ -17110,7 +17902,7 @@
             </a:pPr>
             <a:fld id="{00000000-1234-1234-1234-123412341234}" type="slidenum">
               <a:rPr lang="en-US" smtClean="0"/>
-              <a:t>8</a:t>
+              <a:t>7</a:t>
             </a:fld>
             <a:endParaRPr lang="en-US"/>
           </a:p>
@@ -17119,7 +17911,7 @@
     </p:spTree>
     <p:extLst>
       <p:ext uri="{BB962C8B-B14F-4D97-AF65-F5344CB8AC3E}">
-        <p14:creationId xmlns:p14="http://schemas.microsoft.com/office/powerpoint/2010/main" val="464181074"/>
+        <p14:creationId xmlns:p14="http://schemas.microsoft.com/office/powerpoint/2010/main" val="2415308726"/>
       </p:ext>
     </p:extLst>
   </p:cSld>
@@ -17129,7 +17921,7 @@
 </p:sld>
 </file>
 
-<file path=ppt/slides/slide9.xml><?xml version="1.0" encoding="utf-8"?>
+<file path=ppt/slides/slide8.xml><?xml version="1.0" encoding="utf-8"?>
 <p:sld xmlns:a="http://schemas.openxmlformats.org/drawingml/2006/main" xmlns:r="http://schemas.openxmlformats.org/officeDocument/2006/relationships" xmlns:p="http://schemas.openxmlformats.org/presentationml/2006/main">
   <p:cSld>
     <p:spTree>
@@ -17190,7 +17982,7 @@
                 <a:cs typeface="Arial"/>
                 <a:sym typeface="Arial"/>
               </a:rPr>
-              <a:t>9</a:t>
+              <a:t>8</a:t>
             </a:fld>
             <a:endParaRPr sz="1000">
               <a:solidFill>
@@ -17244,7 +18036,7 @@
                   <a:srgbClr val="820009"/>
                 </a:solidFill>
               </a:rPr>
-              <a:t>Installing and Loading Packages in R</a:t>
+              <a:t>What is R?</a:t>
             </a:r>
             <a:endParaRPr sz="2400" b="1" dirty="0">
               <a:solidFill>
@@ -17374,7 +18166,7 @@
         <p:spPr>
           <a:xfrm>
             <a:off x="473697" y="1017270"/>
-            <a:ext cx="7917083" cy="1600438"/>
+            <a:ext cx="7917083" cy="1815882"/>
           </a:xfrm>
           <a:prstGeom prst="rect">
             <a:avLst/>
@@ -17389,15 +18181,7 @@
           <a:p>
             <a:r>
               <a:rPr lang="en-US" dirty="0"/>
-              <a:t>One of the key strengths of R is the fact that so many R developers have written packages and shared them with the larger community through CRAN (the Comprehensive R Archive Network). Base R allows you to install and load these packages directly through the R interface with the </a:t>
-            </a:r>
-            <a:r>
-              <a:rPr lang="en-US" dirty="0" err="1"/>
-              <a:t>install.packages</a:t>
-            </a:r>
-            <a:r>
-              <a:rPr lang="en-US" dirty="0"/>
-              <a:t>() and library() functions. The package that we are going to install and use today is “swirl”, a software package for learning R, directly in R!</a:t>
+              <a:t>R is an open source (thus FREE) programming language for statistical computing and plotting that is supported by the R Foundation for Statistical Computing. R is widely used among academics, statisticians, and data scientists for data analysis and is the default statistical programming language here at Booth.</a:t>
             </a:r>
           </a:p>
           <a:p>
@@ -17406,54 +18190,449 @@
           <a:p>
             <a:r>
               <a:rPr lang="en-US" dirty="0"/>
-              <a:t>Type ‘</a:t>
+              <a:t>R’s primary strength is its support of user-written packages that allow you to easily run complicated/state of the art analyses without having to write (or necessarily even understand) the code yourself. In particular, R’s visualization packages are </a:t>
             </a:r>
             <a:r>
-              <a:rPr lang="en-US" dirty="0" err="1"/>
-              <a:t>install.packages</a:t>
+              <a:rPr lang="en-US"/>
+              <a:t>considered best-in-class.</a:t>
             </a:r>
-            <a:r>
-              <a:rPr lang="en-US" dirty="0"/>
-              <a:t>(“swirl”)’ followed by ‘library(swirl)’.</a:t>
-            </a:r>
+            <a:endParaRPr lang="en-US" dirty="0"/>
           </a:p>
         </p:txBody>
       </p:sp>
       <p:pic>
         <p:nvPicPr>
-          <p:cNvPr id="2" name="Picture 1">
+          <p:cNvPr id="8" name="Shape 246">
             <a:extLst>
               <a:ext uri="{FF2B5EF4-FFF2-40B4-BE49-F238E27FC236}">
-                <a16:creationId xmlns:a16="http://schemas.microsoft.com/office/drawing/2014/main" id="{E00E1AD8-7740-4D86-AE76-493B4E238B8E}"/>
+                <a16:creationId xmlns:a16="http://schemas.microsoft.com/office/drawing/2014/main" id="{B81620D6-FA31-4C9E-8D6D-930A64156CC9}"/>
               </a:ext>
             </a:extLst>
           </p:cNvPr>
-          <p:cNvPicPr>
-            <a:picLocks noChangeAspect="1"/>
-          </p:cNvPicPr>
+          <p:cNvPicPr preferRelativeResize="0"/>
           <p:nvPr/>
         </p:nvPicPr>
         <p:blipFill rotWithShape="1">
-          <a:blip r:embed="rId3"/>
-          <a:srcRect t="51609" r="28283" b="4726"/>
+          <a:blip r:embed="rId3">
+            <a:alphaModFix/>
+          </a:blip>
+          <a:srcRect/>
           <a:stretch/>
         </p:blipFill>
         <p:spPr>
           <a:xfrm>
-            <a:off x="719982" y="2924582"/>
-            <a:ext cx="7704035" cy="2202886"/>
+            <a:off x="4800600" y="4115019"/>
+            <a:ext cx="2581262" cy="1852594"/>
           </a:xfrm>
           <a:prstGeom prst="rect">
             <a:avLst/>
           </a:prstGeom>
+          <a:noFill/>
+          <a:ln>
+            <a:noFill/>
+          </a:ln>
+          <a:effectLst>
+            <a:outerShdw blurRad="50800" dist="38100" dir="2700000" algn="tl" rotWithShape="0">
+              <a:srgbClr val="000000">
+                <a:alpha val="40000"/>
+              </a:srgbClr>
+            </a:outerShdw>
+          </a:effectLst>
         </p:spPr>
       </p:pic>
+      <p:pic>
+        <p:nvPicPr>
+          <p:cNvPr id="9" name="Shape 247">
+            <a:extLst>
+              <a:ext uri="{FF2B5EF4-FFF2-40B4-BE49-F238E27FC236}">
+                <a16:creationId xmlns:a16="http://schemas.microsoft.com/office/drawing/2014/main" id="{47E0E996-D9C9-4422-8CC8-61AF007D2F91}"/>
+              </a:ext>
+            </a:extLst>
+          </p:cNvPr>
+          <p:cNvPicPr preferRelativeResize="0"/>
+          <p:nvPr/>
+        </p:nvPicPr>
+        <p:blipFill rotWithShape="1">
+          <a:blip r:embed="rId4">
+            <a:alphaModFix/>
+          </a:blip>
+          <a:srcRect/>
+          <a:stretch/>
+        </p:blipFill>
+        <p:spPr>
+          <a:xfrm>
+            <a:off x="1317511" y="2924582"/>
+            <a:ext cx="2963074" cy="1831381"/>
+          </a:xfrm>
+          <a:prstGeom prst="rect">
+            <a:avLst/>
+          </a:prstGeom>
+          <a:noFill/>
+          <a:ln>
+            <a:noFill/>
+          </a:ln>
+          <a:effectLst>
+            <a:outerShdw blurRad="50800" dist="38100" dir="2700000" algn="tl" rotWithShape="0">
+              <a:srgbClr val="000000">
+                <a:alpha val="40000"/>
+              </a:srgbClr>
+            </a:outerShdw>
+          </a:effectLst>
+        </p:spPr>
+      </p:pic>
+      <p:pic>
+        <p:nvPicPr>
+          <p:cNvPr id="10" name="Shape 248">
+            <a:extLst>
+              <a:ext uri="{FF2B5EF4-FFF2-40B4-BE49-F238E27FC236}">
+                <a16:creationId xmlns:a16="http://schemas.microsoft.com/office/drawing/2014/main" id="{5D1DC2F7-D00C-4C2A-B1CC-44DF40FF965F}"/>
+              </a:ext>
+            </a:extLst>
+          </p:cNvPr>
+          <p:cNvPicPr preferRelativeResize="0"/>
+          <p:nvPr/>
+        </p:nvPicPr>
+        <p:blipFill rotWithShape="1">
+          <a:blip r:embed="rId5">
+            <a:alphaModFix/>
+          </a:blip>
+          <a:srcRect/>
+          <a:stretch/>
+        </p:blipFill>
+        <p:spPr>
+          <a:xfrm>
+            <a:off x="4292014" y="3131035"/>
+            <a:ext cx="2070959" cy="1682224"/>
+          </a:xfrm>
+          <a:prstGeom prst="rect">
+            <a:avLst/>
+          </a:prstGeom>
+          <a:noFill/>
+          <a:ln>
+            <a:noFill/>
+          </a:ln>
+          <a:effectLst>
+            <a:outerShdw blurRad="50800" dist="50800" dir="5400000" algn="ctr" rotWithShape="0">
+              <a:schemeClr val="dk1"/>
+            </a:outerShdw>
+          </a:effectLst>
+        </p:spPr>
+      </p:pic>
+      <p:pic>
+        <p:nvPicPr>
+          <p:cNvPr id="11" name="Shape 249">
+            <a:extLst>
+              <a:ext uri="{FF2B5EF4-FFF2-40B4-BE49-F238E27FC236}">
+                <a16:creationId xmlns:a16="http://schemas.microsoft.com/office/drawing/2014/main" id="{66C470DD-7FB3-443B-8E6C-74563CD7E272}"/>
+              </a:ext>
+            </a:extLst>
+          </p:cNvPr>
+          <p:cNvPicPr preferRelativeResize="0"/>
+          <p:nvPr/>
+        </p:nvPicPr>
+        <p:blipFill rotWithShape="1">
+          <a:blip r:embed="rId6">
+            <a:alphaModFix/>
+          </a:blip>
+          <a:srcRect/>
+          <a:stretch/>
+        </p:blipFill>
+        <p:spPr>
+          <a:xfrm>
+            <a:off x="1985264" y="4755963"/>
+            <a:ext cx="1209967" cy="1220722"/>
+          </a:xfrm>
+          <a:prstGeom prst="rect">
+            <a:avLst/>
+          </a:prstGeom>
+          <a:noFill/>
+          <a:ln>
+            <a:noFill/>
+          </a:ln>
+        </p:spPr>
+      </p:pic>
+      <p:pic>
+        <p:nvPicPr>
+          <p:cNvPr id="12" name="Shape 250">
+            <a:extLst>
+              <a:ext uri="{FF2B5EF4-FFF2-40B4-BE49-F238E27FC236}">
+                <a16:creationId xmlns:a16="http://schemas.microsoft.com/office/drawing/2014/main" id="{139FC1B2-FE9A-4661-983C-7276505AB4D6}"/>
+              </a:ext>
+            </a:extLst>
+          </p:cNvPr>
+          <p:cNvPicPr preferRelativeResize="0"/>
+          <p:nvPr/>
+        </p:nvPicPr>
+        <p:blipFill rotWithShape="1">
+          <a:blip r:embed="rId7">
+            <a:alphaModFix/>
+          </a:blip>
+          <a:srcRect/>
+          <a:stretch/>
+        </p:blipFill>
+        <p:spPr>
+          <a:xfrm>
+            <a:off x="3193079" y="4292585"/>
+            <a:ext cx="1690337" cy="1684100"/>
+          </a:xfrm>
+          <a:prstGeom prst="rect">
+            <a:avLst/>
+          </a:prstGeom>
+          <a:noFill/>
+          <a:ln>
+            <a:noFill/>
+          </a:ln>
+        </p:spPr>
+      </p:pic>
+    </p:spTree>
+    <p:extLst>
+      <p:ext uri="{BB962C8B-B14F-4D97-AF65-F5344CB8AC3E}">
+        <p14:creationId xmlns:p14="http://schemas.microsoft.com/office/powerpoint/2010/main" val="3783727925"/>
+      </p:ext>
+    </p:extLst>
+  </p:cSld>
+  <p:clrMapOvr>
+    <a:masterClrMapping/>
+  </p:clrMapOvr>
+</p:sld>
+</file>
+
+<file path=ppt/slides/slide9.xml><?xml version="1.0" encoding="utf-8"?>
+<p:sld xmlns:a="http://schemas.openxmlformats.org/drawingml/2006/main" xmlns:r="http://schemas.openxmlformats.org/officeDocument/2006/relationships" xmlns:p="http://schemas.openxmlformats.org/presentationml/2006/main">
+  <p:cSld>
+    <p:spTree>
+      <p:nvGrpSpPr>
+        <p:cNvPr id="1" name="Shape 95"/>
+        <p:cNvGrpSpPr/>
+        <p:nvPr/>
+      </p:nvGrpSpPr>
+      <p:grpSpPr>
+        <a:xfrm>
+          <a:off x="0" y="0"/>
+          <a:ext cx="0" cy="0"/>
+          <a:chOff x="0" y="0"/>
+          <a:chExt cx="0" cy="0"/>
+        </a:xfrm>
+      </p:grpSpPr>
       <p:sp>
         <p:nvSpPr>
-          <p:cNvPr id="10" name="TextBox 9">
+          <p:cNvPr id="96" name="Shape 96"/>
+          <p:cNvSpPr txBox="1"/>
+          <p:nvPr/>
+        </p:nvSpPr>
+        <p:spPr>
+          <a:xfrm>
+            <a:off x="4343400" y="6172200"/>
+            <a:ext cx="457200" cy="457200"/>
+          </a:xfrm>
+          <a:prstGeom prst="rect">
+            <a:avLst/>
+          </a:prstGeom>
+          <a:noFill/>
+          <a:ln>
+            <a:noFill/>
+          </a:ln>
+        </p:spPr>
+        <p:txBody>
+          <a:bodyPr spcFirstLastPara="1" wrap="square" lIns="91425" tIns="45700" rIns="91425" bIns="45700" anchor="t" anchorCtr="0">
+            <a:noAutofit/>
+          </a:bodyPr>
+          <a:lstStyle/>
+          <a:p>
+            <a:pPr marL="0" marR="0" lvl="0" indent="0" algn="ctr" rtl="0">
+              <a:spcBef>
+                <a:spcPts val="0"/>
+              </a:spcBef>
+              <a:spcAft>
+                <a:spcPts val="0"/>
+              </a:spcAft>
+              <a:buNone/>
+            </a:pPr>
+            <a:fld id="{00000000-1234-1234-1234-123412341234}" type="slidenum">
+              <a:rPr lang="en-US" sz="1000">
+                <a:solidFill>
+                  <a:schemeClr val="dk1"/>
+                </a:solidFill>
+                <a:latin typeface="Arial"/>
+                <a:ea typeface="Arial"/>
+                <a:cs typeface="Arial"/>
+                <a:sym typeface="Arial"/>
+              </a:rPr>
+              <a:t>9</a:t>
+            </a:fld>
+            <a:endParaRPr sz="1000">
+              <a:solidFill>
+                <a:schemeClr val="dk1"/>
+              </a:solidFill>
+              <a:latin typeface="Arial"/>
+              <a:ea typeface="Arial"/>
+              <a:cs typeface="Arial"/>
+              <a:sym typeface="Arial"/>
+            </a:endParaRPr>
+          </a:p>
+        </p:txBody>
+      </p:sp>
+      <p:sp>
+        <p:nvSpPr>
+          <p:cNvPr id="97" name="Shape 97"/>
+          <p:cNvSpPr txBox="1"/>
+          <p:nvPr/>
+        </p:nvSpPr>
+        <p:spPr>
+          <a:xfrm>
+            <a:off x="381000" y="223650"/>
+            <a:ext cx="8382000" cy="457200"/>
+          </a:xfrm>
+          <a:prstGeom prst="rect">
+            <a:avLst/>
+          </a:prstGeom>
+          <a:noFill/>
+          <a:ln>
+            <a:noFill/>
+          </a:ln>
+        </p:spPr>
+        <p:txBody>
+          <a:bodyPr spcFirstLastPara="1" wrap="square" lIns="91425" tIns="45700" rIns="91425" bIns="45700" anchor="t" anchorCtr="0">
+            <a:noAutofit/>
+          </a:bodyPr>
+          <a:lstStyle/>
+          <a:p>
+            <a:pPr marL="0" marR="0" lvl="0" indent="0" algn="l" rtl="0">
+              <a:spcBef>
+                <a:spcPts val="0"/>
+              </a:spcBef>
+              <a:spcAft>
+                <a:spcPts val="0"/>
+              </a:spcAft>
+              <a:buNone/>
+            </a:pPr>
+            <a:r>
+              <a:rPr lang="en-US" sz="2400" b="1" dirty="0">
+                <a:solidFill>
+                  <a:srgbClr val="820009"/>
+                </a:solidFill>
+              </a:rPr>
+              <a:t>What is R Studio?</a:t>
+            </a:r>
+            <a:endParaRPr sz="2400" b="1" dirty="0">
+              <a:solidFill>
+                <a:srgbClr val="820009"/>
+              </a:solidFill>
+              <a:latin typeface="Arial"/>
+              <a:ea typeface="Arial"/>
+              <a:cs typeface="Arial"/>
+              <a:sym typeface="Arial"/>
+            </a:endParaRPr>
+          </a:p>
+        </p:txBody>
+      </p:sp>
+      <p:graphicFrame>
+        <p:nvGraphicFramePr>
+          <p:cNvPr id="99" name="Shape 99"/>
+          <p:cNvGraphicFramePr/>
+          <p:nvPr/>
+        </p:nvGraphicFramePr>
+        <p:xfrm>
+          <a:off x="5623560" y="560070"/>
+          <a:ext cx="208300" cy="365770"/>
+        </p:xfrm>
+        <a:graphic>
+          <a:graphicData uri="http://schemas.openxmlformats.org/drawingml/2006/table">
+            <a:tbl>
+              <a:tblPr>
+                <a:noFill/>
+                <a:tableStyleId>{3E517AEF-C05D-40B9-8274-1AED4C133E0D}</a:tableStyleId>
+              </a:tblPr>
+              <a:tblGrid>
+                <a:gridCol w="208300">
+                  <a:extLst>
+                    <a:ext uri="{9D8B030D-6E8A-4147-A177-3AD203B41FA5}">
+                      <a16:colId xmlns:a16="http://schemas.microsoft.com/office/drawing/2014/main" val="20000"/>
+                    </a:ext>
+                  </a:extLst>
+                </a:gridCol>
+              </a:tblGrid>
+              <a:tr h="0">
+                <a:tc>
+                  <a:txBody>
+                    <a:bodyPr/>
+                    <a:lstStyle/>
+                    <a:p>
+                      <a:pPr marL="0" marR="0" lvl="0" indent="0" algn="l" rtl="0">
+                        <a:spcBef>
+                          <a:spcPts val="0"/>
+                        </a:spcBef>
+                        <a:spcAft>
+                          <a:spcPts val="0"/>
+                        </a:spcAft>
+                        <a:buNone/>
+                      </a:pPr>
+                      <a:endParaRPr sz="1800"/>
+                    </a:p>
+                  </a:txBody>
+                  <a:tcPr marL="91450" marR="91450" marT="45725" marB="45725">
+                    <a:lnL w="9525" cap="flat" cmpd="sng">
+                      <a:solidFill>
+                        <a:srgbClr val="000000">
+                          <a:alpha val="0"/>
+                        </a:srgbClr>
+                      </a:solidFill>
+                      <a:prstDash val="solid"/>
+                      <a:round/>
+                      <a:headEnd type="none" w="sm" len="sm"/>
+                      <a:tailEnd type="none" w="sm" len="sm"/>
+                    </a:lnL>
+                    <a:lnR w="9525" cap="flat" cmpd="sng">
+                      <a:solidFill>
+                        <a:srgbClr val="000000">
+                          <a:alpha val="0"/>
+                        </a:srgbClr>
+                      </a:solidFill>
+                      <a:prstDash val="solid"/>
+                      <a:round/>
+                      <a:headEnd type="none" w="sm" len="sm"/>
+                      <a:tailEnd type="none" w="sm" len="sm"/>
+                    </a:lnR>
+                    <a:lnT w="9525" cap="flat" cmpd="sng">
+                      <a:solidFill>
+                        <a:srgbClr val="000000">
+                          <a:alpha val="0"/>
+                        </a:srgbClr>
+                      </a:solidFill>
+                      <a:prstDash val="solid"/>
+                      <a:round/>
+                      <a:headEnd type="none" w="sm" len="sm"/>
+                      <a:tailEnd type="none" w="sm" len="sm"/>
+                    </a:lnT>
+                    <a:lnB w="9525" cap="flat" cmpd="sng">
+                      <a:solidFill>
+                        <a:srgbClr val="000000">
+                          <a:alpha val="0"/>
+                        </a:srgbClr>
+                      </a:solidFill>
+                      <a:prstDash val="solid"/>
+                      <a:round/>
+                      <a:headEnd type="none" w="sm" len="sm"/>
+                      <a:tailEnd type="none" w="sm" len="sm"/>
+                    </a:lnB>
+                  </a:tcPr>
+                </a:tc>
+                <a:extLst>
+                  <a:ext uri="{0D108BD9-81ED-4DB2-BD59-A6C34878D82A}">
+                    <a16:rowId xmlns:a16="http://schemas.microsoft.com/office/drawing/2014/main" val="10000"/>
+                  </a:ext>
+                </a:extLst>
+              </a:tr>
+            </a:tbl>
+          </a:graphicData>
+        </a:graphic>
+      </p:graphicFrame>
+      <p:sp>
+        <p:nvSpPr>
+          <p:cNvPr id="7" name="TextBox 6">
             <a:extLst>
               <a:ext uri="{FF2B5EF4-FFF2-40B4-BE49-F238E27FC236}">
-                <a16:creationId xmlns:a16="http://schemas.microsoft.com/office/drawing/2014/main" id="{9663A82C-AC7D-4DC9-9F24-6CB34609AA06}"/>
+                <a16:creationId xmlns:a16="http://schemas.microsoft.com/office/drawing/2014/main" id="{08632213-E1DB-4E3E-A327-973607EC3DED}"/>
               </a:ext>
             </a:extLst>
           </p:cNvPr>
@@ -17462,8 +18641,8 @@
         </p:nvSpPr>
         <p:spPr>
           <a:xfrm>
-            <a:off x="384858" y="5218898"/>
-            <a:ext cx="7917083" cy="523220"/>
+            <a:off x="473697" y="1017270"/>
+            <a:ext cx="7917083" cy="738664"/>
           </a:xfrm>
           <a:prstGeom prst="rect">
             <a:avLst/>
@@ -17478,15 +18657,62 @@
           <a:p>
             <a:r>
               <a:rPr lang="en-US" dirty="0"/>
-              <a:t>This is exactly the same process you will use to install and load any R packages that you may need in the future</a:t>
+              <a:t>R Studio is a FREE integrated development environment (IDE) for R and the preferred IDE at Booth. It provides a convenient interface to write and test code, see your working directory, and examine plots/read help files all at the same time.</a:t>
             </a:r>
           </a:p>
         </p:txBody>
       </p:sp>
+      <p:pic>
+        <p:nvPicPr>
+          <p:cNvPr id="1026" name="Picture 2" descr="Image result for r studio">
+            <a:extLst>
+              <a:ext uri="{FF2B5EF4-FFF2-40B4-BE49-F238E27FC236}">
+                <a16:creationId xmlns:a16="http://schemas.microsoft.com/office/drawing/2014/main" id="{98BFC059-960A-4A69-97EB-A01F231A0243}"/>
+              </a:ext>
+            </a:extLst>
+          </p:cNvPr>
+          <p:cNvPicPr>
+            <a:picLocks noChangeAspect="1" noChangeArrowheads="1"/>
+          </p:cNvPicPr>
+          <p:nvPr/>
+        </p:nvPicPr>
+        <p:blipFill>
+          <a:blip r:embed="rId3">
+            <a:extLst>
+              <a:ext uri="{28A0092B-C50C-407E-A947-70E740481C1C}">
+                <a14:useLocalDpi xmlns:a14="http://schemas.microsoft.com/office/drawing/2010/main" val="0"/>
+              </a:ext>
+            </a:extLst>
+          </a:blip>
+          <a:srcRect/>
+          <a:stretch>
+            <a:fillRect/>
+          </a:stretch>
+        </p:blipFill>
+        <p:spPr bwMode="auto">
+          <a:xfrm>
+            <a:off x="2335412" y="1833496"/>
+            <a:ext cx="4473175" cy="3724054"/>
+          </a:xfrm>
+          <a:prstGeom prst="rect">
+            <a:avLst/>
+          </a:prstGeom>
+          <a:noFill/>
+          <a:extLst>
+            <a:ext uri="{909E8E84-426E-40DD-AFC4-6F175D3DCCD1}">
+              <a14:hiddenFill xmlns:a14="http://schemas.microsoft.com/office/drawing/2010/main">
+                <a:solidFill>
+                  <a:srgbClr val="FFFFFF"/>
+                </a:solidFill>
+              </a14:hiddenFill>
+            </a:ext>
+          </a:extLst>
+        </p:spPr>
+      </p:pic>
     </p:spTree>
     <p:extLst>
       <p:ext uri="{BB962C8B-B14F-4D97-AF65-F5344CB8AC3E}">
-        <p14:creationId xmlns:p14="http://schemas.microsoft.com/office/powerpoint/2010/main" val="3602526551"/>
+        <p14:creationId xmlns:p14="http://schemas.microsoft.com/office/powerpoint/2010/main" val="3958144760"/>
       </p:ext>
     </p:extLst>
   </p:cSld>

--- a/zzz MEDIA/R Basics.pptx
+++ b/zzz MEDIA/R Basics.pptx
@@ -5,7 +5,7 @@
     <p:sldMasterId id="2147483663" r:id="rId1"/>
   </p:sldMasterIdLst>
   <p:notesMasterIdLst>
-    <p:notesMasterId r:id="rId21"/>
+    <p:notesMasterId r:id="rId29"/>
   </p:notesMasterIdLst>
   <p:sldIdLst>
     <p:sldId id="256" r:id="rId2"/>
@@ -17,16 +17,24 @@
     <p:sldId id="281" r:id="rId8"/>
     <p:sldId id="282" r:id="rId9"/>
     <p:sldId id="268" r:id="rId10"/>
-    <p:sldId id="271" r:id="rId11"/>
-    <p:sldId id="272" r:id="rId12"/>
-    <p:sldId id="278" r:id="rId13"/>
-    <p:sldId id="275" r:id="rId14"/>
-    <p:sldId id="277" r:id="rId15"/>
-    <p:sldId id="273" r:id="rId16"/>
-    <p:sldId id="276" r:id="rId17"/>
-    <p:sldId id="279" r:id="rId18"/>
-    <p:sldId id="280" r:id="rId19"/>
-    <p:sldId id="274" r:id="rId20"/>
+    <p:sldId id="283" r:id="rId11"/>
+    <p:sldId id="284" r:id="rId12"/>
+    <p:sldId id="271" r:id="rId13"/>
+    <p:sldId id="272" r:id="rId14"/>
+    <p:sldId id="278" r:id="rId15"/>
+    <p:sldId id="275" r:id="rId16"/>
+    <p:sldId id="277" r:id="rId17"/>
+    <p:sldId id="273" r:id="rId18"/>
+    <p:sldId id="276" r:id="rId19"/>
+    <p:sldId id="285" r:id="rId20"/>
+    <p:sldId id="286" r:id="rId21"/>
+    <p:sldId id="288" r:id="rId22"/>
+    <p:sldId id="290" r:id="rId23"/>
+    <p:sldId id="289" r:id="rId24"/>
+    <p:sldId id="291" r:id="rId25"/>
+    <p:sldId id="279" r:id="rId26"/>
+    <p:sldId id="274" r:id="rId27"/>
+    <p:sldId id="280" r:id="rId28"/>
   </p:sldIdLst>
   <p:sldSz cx="9144000" cy="6858000" type="screen4x3"/>
   <p:notesSz cx="6950075" cy="9236075"/>
@@ -1621,7 +1629,7 @@
                 <a:cs typeface="Arial"/>
                 <a:sym typeface="Arial"/>
               </a:rPr>
-              <a:t>14</a:t>
+              <a:t>15</a:t>
             </a:fld>
             <a:endParaRPr sz="1200">
               <a:solidFill>
@@ -1725,7 +1733,7 @@
     </p:spTree>
     <p:extLst>
       <p:ext uri="{BB962C8B-B14F-4D97-AF65-F5344CB8AC3E}">
-        <p14:creationId xmlns:p14="http://schemas.microsoft.com/office/powerpoint/2010/main" val="3628674355"/>
+        <p14:creationId xmlns:p14="http://schemas.microsoft.com/office/powerpoint/2010/main" val="625523186"/>
       </p:ext>
     </p:extLst>
   </p:cSld>
@@ -1900,7 +1908,7 @@
     </p:spTree>
     <p:extLst>
       <p:ext uri="{BB962C8B-B14F-4D97-AF65-F5344CB8AC3E}">
-        <p14:creationId xmlns:p14="http://schemas.microsoft.com/office/powerpoint/2010/main" val="4143668362"/>
+        <p14:creationId xmlns:p14="http://schemas.microsoft.com/office/powerpoint/2010/main" val="3628674355"/>
       </p:ext>
     </p:extLst>
   </p:cSld>
@@ -2075,7 +2083,7 @@
     </p:spTree>
     <p:extLst>
       <p:ext uri="{BB962C8B-B14F-4D97-AF65-F5344CB8AC3E}">
-        <p14:creationId xmlns:p14="http://schemas.microsoft.com/office/powerpoint/2010/main" val="3919043365"/>
+        <p14:creationId xmlns:p14="http://schemas.microsoft.com/office/powerpoint/2010/main" val="4143668362"/>
       </p:ext>
     </p:extLst>
   </p:cSld>
@@ -2250,7 +2258,1057 @@
     </p:spTree>
     <p:extLst>
       <p:ext uri="{BB962C8B-B14F-4D97-AF65-F5344CB8AC3E}">
+        <p14:creationId xmlns:p14="http://schemas.microsoft.com/office/powerpoint/2010/main" val="1041412096"/>
+      </p:ext>
+    </p:extLst>
+  </p:cSld>
+  <p:clrMapOvr>
+    <a:masterClrMapping/>
+  </p:clrMapOvr>
+</p:notes>
+</file>
+
+<file path=ppt/notesSlides/notesSlide14.xml><?xml version="1.0" encoding="utf-8"?>
+<p:notes xmlns:a="http://schemas.openxmlformats.org/drawingml/2006/main" xmlns:r="http://schemas.openxmlformats.org/officeDocument/2006/relationships" xmlns:p="http://schemas.openxmlformats.org/presentationml/2006/main" showMasterSp="0" showMasterPhAnim="0">
+  <p:cSld>
+    <p:spTree>
+      <p:nvGrpSpPr>
+        <p:cNvPr id="1" name="Shape 91"/>
+        <p:cNvGrpSpPr/>
+        <p:nvPr/>
+      </p:nvGrpSpPr>
+      <p:grpSpPr>
+        <a:xfrm>
+          <a:off x="0" y="0"/>
+          <a:ext cx="0" cy="0"/>
+          <a:chOff x="0" y="0"/>
+          <a:chExt cx="0" cy="0"/>
+        </a:xfrm>
+      </p:grpSpPr>
+      <p:sp>
+        <p:nvSpPr>
+          <p:cNvPr id="92" name="Shape 92"/>
+          <p:cNvSpPr txBox="1"/>
+          <p:nvPr/>
+        </p:nvSpPr>
+        <p:spPr>
+          <a:xfrm>
+            <a:off x="3937000" y="8772525"/>
+            <a:ext cx="3011488" cy="461963"/>
+          </a:xfrm>
+          <a:prstGeom prst="rect">
+            <a:avLst/>
+          </a:prstGeom>
+          <a:noFill/>
+          <a:ln>
+            <a:noFill/>
+          </a:ln>
+        </p:spPr>
+        <p:txBody>
+          <a:bodyPr spcFirstLastPara="1" wrap="square" lIns="91375" tIns="45675" rIns="91375" bIns="45675" anchor="b" anchorCtr="0">
+            <a:noAutofit/>
+          </a:bodyPr>
+          <a:lstStyle/>
+          <a:p>
+            <a:pPr marL="0" marR="0" lvl="0" indent="0" algn="r" rtl="0">
+              <a:spcBef>
+                <a:spcPts val="0"/>
+              </a:spcBef>
+              <a:spcAft>
+                <a:spcPts val="0"/>
+              </a:spcAft>
+              <a:buNone/>
+            </a:pPr>
+            <a:fld id="{00000000-1234-1234-1234-123412341234}" type="slidenum">
+              <a:rPr lang="en-US" sz="1200">
+                <a:solidFill>
+                  <a:schemeClr val="dk1"/>
+                </a:solidFill>
+                <a:latin typeface="Arial"/>
+                <a:ea typeface="Arial"/>
+                <a:cs typeface="Arial"/>
+                <a:sym typeface="Arial"/>
+              </a:rPr>
+              <a:t>20</a:t>
+            </a:fld>
+            <a:endParaRPr sz="1200">
+              <a:solidFill>
+                <a:schemeClr val="dk1"/>
+              </a:solidFill>
+              <a:latin typeface="Arial"/>
+              <a:ea typeface="Arial"/>
+              <a:cs typeface="Arial"/>
+              <a:sym typeface="Arial"/>
+            </a:endParaRPr>
+          </a:p>
+        </p:txBody>
+      </p:sp>
+      <p:sp>
+        <p:nvSpPr>
+          <p:cNvPr id="93" name="Shape 93"/>
+          <p:cNvSpPr>
+            <a:spLocks noGrp="1" noRot="1" noChangeAspect="1"/>
+          </p:cNvSpPr>
+          <p:nvPr>
+            <p:ph type="sldImg" idx="2"/>
+          </p:nvPr>
+        </p:nvSpPr>
+        <p:spPr>
+          <a:xfrm>
+            <a:off x="1165225" y="692150"/>
+            <a:ext cx="4619625" cy="3463925"/>
+          </a:xfrm>
+          <a:custGeom>
+            <a:avLst/>
+            <a:gdLst/>
+            <a:ahLst/>
+            <a:cxnLst/>
+            <a:rect l="0" t="0" r="0" b="0"/>
+            <a:pathLst>
+              <a:path w="120000" h="120000" extrusionOk="0">
+                <a:moveTo>
+                  <a:pt x="0" y="0"/>
+                </a:moveTo>
+                <a:lnTo>
+                  <a:pt x="120000" y="0"/>
+                </a:lnTo>
+                <a:lnTo>
+                  <a:pt x="120000" y="120000"/>
+                </a:lnTo>
+                <a:lnTo>
+                  <a:pt x="0" y="120000"/>
+                </a:lnTo>
+                <a:close/>
+              </a:path>
+            </a:pathLst>
+          </a:custGeom>
+          <a:noFill/>
+          <a:ln>
+            <a:noFill/>
+          </a:ln>
+        </p:spPr>
+      </p:sp>
+      <p:sp>
+        <p:nvSpPr>
+          <p:cNvPr id="94" name="Shape 94"/>
+          <p:cNvSpPr txBox="1">
+            <a:spLocks noGrp="1"/>
+          </p:cNvSpPr>
+          <p:nvPr>
+            <p:ph type="body" idx="1"/>
+          </p:nvPr>
+        </p:nvSpPr>
+        <p:spPr>
+          <a:xfrm>
+            <a:off x="695325" y="4387850"/>
+            <a:ext cx="5945188" cy="4156075"/>
+          </a:xfrm>
+          <a:prstGeom prst="rect">
+            <a:avLst/>
+          </a:prstGeom>
+          <a:noFill/>
+          <a:ln>
+            <a:noFill/>
+          </a:ln>
+        </p:spPr>
+        <p:txBody>
+          <a:bodyPr spcFirstLastPara="1" wrap="square" lIns="91375" tIns="45675" rIns="91375" bIns="45675" anchor="t" anchorCtr="0">
+            <a:noAutofit/>
+          </a:bodyPr>
+          <a:lstStyle/>
+          <a:p>
+            <a:pPr marL="0" marR="0" lvl="0" indent="0" algn="l" rtl="0">
+              <a:spcBef>
+                <a:spcPts val="0"/>
+              </a:spcBef>
+              <a:spcAft>
+                <a:spcPts val="0"/>
+              </a:spcAft>
+              <a:buNone/>
+            </a:pPr>
+            <a:endParaRPr sz="1000" dirty="0"/>
+          </a:p>
+        </p:txBody>
+      </p:sp>
+    </p:spTree>
+    <p:extLst>
+      <p:ext uri="{BB962C8B-B14F-4D97-AF65-F5344CB8AC3E}">
+        <p14:creationId xmlns:p14="http://schemas.microsoft.com/office/powerpoint/2010/main" val="589880238"/>
+      </p:ext>
+    </p:extLst>
+  </p:cSld>
+  <p:clrMapOvr>
+    <a:masterClrMapping/>
+  </p:clrMapOvr>
+</p:notes>
+</file>
+
+<file path=ppt/notesSlides/notesSlide15.xml><?xml version="1.0" encoding="utf-8"?>
+<p:notes xmlns:a="http://schemas.openxmlformats.org/drawingml/2006/main" xmlns:r="http://schemas.openxmlformats.org/officeDocument/2006/relationships" xmlns:p="http://schemas.openxmlformats.org/presentationml/2006/main" showMasterSp="0" showMasterPhAnim="0">
+  <p:cSld>
+    <p:spTree>
+      <p:nvGrpSpPr>
+        <p:cNvPr id="1" name="Shape 91"/>
+        <p:cNvGrpSpPr/>
+        <p:nvPr/>
+      </p:nvGrpSpPr>
+      <p:grpSpPr>
+        <a:xfrm>
+          <a:off x="0" y="0"/>
+          <a:ext cx="0" cy="0"/>
+          <a:chOff x="0" y="0"/>
+          <a:chExt cx="0" cy="0"/>
+        </a:xfrm>
+      </p:grpSpPr>
+      <p:sp>
+        <p:nvSpPr>
+          <p:cNvPr id="92" name="Shape 92"/>
+          <p:cNvSpPr txBox="1"/>
+          <p:nvPr/>
+        </p:nvSpPr>
+        <p:spPr>
+          <a:xfrm>
+            <a:off x="3937000" y="8772525"/>
+            <a:ext cx="3011488" cy="461963"/>
+          </a:xfrm>
+          <a:prstGeom prst="rect">
+            <a:avLst/>
+          </a:prstGeom>
+          <a:noFill/>
+          <a:ln>
+            <a:noFill/>
+          </a:ln>
+        </p:spPr>
+        <p:txBody>
+          <a:bodyPr spcFirstLastPara="1" wrap="square" lIns="91375" tIns="45675" rIns="91375" bIns="45675" anchor="b" anchorCtr="0">
+            <a:noAutofit/>
+          </a:bodyPr>
+          <a:lstStyle/>
+          <a:p>
+            <a:pPr marL="0" marR="0" lvl="0" indent="0" algn="r" rtl="0">
+              <a:spcBef>
+                <a:spcPts val="0"/>
+              </a:spcBef>
+              <a:spcAft>
+                <a:spcPts val="0"/>
+              </a:spcAft>
+              <a:buNone/>
+            </a:pPr>
+            <a:fld id="{00000000-1234-1234-1234-123412341234}" type="slidenum">
+              <a:rPr lang="en-US" sz="1200">
+                <a:solidFill>
+                  <a:schemeClr val="dk1"/>
+                </a:solidFill>
+                <a:latin typeface="Arial"/>
+                <a:ea typeface="Arial"/>
+                <a:cs typeface="Arial"/>
+                <a:sym typeface="Arial"/>
+              </a:rPr>
+              <a:t>21</a:t>
+            </a:fld>
+            <a:endParaRPr sz="1200">
+              <a:solidFill>
+                <a:schemeClr val="dk1"/>
+              </a:solidFill>
+              <a:latin typeface="Arial"/>
+              <a:ea typeface="Arial"/>
+              <a:cs typeface="Arial"/>
+              <a:sym typeface="Arial"/>
+            </a:endParaRPr>
+          </a:p>
+        </p:txBody>
+      </p:sp>
+      <p:sp>
+        <p:nvSpPr>
+          <p:cNvPr id="93" name="Shape 93"/>
+          <p:cNvSpPr>
+            <a:spLocks noGrp="1" noRot="1" noChangeAspect="1"/>
+          </p:cNvSpPr>
+          <p:nvPr>
+            <p:ph type="sldImg" idx="2"/>
+          </p:nvPr>
+        </p:nvSpPr>
+        <p:spPr>
+          <a:xfrm>
+            <a:off x="1165225" y="692150"/>
+            <a:ext cx="4619625" cy="3463925"/>
+          </a:xfrm>
+          <a:custGeom>
+            <a:avLst/>
+            <a:gdLst/>
+            <a:ahLst/>
+            <a:cxnLst/>
+            <a:rect l="0" t="0" r="0" b="0"/>
+            <a:pathLst>
+              <a:path w="120000" h="120000" extrusionOk="0">
+                <a:moveTo>
+                  <a:pt x="0" y="0"/>
+                </a:moveTo>
+                <a:lnTo>
+                  <a:pt x="120000" y="0"/>
+                </a:lnTo>
+                <a:lnTo>
+                  <a:pt x="120000" y="120000"/>
+                </a:lnTo>
+                <a:lnTo>
+                  <a:pt x="0" y="120000"/>
+                </a:lnTo>
+                <a:close/>
+              </a:path>
+            </a:pathLst>
+          </a:custGeom>
+          <a:noFill/>
+          <a:ln>
+            <a:noFill/>
+          </a:ln>
+        </p:spPr>
+      </p:sp>
+      <p:sp>
+        <p:nvSpPr>
+          <p:cNvPr id="94" name="Shape 94"/>
+          <p:cNvSpPr txBox="1">
+            <a:spLocks noGrp="1"/>
+          </p:cNvSpPr>
+          <p:nvPr>
+            <p:ph type="body" idx="1"/>
+          </p:nvPr>
+        </p:nvSpPr>
+        <p:spPr>
+          <a:xfrm>
+            <a:off x="695325" y="4387850"/>
+            <a:ext cx="5945188" cy="4156075"/>
+          </a:xfrm>
+          <a:prstGeom prst="rect">
+            <a:avLst/>
+          </a:prstGeom>
+          <a:noFill/>
+          <a:ln>
+            <a:noFill/>
+          </a:ln>
+        </p:spPr>
+        <p:txBody>
+          <a:bodyPr spcFirstLastPara="1" wrap="square" lIns="91375" tIns="45675" rIns="91375" bIns="45675" anchor="t" anchorCtr="0">
+            <a:noAutofit/>
+          </a:bodyPr>
+          <a:lstStyle/>
+          <a:p>
+            <a:pPr marL="0" marR="0" lvl="0" indent="0" algn="l" rtl="0">
+              <a:spcBef>
+                <a:spcPts val="0"/>
+              </a:spcBef>
+              <a:spcAft>
+                <a:spcPts val="0"/>
+              </a:spcAft>
+              <a:buNone/>
+            </a:pPr>
+            <a:endParaRPr sz="1000" dirty="0"/>
+          </a:p>
+        </p:txBody>
+      </p:sp>
+    </p:spTree>
+    <p:extLst>
+      <p:ext uri="{BB962C8B-B14F-4D97-AF65-F5344CB8AC3E}">
+        <p14:creationId xmlns:p14="http://schemas.microsoft.com/office/powerpoint/2010/main" val="3216927339"/>
+      </p:ext>
+    </p:extLst>
+  </p:cSld>
+  <p:clrMapOvr>
+    <a:masterClrMapping/>
+  </p:clrMapOvr>
+</p:notes>
+</file>
+
+<file path=ppt/notesSlides/notesSlide16.xml><?xml version="1.0" encoding="utf-8"?>
+<p:notes xmlns:a="http://schemas.openxmlformats.org/drawingml/2006/main" xmlns:r="http://schemas.openxmlformats.org/officeDocument/2006/relationships" xmlns:p="http://schemas.openxmlformats.org/presentationml/2006/main" showMasterSp="0" showMasterPhAnim="0">
+  <p:cSld>
+    <p:spTree>
+      <p:nvGrpSpPr>
+        <p:cNvPr id="1" name="Shape 91"/>
+        <p:cNvGrpSpPr/>
+        <p:nvPr/>
+      </p:nvGrpSpPr>
+      <p:grpSpPr>
+        <a:xfrm>
+          <a:off x="0" y="0"/>
+          <a:ext cx="0" cy="0"/>
+          <a:chOff x="0" y="0"/>
+          <a:chExt cx="0" cy="0"/>
+        </a:xfrm>
+      </p:grpSpPr>
+      <p:sp>
+        <p:nvSpPr>
+          <p:cNvPr id="92" name="Shape 92"/>
+          <p:cNvSpPr txBox="1"/>
+          <p:nvPr/>
+        </p:nvSpPr>
+        <p:spPr>
+          <a:xfrm>
+            <a:off x="3937000" y="8772525"/>
+            <a:ext cx="3011488" cy="461963"/>
+          </a:xfrm>
+          <a:prstGeom prst="rect">
+            <a:avLst/>
+          </a:prstGeom>
+          <a:noFill/>
+          <a:ln>
+            <a:noFill/>
+          </a:ln>
+        </p:spPr>
+        <p:txBody>
+          <a:bodyPr spcFirstLastPara="1" wrap="square" lIns="91375" tIns="45675" rIns="91375" bIns="45675" anchor="b" anchorCtr="0">
+            <a:noAutofit/>
+          </a:bodyPr>
+          <a:lstStyle/>
+          <a:p>
+            <a:pPr marL="0" marR="0" lvl="0" indent="0" algn="r" rtl="0">
+              <a:spcBef>
+                <a:spcPts val="0"/>
+              </a:spcBef>
+              <a:spcAft>
+                <a:spcPts val="0"/>
+              </a:spcAft>
+              <a:buNone/>
+            </a:pPr>
+            <a:fld id="{00000000-1234-1234-1234-123412341234}" type="slidenum">
+              <a:rPr lang="en-US" sz="1200">
+                <a:solidFill>
+                  <a:schemeClr val="dk1"/>
+                </a:solidFill>
+                <a:latin typeface="Arial"/>
+                <a:ea typeface="Arial"/>
+                <a:cs typeface="Arial"/>
+                <a:sym typeface="Arial"/>
+              </a:rPr>
+              <a:t>23</a:t>
+            </a:fld>
+            <a:endParaRPr sz="1200">
+              <a:solidFill>
+                <a:schemeClr val="dk1"/>
+              </a:solidFill>
+              <a:latin typeface="Arial"/>
+              <a:ea typeface="Arial"/>
+              <a:cs typeface="Arial"/>
+              <a:sym typeface="Arial"/>
+            </a:endParaRPr>
+          </a:p>
+        </p:txBody>
+      </p:sp>
+      <p:sp>
+        <p:nvSpPr>
+          <p:cNvPr id="93" name="Shape 93"/>
+          <p:cNvSpPr>
+            <a:spLocks noGrp="1" noRot="1" noChangeAspect="1"/>
+          </p:cNvSpPr>
+          <p:nvPr>
+            <p:ph type="sldImg" idx="2"/>
+          </p:nvPr>
+        </p:nvSpPr>
+        <p:spPr>
+          <a:xfrm>
+            <a:off x="1165225" y="692150"/>
+            <a:ext cx="4619625" cy="3463925"/>
+          </a:xfrm>
+          <a:custGeom>
+            <a:avLst/>
+            <a:gdLst/>
+            <a:ahLst/>
+            <a:cxnLst/>
+            <a:rect l="0" t="0" r="0" b="0"/>
+            <a:pathLst>
+              <a:path w="120000" h="120000" extrusionOk="0">
+                <a:moveTo>
+                  <a:pt x="0" y="0"/>
+                </a:moveTo>
+                <a:lnTo>
+                  <a:pt x="120000" y="0"/>
+                </a:lnTo>
+                <a:lnTo>
+                  <a:pt x="120000" y="120000"/>
+                </a:lnTo>
+                <a:lnTo>
+                  <a:pt x="0" y="120000"/>
+                </a:lnTo>
+                <a:close/>
+              </a:path>
+            </a:pathLst>
+          </a:custGeom>
+          <a:noFill/>
+          <a:ln>
+            <a:noFill/>
+          </a:ln>
+        </p:spPr>
+      </p:sp>
+      <p:sp>
+        <p:nvSpPr>
+          <p:cNvPr id="94" name="Shape 94"/>
+          <p:cNvSpPr txBox="1">
+            <a:spLocks noGrp="1"/>
+          </p:cNvSpPr>
+          <p:nvPr>
+            <p:ph type="body" idx="1"/>
+          </p:nvPr>
+        </p:nvSpPr>
+        <p:spPr>
+          <a:xfrm>
+            <a:off x="695325" y="4387850"/>
+            <a:ext cx="5945188" cy="4156075"/>
+          </a:xfrm>
+          <a:prstGeom prst="rect">
+            <a:avLst/>
+          </a:prstGeom>
+          <a:noFill/>
+          <a:ln>
+            <a:noFill/>
+          </a:ln>
+        </p:spPr>
+        <p:txBody>
+          <a:bodyPr spcFirstLastPara="1" wrap="square" lIns="91375" tIns="45675" rIns="91375" bIns="45675" anchor="t" anchorCtr="0">
+            <a:noAutofit/>
+          </a:bodyPr>
+          <a:lstStyle/>
+          <a:p>
+            <a:pPr marL="0" marR="0" lvl="0" indent="0" algn="l" rtl="0">
+              <a:spcBef>
+                <a:spcPts val="0"/>
+              </a:spcBef>
+              <a:spcAft>
+                <a:spcPts val="0"/>
+              </a:spcAft>
+              <a:buNone/>
+            </a:pPr>
+            <a:endParaRPr sz="1000" dirty="0"/>
+          </a:p>
+        </p:txBody>
+      </p:sp>
+    </p:spTree>
+    <p:extLst>
+      <p:ext uri="{BB962C8B-B14F-4D97-AF65-F5344CB8AC3E}">
+        <p14:creationId xmlns:p14="http://schemas.microsoft.com/office/powerpoint/2010/main" val="228002637"/>
+      </p:ext>
+    </p:extLst>
+  </p:cSld>
+  <p:clrMapOvr>
+    <a:masterClrMapping/>
+  </p:clrMapOvr>
+</p:notes>
+</file>
+
+<file path=ppt/notesSlides/notesSlide17.xml><?xml version="1.0" encoding="utf-8"?>
+<p:notes xmlns:a="http://schemas.openxmlformats.org/drawingml/2006/main" xmlns:r="http://schemas.openxmlformats.org/officeDocument/2006/relationships" xmlns:p="http://schemas.openxmlformats.org/presentationml/2006/main" showMasterSp="0" showMasterPhAnim="0">
+  <p:cSld>
+    <p:spTree>
+      <p:nvGrpSpPr>
+        <p:cNvPr id="1" name="Shape 91"/>
+        <p:cNvGrpSpPr/>
+        <p:nvPr/>
+      </p:nvGrpSpPr>
+      <p:grpSpPr>
+        <a:xfrm>
+          <a:off x="0" y="0"/>
+          <a:ext cx="0" cy="0"/>
+          <a:chOff x="0" y="0"/>
+          <a:chExt cx="0" cy="0"/>
+        </a:xfrm>
+      </p:grpSpPr>
+      <p:sp>
+        <p:nvSpPr>
+          <p:cNvPr id="92" name="Shape 92"/>
+          <p:cNvSpPr txBox="1"/>
+          <p:nvPr/>
+        </p:nvSpPr>
+        <p:spPr>
+          <a:xfrm>
+            <a:off x="3937000" y="8772525"/>
+            <a:ext cx="3011488" cy="461963"/>
+          </a:xfrm>
+          <a:prstGeom prst="rect">
+            <a:avLst/>
+          </a:prstGeom>
+          <a:noFill/>
+          <a:ln>
+            <a:noFill/>
+          </a:ln>
+        </p:spPr>
+        <p:txBody>
+          <a:bodyPr spcFirstLastPara="1" wrap="square" lIns="91375" tIns="45675" rIns="91375" bIns="45675" anchor="b" anchorCtr="0">
+            <a:noAutofit/>
+          </a:bodyPr>
+          <a:lstStyle/>
+          <a:p>
+            <a:pPr marL="0" marR="0" lvl="0" indent="0" algn="r" rtl="0">
+              <a:spcBef>
+                <a:spcPts val="0"/>
+              </a:spcBef>
+              <a:spcAft>
+                <a:spcPts val="0"/>
+              </a:spcAft>
+              <a:buNone/>
+            </a:pPr>
+            <a:fld id="{00000000-1234-1234-1234-123412341234}" type="slidenum">
+              <a:rPr lang="en-US" sz="1200">
+                <a:solidFill>
+                  <a:schemeClr val="dk1"/>
+                </a:solidFill>
+                <a:latin typeface="Arial"/>
+                <a:ea typeface="Arial"/>
+                <a:cs typeface="Arial"/>
+                <a:sym typeface="Arial"/>
+              </a:rPr>
+              <a:t>24</a:t>
+            </a:fld>
+            <a:endParaRPr sz="1200">
+              <a:solidFill>
+                <a:schemeClr val="dk1"/>
+              </a:solidFill>
+              <a:latin typeface="Arial"/>
+              <a:ea typeface="Arial"/>
+              <a:cs typeface="Arial"/>
+              <a:sym typeface="Arial"/>
+            </a:endParaRPr>
+          </a:p>
+        </p:txBody>
+      </p:sp>
+      <p:sp>
+        <p:nvSpPr>
+          <p:cNvPr id="93" name="Shape 93"/>
+          <p:cNvSpPr>
+            <a:spLocks noGrp="1" noRot="1" noChangeAspect="1"/>
+          </p:cNvSpPr>
+          <p:nvPr>
+            <p:ph type="sldImg" idx="2"/>
+          </p:nvPr>
+        </p:nvSpPr>
+        <p:spPr>
+          <a:xfrm>
+            <a:off x="1165225" y="692150"/>
+            <a:ext cx="4619625" cy="3463925"/>
+          </a:xfrm>
+          <a:custGeom>
+            <a:avLst/>
+            <a:gdLst/>
+            <a:ahLst/>
+            <a:cxnLst/>
+            <a:rect l="0" t="0" r="0" b="0"/>
+            <a:pathLst>
+              <a:path w="120000" h="120000" extrusionOk="0">
+                <a:moveTo>
+                  <a:pt x="0" y="0"/>
+                </a:moveTo>
+                <a:lnTo>
+                  <a:pt x="120000" y="0"/>
+                </a:lnTo>
+                <a:lnTo>
+                  <a:pt x="120000" y="120000"/>
+                </a:lnTo>
+                <a:lnTo>
+                  <a:pt x="0" y="120000"/>
+                </a:lnTo>
+                <a:close/>
+              </a:path>
+            </a:pathLst>
+          </a:custGeom>
+          <a:noFill/>
+          <a:ln>
+            <a:noFill/>
+          </a:ln>
+        </p:spPr>
+      </p:sp>
+      <p:sp>
+        <p:nvSpPr>
+          <p:cNvPr id="94" name="Shape 94"/>
+          <p:cNvSpPr txBox="1">
+            <a:spLocks noGrp="1"/>
+          </p:cNvSpPr>
+          <p:nvPr>
+            <p:ph type="body" idx="1"/>
+          </p:nvPr>
+        </p:nvSpPr>
+        <p:spPr>
+          <a:xfrm>
+            <a:off x="695325" y="4387850"/>
+            <a:ext cx="5945188" cy="4156075"/>
+          </a:xfrm>
+          <a:prstGeom prst="rect">
+            <a:avLst/>
+          </a:prstGeom>
+          <a:noFill/>
+          <a:ln>
+            <a:noFill/>
+          </a:ln>
+        </p:spPr>
+        <p:txBody>
+          <a:bodyPr spcFirstLastPara="1" wrap="square" lIns="91375" tIns="45675" rIns="91375" bIns="45675" anchor="t" anchorCtr="0">
+            <a:noAutofit/>
+          </a:bodyPr>
+          <a:lstStyle/>
+          <a:p>
+            <a:pPr marL="0" marR="0" lvl="0" indent="0" algn="l" rtl="0">
+              <a:spcBef>
+                <a:spcPts val="0"/>
+              </a:spcBef>
+              <a:spcAft>
+                <a:spcPts val="0"/>
+              </a:spcAft>
+              <a:buNone/>
+            </a:pPr>
+            <a:endParaRPr sz="1000" dirty="0"/>
+          </a:p>
+        </p:txBody>
+      </p:sp>
+    </p:spTree>
+    <p:extLst>
+      <p:ext uri="{BB962C8B-B14F-4D97-AF65-F5344CB8AC3E}">
+        <p14:creationId xmlns:p14="http://schemas.microsoft.com/office/powerpoint/2010/main" val="3159717179"/>
+      </p:ext>
+    </p:extLst>
+  </p:cSld>
+  <p:clrMapOvr>
+    <a:masterClrMapping/>
+  </p:clrMapOvr>
+</p:notes>
+</file>
+
+<file path=ppt/notesSlides/notesSlide18.xml><?xml version="1.0" encoding="utf-8"?>
+<p:notes xmlns:a="http://schemas.openxmlformats.org/drawingml/2006/main" xmlns:r="http://schemas.openxmlformats.org/officeDocument/2006/relationships" xmlns:p="http://schemas.openxmlformats.org/presentationml/2006/main" showMasterSp="0" showMasterPhAnim="0">
+  <p:cSld>
+    <p:spTree>
+      <p:nvGrpSpPr>
+        <p:cNvPr id="1" name="Shape 91"/>
+        <p:cNvGrpSpPr/>
+        <p:nvPr/>
+      </p:nvGrpSpPr>
+      <p:grpSpPr>
+        <a:xfrm>
+          <a:off x="0" y="0"/>
+          <a:ext cx="0" cy="0"/>
+          <a:chOff x="0" y="0"/>
+          <a:chExt cx="0" cy="0"/>
+        </a:xfrm>
+      </p:grpSpPr>
+      <p:sp>
+        <p:nvSpPr>
+          <p:cNvPr id="92" name="Shape 92"/>
+          <p:cNvSpPr txBox="1"/>
+          <p:nvPr/>
+        </p:nvSpPr>
+        <p:spPr>
+          <a:xfrm>
+            <a:off x="3937000" y="8772525"/>
+            <a:ext cx="3011488" cy="461963"/>
+          </a:xfrm>
+          <a:prstGeom prst="rect">
+            <a:avLst/>
+          </a:prstGeom>
+          <a:noFill/>
+          <a:ln>
+            <a:noFill/>
+          </a:ln>
+        </p:spPr>
+        <p:txBody>
+          <a:bodyPr spcFirstLastPara="1" wrap="square" lIns="91375" tIns="45675" rIns="91375" bIns="45675" anchor="b" anchorCtr="0">
+            <a:noAutofit/>
+          </a:bodyPr>
+          <a:lstStyle/>
+          <a:p>
+            <a:pPr marL="0" marR="0" lvl="0" indent="0" algn="r" rtl="0">
+              <a:spcBef>
+                <a:spcPts val="0"/>
+              </a:spcBef>
+              <a:spcAft>
+                <a:spcPts val="0"/>
+              </a:spcAft>
+              <a:buNone/>
+            </a:pPr>
+            <a:fld id="{00000000-1234-1234-1234-123412341234}" type="slidenum">
+              <a:rPr lang="en-US" sz="1200">
+                <a:solidFill>
+                  <a:schemeClr val="dk1"/>
+                </a:solidFill>
+                <a:latin typeface="Arial"/>
+                <a:ea typeface="Arial"/>
+                <a:cs typeface="Arial"/>
+                <a:sym typeface="Arial"/>
+              </a:rPr>
+              <a:t>26</a:t>
+            </a:fld>
+            <a:endParaRPr sz="1200">
+              <a:solidFill>
+                <a:schemeClr val="dk1"/>
+              </a:solidFill>
+              <a:latin typeface="Arial"/>
+              <a:ea typeface="Arial"/>
+              <a:cs typeface="Arial"/>
+              <a:sym typeface="Arial"/>
+            </a:endParaRPr>
+          </a:p>
+        </p:txBody>
+      </p:sp>
+      <p:sp>
+        <p:nvSpPr>
+          <p:cNvPr id="93" name="Shape 93"/>
+          <p:cNvSpPr>
+            <a:spLocks noGrp="1" noRot="1" noChangeAspect="1"/>
+          </p:cNvSpPr>
+          <p:nvPr>
+            <p:ph type="sldImg" idx="2"/>
+          </p:nvPr>
+        </p:nvSpPr>
+        <p:spPr>
+          <a:xfrm>
+            <a:off x="1165225" y="692150"/>
+            <a:ext cx="4619625" cy="3463925"/>
+          </a:xfrm>
+          <a:custGeom>
+            <a:avLst/>
+            <a:gdLst/>
+            <a:ahLst/>
+            <a:cxnLst/>
+            <a:rect l="0" t="0" r="0" b="0"/>
+            <a:pathLst>
+              <a:path w="120000" h="120000" extrusionOk="0">
+                <a:moveTo>
+                  <a:pt x="0" y="0"/>
+                </a:moveTo>
+                <a:lnTo>
+                  <a:pt x="120000" y="0"/>
+                </a:lnTo>
+                <a:lnTo>
+                  <a:pt x="120000" y="120000"/>
+                </a:lnTo>
+                <a:lnTo>
+                  <a:pt x="0" y="120000"/>
+                </a:lnTo>
+                <a:close/>
+              </a:path>
+            </a:pathLst>
+          </a:custGeom>
+          <a:noFill/>
+          <a:ln>
+            <a:noFill/>
+          </a:ln>
+        </p:spPr>
+      </p:sp>
+      <p:sp>
+        <p:nvSpPr>
+          <p:cNvPr id="94" name="Shape 94"/>
+          <p:cNvSpPr txBox="1">
+            <a:spLocks noGrp="1"/>
+          </p:cNvSpPr>
+          <p:nvPr>
+            <p:ph type="body" idx="1"/>
+          </p:nvPr>
+        </p:nvSpPr>
+        <p:spPr>
+          <a:xfrm>
+            <a:off x="695325" y="4387850"/>
+            <a:ext cx="5945188" cy="4156075"/>
+          </a:xfrm>
+          <a:prstGeom prst="rect">
+            <a:avLst/>
+          </a:prstGeom>
+          <a:noFill/>
+          <a:ln>
+            <a:noFill/>
+          </a:ln>
+        </p:spPr>
+        <p:txBody>
+          <a:bodyPr spcFirstLastPara="1" wrap="square" lIns="91375" tIns="45675" rIns="91375" bIns="45675" anchor="t" anchorCtr="0">
+            <a:noAutofit/>
+          </a:bodyPr>
+          <a:lstStyle/>
+          <a:p>
+            <a:pPr marL="0" marR="0" lvl="0" indent="0" algn="l" rtl="0">
+              <a:spcBef>
+                <a:spcPts val="0"/>
+              </a:spcBef>
+              <a:spcAft>
+                <a:spcPts val="0"/>
+              </a:spcAft>
+              <a:buNone/>
+            </a:pPr>
+            <a:endParaRPr sz="1000" dirty="0"/>
+          </a:p>
+        </p:txBody>
+      </p:sp>
+    </p:spTree>
+    <p:extLst>
+      <p:ext uri="{BB962C8B-B14F-4D97-AF65-F5344CB8AC3E}">
         <p14:creationId xmlns:p14="http://schemas.microsoft.com/office/powerpoint/2010/main" val="3615680583"/>
+      </p:ext>
+    </p:extLst>
+  </p:cSld>
+  <p:clrMapOvr>
+    <a:masterClrMapping/>
+  </p:clrMapOvr>
+</p:notes>
+</file>
+
+<file path=ppt/notesSlides/notesSlide19.xml><?xml version="1.0" encoding="utf-8"?>
+<p:notes xmlns:a="http://schemas.openxmlformats.org/drawingml/2006/main" xmlns:r="http://schemas.openxmlformats.org/officeDocument/2006/relationships" xmlns:p="http://schemas.openxmlformats.org/presentationml/2006/main" showMasterSp="0" showMasterPhAnim="0">
+  <p:cSld>
+    <p:spTree>
+      <p:nvGrpSpPr>
+        <p:cNvPr id="1" name="Shape 91"/>
+        <p:cNvGrpSpPr/>
+        <p:nvPr/>
+      </p:nvGrpSpPr>
+      <p:grpSpPr>
+        <a:xfrm>
+          <a:off x="0" y="0"/>
+          <a:ext cx="0" cy="0"/>
+          <a:chOff x="0" y="0"/>
+          <a:chExt cx="0" cy="0"/>
+        </a:xfrm>
+      </p:grpSpPr>
+      <p:sp>
+        <p:nvSpPr>
+          <p:cNvPr id="92" name="Shape 92"/>
+          <p:cNvSpPr txBox="1"/>
+          <p:nvPr/>
+        </p:nvSpPr>
+        <p:spPr>
+          <a:xfrm>
+            <a:off x="3937000" y="8772525"/>
+            <a:ext cx="3011488" cy="461963"/>
+          </a:xfrm>
+          <a:prstGeom prst="rect">
+            <a:avLst/>
+          </a:prstGeom>
+          <a:noFill/>
+          <a:ln>
+            <a:noFill/>
+          </a:ln>
+        </p:spPr>
+        <p:txBody>
+          <a:bodyPr spcFirstLastPara="1" wrap="square" lIns="91375" tIns="45675" rIns="91375" bIns="45675" anchor="b" anchorCtr="0">
+            <a:noAutofit/>
+          </a:bodyPr>
+          <a:lstStyle/>
+          <a:p>
+            <a:pPr marL="0" marR="0" lvl="0" indent="0" algn="r" rtl="0">
+              <a:spcBef>
+                <a:spcPts val="0"/>
+              </a:spcBef>
+              <a:spcAft>
+                <a:spcPts val="0"/>
+              </a:spcAft>
+              <a:buNone/>
+            </a:pPr>
+            <a:fld id="{00000000-1234-1234-1234-123412341234}" type="slidenum">
+              <a:rPr lang="en-US" sz="1200">
+                <a:solidFill>
+                  <a:schemeClr val="dk1"/>
+                </a:solidFill>
+                <a:latin typeface="Arial"/>
+                <a:ea typeface="Arial"/>
+                <a:cs typeface="Arial"/>
+                <a:sym typeface="Arial"/>
+              </a:rPr>
+              <a:t>27</a:t>
+            </a:fld>
+            <a:endParaRPr sz="1200">
+              <a:solidFill>
+                <a:schemeClr val="dk1"/>
+              </a:solidFill>
+              <a:latin typeface="Arial"/>
+              <a:ea typeface="Arial"/>
+              <a:cs typeface="Arial"/>
+              <a:sym typeface="Arial"/>
+            </a:endParaRPr>
+          </a:p>
+        </p:txBody>
+      </p:sp>
+      <p:sp>
+        <p:nvSpPr>
+          <p:cNvPr id="93" name="Shape 93"/>
+          <p:cNvSpPr>
+            <a:spLocks noGrp="1" noRot="1" noChangeAspect="1"/>
+          </p:cNvSpPr>
+          <p:nvPr>
+            <p:ph type="sldImg" idx="2"/>
+          </p:nvPr>
+        </p:nvSpPr>
+        <p:spPr>
+          <a:xfrm>
+            <a:off x="1165225" y="692150"/>
+            <a:ext cx="4619625" cy="3463925"/>
+          </a:xfrm>
+          <a:custGeom>
+            <a:avLst/>
+            <a:gdLst/>
+            <a:ahLst/>
+            <a:cxnLst/>
+            <a:rect l="0" t="0" r="0" b="0"/>
+            <a:pathLst>
+              <a:path w="120000" h="120000" extrusionOk="0">
+                <a:moveTo>
+                  <a:pt x="0" y="0"/>
+                </a:moveTo>
+                <a:lnTo>
+                  <a:pt x="120000" y="0"/>
+                </a:lnTo>
+                <a:lnTo>
+                  <a:pt x="120000" y="120000"/>
+                </a:lnTo>
+                <a:lnTo>
+                  <a:pt x="0" y="120000"/>
+                </a:lnTo>
+                <a:close/>
+              </a:path>
+            </a:pathLst>
+          </a:custGeom>
+          <a:noFill/>
+          <a:ln>
+            <a:noFill/>
+          </a:ln>
+        </p:spPr>
+      </p:sp>
+      <p:sp>
+        <p:nvSpPr>
+          <p:cNvPr id="94" name="Shape 94"/>
+          <p:cNvSpPr txBox="1">
+            <a:spLocks noGrp="1"/>
+          </p:cNvSpPr>
+          <p:nvPr>
+            <p:ph type="body" idx="1"/>
+          </p:nvPr>
+        </p:nvSpPr>
+        <p:spPr>
+          <a:xfrm>
+            <a:off x="695325" y="4387850"/>
+            <a:ext cx="5945188" cy="4156075"/>
+          </a:xfrm>
+          <a:prstGeom prst="rect">
+            <a:avLst/>
+          </a:prstGeom>
+          <a:noFill/>
+          <a:ln>
+            <a:noFill/>
+          </a:ln>
+        </p:spPr>
+        <p:txBody>
+          <a:bodyPr spcFirstLastPara="1" wrap="square" lIns="91375" tIns="45675" rIns="91375" bIns="45675" anchor="t" anchorCtr="0">
+            <a:noAutofit/>
+          </a:bodyPr>
+          <a:lstStyle/>
+          <a:p>
+            <a:pPr marL="0" marR="0" lvl="0" indent="0" algn="l" rtl="0">
+              <a:spcBef>
+                <a:spcPts val="0"/>
+              </a:spcBef>
+              <a:spcAft>
+                <a:spcPts val="0"/>
+              </a:spcAft>
+              <a:buNone/>
+            </a:pPr>
+            <a:endParaRPr sz="1000" dirty="0"/>
+          </a:p>
+        </p:txBody>
+      </p:sp>
+    </p:spTree>
+    <p:extLst>
+      <p:ext uri="{BB962C8B-B14F-4D97-AF65-F5344CB8AC3E}">
+        <p14:creationId xmlns:p14="http://schemas.microsoft.com/office/powerpoint/2010/main" val="3919043365"/>
       </p:ext>
     </p:extLst>
   </p:cSld>
@@ -3493,7 +4551,7 @@
     </p:spTree>
     <p:extLst>
       <p:ext uri="{BB962C8B-B14F-4D97-AF65-F5344CB8AC3E}">
-        <p14:creationId xmlns:p14="http://schemas.microsoft.com/office/powerpoint/2010/main" val="4116474225"/>
+        <p14:creationId xmlns:p14="http://schemas.microsoft.com/office/powerpoint/2010/main" val="2177270488"/>
       </p:ext>
     </p:extLst>
   </p:cSld>
@@ -3668,7 +4726,7 @@
     </p:spTree>
     <p:extLst>
       <p:ext uri="{BB962C8B-B14F-4D97-AF65-F5344CB8AC3E}">
-        <p14:creationId xmlns:p14="http://schemas.microsoft.com/office/powerpoint/2010/main" val="625523186"/>
+        <p14:creationId xmlns:p14="http://schemas.microsoft.com/office/powerpoint/2010/main" val="4116474225"/>
       </p:ext>
     </p:extLst>
   </p:cSld>
@@ -13883,7 +14941,7 @@
           <a:p>
             <a:r>
               <a:rPr lang="en-US" dirty="0"/>
-              <a:t>Installing Packages</a:t>
+              <a:t>Typical Booth Workflow</a:t>
             </a:r>
           </a:p>
         </p:txBody>
@@ -13929,7 +14987,7 @@
     </p:spTree>
     <p:extLst>
       <p:ext uri="{BB962C8B-B14F-4D97-AF65-F5344CB8AC3E}">
-        <p14:creationId xmlns:p14="http://schemas.microsoft.com/office/powerpoint/2010/main" val="464181074"/>
+        <p14:creationId xmlns:p14="http://schemas.microsoft.com/office/powerpoint/2010/main" val="2449432299"/>
       </p:ext>
     </p:extLst>
   </p:cSld>
@@ -14001,6 +15059,452 @@
                 <a:sym typeface="Arial"/>
               </a:rPr>
               <a:t>11</a:t>
+            </a:fld>
+            <a:endParaRPr sz="1000">
+              <a:solidFill>
+                <a:schemeClr val="dk1"/>
+              </a:solidFill>
+              <a:latin typeface="Arial"/>
+              <a:ea typeface="Arial"/>
+              <a:cs typeface="Arial"/>
+              <a:sym typeface="Arial"/>
+            </a:endParaRPr>
+          </a:p>
+        </p:txBody>
+      </p:sp>
+      <p:sp>
+        <p:nvSpPr>
+          <p:cNvPr id="97" name="Shape 97"/>
+          <p:cNvSpPr txBox="1"/>
+          <p:nvPr/>
+        </p:nvSpPr>
+        <p:spPr>
+          <a:xfrm>
+            <a:off x="381000" y="223650"/>
+            <a:ext cx="8382000" cy="457200"/>
+          </a:xfrm>
+          <a:prstGeom prst="rect">
+            <a:avLst/>
+          </a:prstGeom>
+          <a:noFill/>
+          <a:ln>
+            <a:noFill/>
+          </a:ln>
+        </p:spPr>
+        <p:txBody>
+          <a:bodyPr spcFirstLastPara="1" wrap="square" lIns="91425" tIns="45700" rIns="91425" bIns="45700" anchor="t" anchorCtr="0">
+            <a:noAutofit/>
+          </a:bodyPr>
+          <a:lstStyle/>
+          <a:p>
+            <a:pPr marL="0" marR="0" lvl="0" indent="0" algn="l" rtl="0">
+              <a:spcBef>
+                <a:spcPts val="0"/>
+              </a:spcBef>
+              <a:spcAft>
+                <a:spcPts val="0"/>
+              </a:spcAft>
+              <a:buNone/>
+            </a:pPr>
+            <a:r>
+              <a:rPr lang="en-US" sz="2400" b="1" dirty="0">
+                <a:solidFill>
+                  <a:srgbClr val="820009"/>
+                </a:solidFill>
+                <a:latin typeface="Arial"/>
+                <a:ea typeface="Arial"/>
+                <a:cs typeface="Arial"/>
+                <a:sym typeface="Arial"/>
+              </a:rPr>
+              <a:t>B</a:t>
+            </a:r>
+            <a:r>
+              <a:rPr lang="en-US" sz="2400" b="1" dirty="0">
+                <a:solidFill>
+                  <a:srgbClr val="820009"/>
+                </a:solidFill>
+              </a:rPr>
+              <a:t>ooth Workflow</a:t>
+            </a:r>
+            <a:endParaRPr sz="2400" b="1" dirty="0">
+              <a:solidFill>
+                <a:srgbClr val="820009"/>
+              </a:solidFill>
+              <a:latin typeface="Arial"/>
+              <a:ea typeface="Arial"/>
+              <a:cs typeface="Arial"/>
+              <a:sym typeface="Arial"/>
+            </a:endParaRPr>
+          </a:p>
+        </p:txBody>
+      </p:sp>
+      <p:graphicFrame>
+        <p:nvGraphicFramePr>
+          <p:cNvPr id="99" name="Shape 99"/>
+          <p:cNvGraphicFramePr/>
+          <p:nvPr/>
+        </p:nvGraphicFramePr>
+        <p:xfrm>
+          <a:off x="5623560" y="560070"/>
+          <a:ext cx="208300" cy="365770"/>
+        </p:xfrm>
+        <a:graphic>
+          <a:graphicData uri="http://schemas.openxmlformats.org/drawingml/2006/table">
+            <a:tbl>
+              <a:tblPr>
+                <a:noFill/>
+                <a:tableStyleId>{3E517AEF-C05D-40B9-8274-1AED4C133E0D}</a:tableStyleId>
+              </a:tblPr>
+              <a:tblGrid>
+                <a:gridCol w="208300">
+                  <a:extLst>
+                    <a:ext uri="{9D8B030D-6E8A-4147-A177-3AD203B41FA5}">
+                      <a16:colId xmlns:a16="http://schemas.microsoft.com/office/drawing/2014/main" val="20000"/>
+                    </a:ext>
+                  </a:extLst>
+                </a:gridCol>
+              </a:tblGrid>
+              <a:tr h="0">
+                <a:tc>
+                  <a:txBody>
+                    <a:bodyPr/>
+                    <a:lstStyle/>
+                    <a:p>
+                      <a:pPr marL="0" marR="0" lvl="0" indent="0" algn="l" rtl="0">
+                        <a:spcBef>
+                          <a:spcPts val="0"/>
+                        </a:spcBef>
+                        <a:spcAft>
+                          <a:spcPts val="0"/>
+                        </a:spcAft>
+                        <a:buNone/>
+                      </a:pPr>
+                      <a:endParaRPr sz="1800"/>
+                    </a:p>
+                  </a:txBody>
+                  <a:tcPr marL="91450" marR="91450" marT="45725" marB="45725">
+                    <a:lnL w="9525" cap="flat" cmpd="sng">
+                      <a:solidFill>
+                        <a:srgbClr val="000000">
+                          <a:alpha val="0"/>
+                        </a:srgbClr>
+                      </a:solidFill>
+                      <a:prstDash val="solid"/>
+                      <a:round/>
+                      <a:headEnd type="none" w="sm" len="sm"/>
+                      <a:tailEnd type="none" w="sm" len="sm"/>
+                    </a:lnL>
+                    <a:lnR w="9525" cap="flat" cmpd="sng">
+                      <a:solidFill>
+                        <a:srgbClr val="000000">
+                          <a:alpha val="0"/>
+                        </a:srgbClr>
+                      </a:solidFill>
+                      <a:prstDash val="solid"/>
+                      <a:round/>
+                      <a:headEnd type="none" w="sm" len="sm"/>
+                      <a:tailEnd type="none" w="sm" len="sm"/>
+                    </a:lnR>
+                    <a:lnT w="9525" cap="flat" cmpd="sng">
+                      <a:solidFill>
+                        <a:srgbClr val="000000">
+                          <a:alpha val="0"/>
+                        </a:srgbClr>
+                      </a:solidFill>
+                      <a:prstDash val="solid"/>
+                      <a:round/>
+                      <a:headEnd type="none" w="sm" len="sm"/>
+                      <a:tailEnd type="none" w="sm" len="sm"/>
+                    </a:lnT>
+                    <a:lnB w="9525" cap="flat" cmpd="sng">
+                      <a:solidFill>
+                        <a:srgbClr val="000000">
+                          <a:alpha val="0"/>
+                        </a:srgbClr>
+                      </a:solidFill>
+                      <a:prstDash val="solid"/>
+                      <a:round/>
+                      <a:headEnd type="none" w="sm" len="sm"/>
+                      <a:tailEnd type="none" w="sm" len="sm"/>
+                    </a:lnB>
+                  </a:tcPr>
+                </a:tc>
+                <a:extLst>
+                  <a:ext uri="{0D108BD9-81ED-4DB2-BD59-A6C34878D82A}">
+                    <a16:rowId xmlns:a16="http://schemas.microsoft.com/office/drawing/2014/main" val="10000"/>
+                  </a:ext>
+                </a:extLst>
+              </a:tr>
+            </a:tbl>
+          </a:graphicData>
+        </a:graphic>
+      </p:graphicFrame>
+      <p:sp>
+        <p:nvSpPr>
+          <p:cNvPr id="13" name="TextBox 12">
+            <a:extLst>
+              <a:ext uri="{FF2B5EF4-FFF2-40B4-BE49-F238E27FC236}">
+                <a16:creationId xmlns:a16="http://schemas.microsoft.com/office/drawing/2014/main" id="{ACF42617-C7EF-4C36-BE92-38358AA79415}"/>
+              </a:ext>
+            </a:extLst>
+          </p:cNvPr>
+          <p:cNvSpPr txBox="1"/>
+          <p:nvPr/>
+        </p:nvSpPr>
+        <p:spPr>
+          <a:xfrm>
+            <a:off x="473697" y="1017270"/>
+            <a:ext cx="7917083" cy="4247317"/>
+          </a:xfrm>
+          <a:prstGeom prst="rect">
+            <a:avLst/>
+          </a:prstGeom>
+          <a:noFill/>
+        </p:spPr>
+        <p:txBody>
+          <a:bodyPr wrap="square" rtlCol="0">
+            <a:spAutoFit/>
+          </a:bodyPr>
+          <a:lstStyle/>
+          <a:p>
+            <a:pPr marL="514350" indent="-514350">
+              <a:buFont typeface="+mj-lt"/>
+              <a:buAutoNum type="arabicPeriod"/>
+            </a:pPr>
+            <a:r>
+              <a:rPr lang="en-US" sz="3000" dirty="0"/>
+              <a:t>Read in data</a:t>
+            </a:r>
+          </a:p>
+          <a:p>
+            <a:pPr marL="514350" indent="-514350">
+              <a:buFont typeface="+mj-lt"/>
+              <a:buAutoNum type="arabicPeriod"/>
+            </a:pPr>
+            <a:r>
+              <a:rPr lang="en-US" sz="3000" dirty="0"/>
+              <a:t>Check data – List variables, their type, range, number of </a:t>
+            </a:r>
+            <a:r>
+              <a:rPr lang="en-US" sz="3000" dirty="0" err="1"/>
+              <a:t>missings</a:t>
+            </a:r>
+            <a:r>
+              <a:rPr lang="en-US" sz="3000" dirty="0"/>
+              <a:t>, plot distribution, descriptive statistics, etc.</a:t>
+            </a:r>
+          </a:p>
+          <a:p>
+            <a:pPr marL="514350" indent="-514350">
+              <a:buFont typeface="+mj-lt"/>
+              <a:buAutoNum type="arabicPeriod"/>
+            </a:pPr>
+            <a:r>
+              <a:rPr lang="en-US" sz="3000" dirty="0"/>
+              <a:t>Clean data – Resolve </a:t>
+            </a:r>
+            <a:r>
+              <a:rPr lang="en-US" sz="3000" dirty="0" err="1"/>
+              <a:t>missings</a:t>
+            </a:r>
+            <a:r>
+              <a:rPr lang="en-US" sz="3000" dirty="0"/>
+              <a:t>, transform variables, etc.</a:t>
+            </a:r>
+          </a:p>
+          <a:p>
+            <a:pPr marL="514350" indent="-514350">
+              <a:buFont typeface="+mj-lt"/>
+              <a:buAutoNum type="arabicPeriod"/>
+            </a:pPr>
+            <a:r>
+              <a:rPr lang="en-US" sz="3000" dirty="0"/>
+              <a:t>Test models – Check significance, residuals, goodness of fit, etc.</a:t>
+            </a:r>
+          </a:p>
+          <a:p>
+            <a:pPr marL="514350" indent="-514350">
+              <a:buFont typeface="+mj-lt"/>
+              <a:buAutoNum type="arabicPeriod"/>
+            </a:pPr>
+            <a:r>
+              <a:rPr lang="en-US" sz="3000" dirty="0"/>
+              <a:t>Visualize data</a:t>
+            </a:r>
+          </a:p>
+        </p:txBody>
+      </p:sp>
+    </p:spTree>
+    <p:extLst>
+      <p:ext uri="{BB962C8B-B14F-4D97-AF65-F5344CB8AC3E}">
+        <p14:creationId xmlns:p14="http://schemas.microsoft.com/office/powerpoint/2010/main" val="3636573115"/>
+      </p:ext>
+    </p:extLst>
+  </p:cSld>
+  <p:clrMapOvr>
+    <a:masterClrMapping/>
+  </p:clrMapOvr>
+</p:sld>
+</file>
+
+<file path=ppt/slides/slide12.xml><?xml version="1.0" encoding="utf-8"?>
+<p:sld xmlns:a="http://schemas.openxmlformats.org/drawingml/2006/main" xmlns:r="http://schemas.openxmlformats.org/officeDocument/2006/relationships" xmlns:p="http://schemas.openxmlformats.org/presentationml/2006/main">
+  <p:cSld>
+    <p:spTree>
+      <p:nvGrpSpPr>
+        <p:cNvPr id="1" name=""/>
+        <p:cNvGrpSpPr/>
+        <p:nvPr/>
+      </p:nvGrpSpPr>
+      <p:grpSpPr>
+        <a:xfrm>
+          <a:off x="0" y="0"/>
+          <a:ext cx="0" cy="0"/>
+          <a:chOff x="0" y="0"/>
+          <a:chExt cx="0" cy="0"/>
+        </a:xfrm>
+      </p:grpSpPr>
+      <p:sp>
+        <p:nvSpPr>
+          <p:cNvPr id="3" name="Title 2">
+            <a:extLst>
+              <a:ext uri="{FF2B5EF4-FFF2-40B4-BE49-F238E27FC236}">
+                <a16:creationId xmlns:a16="http://schemas.microsoft.com/office/drawing/2014/main" id="{EE078754-30AA-4C20-8335-D87A47D7E33D}"/>
+              </a:ext>
+            </a:extLst>
+          </p:cNvPr>
+          <p:cNvSpPr>
+            <a:spLocks noGrp="1"/>
+          </p:cNvSpPr>
+          <p:nvPr>
+            <p:ph type="title"/>
+          </p:nvPr>
+        </p:nvSpPr>
+        <p:spPr/>
+        <p:txBody>
+          <a:bodyPr/>
+          <a:lstStyle/>
+          <a:p>
+            <a:r>
+              <a:rPr lang="en-US" dirty="0"/>
+              <a:t>Installing Packages</a:t>
+            </a:r>
+          </a:p>
+        </p:txBody>
+      </p:sp>
+      <p:sp>
+        <p:nvSpPr>
+          <p:cNvPr id="2" name="Slide Number Placeholder 1">
+            <a:extLst>
+              <a:ext uri="{FF2B5EF4-FFF2-40B4-BE49-F238E27FC236}">
+                <a16:creationId xmlns:a16="http://schemas.microsoft.com/office/drawing/2014/main" id="{B93A5DA5-FF98-4920-B370-FF24EA2D0034}"/>
+              </a:ext>
+            </a:extLst>
+          </p:cNvPr>
+          <p:cNvSpPr>
+            <a:spLocks noGrp="1"/>
+          </p:cNvSpPr>
+          <p:nvPr>
+            <p:ph type="sldNum" idx="12"/>
+          </p:nvPr>
+        </p:nvSpPr>
+        <p:spPr/>
+        <p:txBody>
+          <a:bodyPr/>
+          <a:lstStyle/>
+          <a:p>
+            <a:pPr marL="0" lvl="0" indent="0">
+              <a:spcBef>
+                <a:spcPts val="0"/>
+              </a:spcBef>
+              <a:spcAft>
+                <a:spcPts val="0"/>
+              </a:spcAft>
+              <a:buNone/>
+            </a:pPr>
+            <a:fld id="{00000000-1234-1234-1234-123412341234}" type="slidenum">
+              <a:rPr lang="en-US" smtClean="0"/>
+              <a:t>12</a:t>
+            </a:fld>
+            <a:endParaRPr lang="en-US"/>
+          </a:p>
+        </p:txBody>
+      </p:sp>
+    </p:spTree>
+    <p:extLst>
+      <p:ext uri="{BB962C8B-B14F-4D97-AF65-F5344CB8AC3E}">
+        <p14:creationId xmlns:p14="http://schemas.microsoft.com/office/powerpoint/2010/main" val="464181074"/>
+      </p:ext>
+    </p:extLst>
+  </p:cSld>
+  <p:clrMapOvr>
+    <a:masterClrMapping/>
+  </p:clrMapOvr>
+</p:sld>
+</file>
+
+<file path=ppt/slides/slide13.xml><?xml version="1.0" encoding="utf-8"?>
+<p:sld xmlns:a="http://schemas.openxmlformats.org/drawingml/2006/main" xmlns:r="http://schemas.openxmlformats.org/officeDocument/2006/relationships" xmlns:p="http://schemas.openxmlformats.org/presentationml/2006/main">
+  <p:cSld>
+    <p:spTree>
+      <p:nvGrpSpPr>
+        <p:cNvPr id="1" name="Shape 95"/>
+        <p:cNvGrpSpPr/>
+        <p:nvPr/>
+      </p:nvGrpSpPr>
+      <p:grpSpPr>
+        <a:xfrm>
+          <a:off x="0" y="0"/>
+          <a:ext cx="0" cy="0"/>
+          <a:chOff x="0" y="0"/>
+          <a:chExt cx="0" cy="0"/>
+        </a:xfrm>
+      </p:grpSpPr>
+      <p:sp>
+        <p:nvSpPr>
+          <p:cNvPr id="96" name="Shape 96"/>
+          <p:cNvSpPr txBox="1"/>
+          <p:nvPr/>
+        </p:nvSpPr>
+        <p:spPr>
+          <a:xfrm>
+            <a:off x="4343400" y="6172200"/>
+            <a:ext cx="457200" cy="457200"/>
+          </a:xfrm>
+          <a:prstGeom prst="rect">
+            <a:avLst/>
+          </a:prstGeom>
+          <a:noFill/>
+          <a:ln>
+            <a:noFill/>
+          </a:ln>
+        </p:spPr>
+        <p:txBody>
+          <a:bodyPr spcFirstLastPara="1" wrap="square" lIns="91425" tIns="45700" rIns="91425" bIns="45700" anchor="t" anchorCtr="0">
+            <a:noAutofit/>
+          </a:bodyPr>
+          <a:lstStyle/>
+          <a:p>
+            <a:pPr marL="0" marR="0" lvl="0" indent="0" algn="ctr" rtl="0">
+              <a:spcBef>
+                <a:spcPts val="0"/>
+              </a:spcBef>
+              <a:spcAft>
+                <a:spcPts val="0"/>
+              </a:spcAft>
+              <a:buNone/>
+            </a:pPr>
+            <a:fld id="{00000000-1234-1234-1234-123412341234}" type="slidenum">
+              <a:rPr lang="en-US" sz="1000">
+                <a:solidFill>
+                  <a:schemeClr val="dk1"/>
+                </a:solidFill>
+                <a:latin typeface="Arial"/>
+                <a:ea typeface="Arial"/>
+                <a:cs typeface="Arial"/>
+                <a:sym typeface="Arial"/>
+              </a:rPr>
+              <a:t>13</a:t>
             </a:fld>
             <a:endParaRPr sz="1000">
               <a:solidFill>
@@ -14306,7 +15810,7 @@
 </p:sld>
 </file>
 
-<file path=ppt/slides/slide12.xml><?xml version="1.0" encoding="utf-8"?>
+<file path=ppt/slides/slide14.xml><?xml version="1.0" encoding="utf-8"?>
 <p:sld xmlns:a="http://schemas.openxmlformats.org/drawingml/2006/main" xmlns:r="http://schemas.openxmlformats.org/officeDocument/2006/relationships" xmlns:p="http://schemas.openxmlformats.org/presentationml/2006/main">
   <p:cSld>
     <p:spTree>
@@ -14383,7 +15887,7 @@
             </a:pPr>
             <a:fld id="{00000000-1234-1234-1234-123412341234}" type="slidenum">
               <a:rPr lang="en-US" smtClean="0"/>
-              <a:t>12</a:t>
+              <a:t>14</a:t>
             </a:fld>
             <a:endParaRPr lang="en-US"/>
           </a:p>
@@ -14402,7 +15906,7 @@
 </p:sld>
 </file>
 
-<file path=ppt/slides/slide13.xml><?xml version="1.0" encoding="utf-8"?>
+<file path=ppt/slides/slide15.xml><?xml version="1.0" encoding="utf-8"?>
 <p:sld xmlns:a="http://schemas.openxmlformats.org/drawingml/2006/main" xmlns:r="http://schemas.openxmlformats.org/officeDocument/2006/relationships" xmlns:p="http://schemas.openxmlformats.org/presentationml/2006/main">
   <p:cSld>
     <p:spTree>
@@ -14463,7 +15967,7 @@
                 <a:cs typeface="Arial"/>
                 <a:sym typeface="Arial"/>
               </a:rPr>
-              <a:t>13</a:t>
+              <a:t>15</a:t>
             </a:fld>
             <a:endParaRPr sz="1000">
               <a:solidFill>
@@ -14743,7 +16247,7 @@
 </p:sld>
 </file>
 
-<file path=ppt/slides/slide14.xml><?xml version="1.0" encoding="utf-8"?>
+<file path=ppt/slides/slide16.xml><?xml version="1.0" encoding="utf-8"?>
 <p:sld xmlns:a="http://schemas.openxmlformats.org/drawingml/2006/main" xmlns:r="http://schemas.openxmlformats.org/officeDocument/2006/relationships" xmlns:p="http://schemas.openxmlformats.org/presentationml/2006/main">
   <p:cSld>
     <p:spTree>
@@ -14804,7 +16308,7 @@
                 <a:cs typeface="Arial"/>
                 <a:sym typeface="Arial"/>
               </a:rPr>
-              <a:t>14</a:t>
+              <a:t>16</a:t>
             </a:fld>
             <a:endParaRPr sz="1000">
               <a:solidFill>
@@ -14992,7 +16496,7 @@
         <p:spPr>
           <a:xfrm>
             <a:off x="384858" y="1062893"/>
-            <a:ext cx="7917083" cy="2462213"/>
+            <a:ext cx="7917083" cy="2031325"/>
           </a:xfrm>
           <a:prstGeom prst="rect">
             <a:avLst/>
@@ -15007,7 +16511,7 @@
           <a:p>
             <a:r>
               <a:rPr lang="en-US" dirty="0"/>
-              <a:t>After using the swirl() function to open swirl, it will list the courses you have installed. After selecting a course, it will then list lessons for you to select. For purposes of getting started with R, I recommend you start with the following courses:</a:t>
+              <a:t>After using the swirl() function to open swirl, it will list the courses you have installed. After selecting a course, it will then list lessons for you to select. We will work through the following:</a:t>
             </a:r>
           </a:p>
           <a:p>
@@ -15033,14 +16537,7 @@
             <a:pPr lvl="1"/>
             <a:r>
               <a:rPr lang="en-US" dirty="0"/>
-              <a:t>3. Sequences of Numbers</a:t>
-            </a:r>
-          </a:p>
-          <a:p>
-            <a:pPr lvl="1"/>
-            <a:r>
-              <a:rPr lang="en-US" dirty="0"/>
-              <a:t>4. Vectors</a:t>
+              <a:t>5. Missing Values</a:t>
             </a:r>
           </a:p>
           <a:p>
@@ -15078,7 +16575,7 @@
 </p:sld>
 </file>
 
-<file path=ppt/slides/slide15.xml><?xml version="1.0" encoding="utf-8"?>
+<file path=ppt/slides/slide17.xml><?xml version="1.0" encoding="utf-8"?>
 <p:sld xmlns:a="http://schemas.openxmlformats.org/drawingml/2006/main" xmlns:r="http://schemas.openxmlformats.org/officeDocument/2006/relationships" xmlns:p="http://schemas.openxmlformats.org/presentationml/2006/main">
   <p:cSld>
     <p:spTree>
@@ -15118,7 +16615,7 @@
           <a:p>
             <a:r>
               <a:rPr lang="en-US" dirty="0"/>
-              <a:t>R Programming</a:t>
+              <a:t>Basics of R Programming</a:t>
             </a:r>
           </a:p>
         </p:txBody>
@@ -15155,7 +16652,7 @@
             </a:pPr>
             <a:fld id="{00000000-1234-1234-1234-123412341234}" type="slidenum">
               <a:rPr lang="en-US" smtClean="0"/>
-              <a:t>15</a:t>
+              <a:t>17</a:t>
             </a:fld>
             <a:endParaRPr lang="en-US"/>
           </a:p>
@@ -15174,7 +16671,7 @@
 </p:sld>
 </file>
 
-<file path=ppt/slides/slide16.xml><?xml version="1.0" encoding="utf-8"?>
+<file path=ppt/slides/slide18.xml><?xml version="1.0" encoding="utf-8"?>
 <p:sld xmlns:a="http://schemas.openxmlformats.org/drawingml/2006/main" xmlns:r="http://schemas.openxmlformats.org/officeDocument/2006/relationships" xmlns:p="http://schemas.openxmlformats.org/presentationml/2006/main">
   <p:cSld>
     <p:spTree>
@@ -15235,7 +16732,7 @@
                 <a:cs typeface="Arial"/>
                 <a:sym typeface="Arial"/>
               </a:rPr>
-              <a:t>16</a:t>
+              <a:t>18</a:t>
             </a:fld>
             <a:endParaRPr sz="1000">
               <a:solidFill>
@@ -15289,7 +16786,7 @@
                   <a:srgbClr val="820009"/>
                 </a:solidFill>
               </a:rPr>
-              <a:t>Basic Building Blocks</a:t>
+              <a:t>Basic Building Blocks and Missing Values Takeaways</a:t>
             </a:r>
             <a:endParaRPr sz="2400" b="1" dirty="0">
               <a:solidFill>
@@ -15404,6 +16901,130 @@
           </a:graphicData>
         </a:graphic>
       </p:graphicFrame>
+      <p:sp>
+        <p:nvSpPr>
+          <p:cNvPr id="5" name="TextBox 4">
+            <a:extLst>
+              <a:ext uri="{FF2B5EF4-FFF2-40B4-BE49-F238E27FC236}">
+                <a16:creationId xmlns:a16="http://schemas.microsoft.com/office/drawing/2014/main" id="{85D8BDF1-8B90-4D96-9626-7B5FD2A2A88D}"/>
+              </a:ext>
+            </a:extLst>
+          </p:cNvPr>
+          <p:cNvSpPr txBox="1"/>
+          <p:nvPr/>
+        </p:nvSpPr>
+        <p:spPr>
+          <a:xfrm>
+            <a:off x="384858" y="1062893"/>
+            <a:ext cx="7917083" cy="5016758"/>
+          </a:xfrm>
+          <a:prstGeom prst="rect">
+            <a:avLst/>
+          </a:prstGeom>
+          <a:noFill/>
+        </p:spPr>
+        <p:txBody>
+          <a:bodyPr wrap="square" rtlCol="0">
+            <a:spAutoFit/>
+          </a:bodyPr>
+          <a:lstStyle/>
+          <a:p>
+            <a:pPr marL="342900" indent="-342900">
+              <a:buFont typeface="+mj-lt"/>
+              <a:buAutoNum type="arabicPeriod"/>
+            </a:pPr>
+            <a:r>
+              <a:rPr lang="en-US" sz="2000" dirty="0"/>
+              <a:t>You can pull up the help section for a function by at any time by typing ? followed by the function</a:t>
+            </a:r>
+          </a:p>
+          <a:p>
+            <a:pPr marL="342900" indent="-342900">
+              <a:buFont typeface="+mj-lt"/>
+              <a:buAutoNum type="arabicPeriod"/>
+            </a:pPr>
+            <a:r>
+              <a:rPr lang="en-US" sz="2000" dirty="0"/>
+              <a:t>You can create variables to store values by using the “&lt;-” or “=“ operators</a:t>
+            </a:r>
+          </a:p>
+          <a:p>
+            <a:pPr marL="342900" indent="-342900">
+              <a:buFont typeface="+mj-lt"/>
+              <a:buAutoNum type="arabicPeriod"/>
+            </a:pPr>
+            <a:r>
+              <a:rPr lang="en-US" sz="2000" dirty="0"/>
+              <a:t>A vector is a data structure that contains one or more observations</a:t>
+            </a:r>
+          </a:p>
+          <a:p>
+            <a:pPr marL="342900" indent="-342900">
+              <a:buFont typeface="+mj-lt"/>
+              <a:buAutoNum type="arabicPeriod"/>
+            </a:pPr>
+            <a:r>
+              <a:rPr lang="en-US" sz="2000" dirty="0"/>
+              <a:t>The c() command combines observations into a vector</a:t>
+            </a:r>
+          </a:p>
+          <a:p>
+            <a:pPr marL="342900" indent="-342900">
+              <a:buFont typeface="+mj-lt"/>
+              <a:buAutoNum type="arabicPeriod"/>
+            </a:pPr>
+            <a:r>
+              <a:rPr lang="en-US" sz="2000" dirty="0"/>
+              <a:t>Operations on a vector will be performed on each item sequentially, and recycled if two vectors in the operation are of different lengths</a:t>
+            </a:r>
+          </a:p>
+          <a:p>
+            <a:pPr marL="342900" indent="-342900">
+              <a:buFont typeface="+mj-lt"/>
+              <a:buAutoNum type="arabicPeriod"/>
+            </a:pPr>
+            <a:r>
+              <a:rPr lang="en-US" sz="2000" dirty="0"/>
+              <a:t>Any operation on an NA will yield an NA, except for is.na()</a:t>
+            </a:r>
+          </a:p>
+          <a:p>
+            <a:pPr marL="342900" indent="-342900">
+              <a:buFont typeface="+mj-lt"/>
+              <a:buAutoNum type="arabicPeriod"/>
+            </a:pPr>
+            <a:endParaRPr lang="en-US" sz="2000" dirty="0"/>
+          </a:p>
+          <a:p>
+            <a:r>
+              <a:rPr lang="en-US" sz="2000" dirty="0"/>
+              <a:t>Additional Notes:</a:t>
+            </a:r>
+          </a:p>
+          <a:p>
+            <a:pPr marL="457200" indent="-457200">
+              <a:buAutoNum type="arabicPeriod"/>
+            </a:pPr>
+            <a:r>
+              <a:rPr lang="en-US" sz="2000" dirty="0"/>
+              <a:t>Comment your code by starting a line with the ‘#’ symbol</a:t>
+            </a:r>
+          </a:p>
+          <a:p>
+            <a:pPr marL="457200" indent="-457200">
+              <a:buAutoNum type="arabicPeriod"/>
+            </a:pPr>
+            <a:endParaRPr lang="en-US" sz="2000" dirty="0"/>
+          </a:p>
+          <a:p>
+            <a:pPr marL="342900" indent="-342900">
+              <a:buFont typeface="+mj-lt"/>
+              <a:buAutoNum type="arabicPeriod"/>
+            </a:pPr>
+            <a:endParaRPr lang="en-US" sz="2000" dirty="0"/>
+          </a:p>
+        </p:txBody>
+      </p:sp>
     </p:spTree>
     <p:extLst>
       <p:ext uri="{BB962C8B-B14F-4D97-AF65-F5344CB8AC3E}">
@@ -15417,7 +17038,2131 @@
 </p:sld>
 </file>
 
-<file path=ppt/slides/slide17.xml><?xml version="1.0" encoding="utf-8"?>
+<file path=ppt/slides/slide19.xml><?xml version="1.0" encoding="utf-8"?>
+<p:sld xmlns:a="http://schemas.openxmlformats.org/drawingml/2006/main" xmlns:r="http://schemas.openxmlformats.org/officeDocument/2006/relationships" xmlns:p="http://schemas.openxmlformats.org/presentationml/2006/main">
+  <p:cSld>
+    <p:spTree>
+      <p:nvGrpSpPr>
+        <p:cNvPr id="1" name="Shape 95"/>
+        <p:cNvGrpSpPr/>
+        <p:nvPr/>
+      </p:nvGrpSpPr>
+      <p:grpSpPr>
+        <a:xfrm>
+          <a:off x="0" y="0"/>
+          <a:ext cx="0" cy="0"/>
+          <a:chOff x="0" y="0"/>
+          <a:chExt cx="0" cy="0"/>
+        </a:xfrm>
+      </p:grpSpPr>
+      <p:sp>
+        <p:nvSpPr>
+          <p:cNvPr id="96" name="Shape 96"/>
+          <p:cNvSpPr txBox="1"/>
+          <p:nvPr/>
+        </p:nvSpPr>
+        <p:spPr>
+          <a:xfrm>
+            <a:off x="4343400" y="6172200"/>
+            <a:ext cx="457200" cy="457200"/>
+          </a:xfrm>
+          <a:prstGeom prst="rect">
+            <a:avLst/>
+          </a:prstGeom>
+          <a:noFill/>
+          <a:ln>
+            <a:noFill/>
+          </a:ln>
+        </p:spPr>
+        <p:txBody>
+          <a:bodyPr spcFirstLastPara="1" wrap="square" lIns="91425" tIns="45700" rIns="91425" bIns="45700" anchor="t" anchorCtr="0">
+            <a:noAutofit/>
+          </a:bodyPr>
+          <a:lstStyle/>
+          <a:p>
+            <a:pPr marL="0" marR="0" lvl="0" indent="0" algn="ctr" rtl="0">
+              <a:spcBef>
+                <a:spcPts val="0"/>
+              </a:spcBef>
+              <a:spcAft>
+                <a:spcPts val="0"/>
+              </a:spcAft>
+              <a:buNone/>
+            </a:pPr>
+            <a:fld id="{00000000-1234-1234-1234-123412341234}" type="slidenum">
+              <a:rPr lang="en-US" sz="1000">
+                <a:solidFill>
+                  <a:schemeClr val="dk1"/>
+                </a:solidFill>
+                <a:latin typeface="Arial"/>
+                <a:ea typeface="Arial"/>
+                <a:cs typeface="Arial"/>
+                <a:sym typeface="Arial"/>
+              </a:rPr>
+              <a:t>19</a:t>
+            </a:fld>
+            <a:endParaRPr sz="1000">
+              <a:solidFill>
+                <a:schemeClr val="dk1"/>
+              </a:solidFill>
+              <a:latin typeface="Arial"/>
+              <a:ea typeface="Arial"/>
+              <a:cs typeface="Arial"/>
+              <a:sym typeface="Arial"/>
+            </a:endParaRPr>
+          </a:p>
+        </p:txBody>
+      </p:sp>
+      <p:sp>
+        <p:nvSpPr>
+          <p:cNvPr id="97" name="Shape 97"/>
+          <p:cNvSpPr txBox="1"/>
+          <p:nvPr/>
+        </p:nvSpPr>
+        <p:spPr>
+          <a:xfrm>
+            <a:off x="381000" y="223650"/>
+            <a:ext cx="8382000" cy="457200"/>
+          </a:xfrm>
+          <a:prstGeom prst="rect">
+            <a:avLst/>
+          </a:prstGeom>
+          <a:noFill/>
+          <a:ln>
+            <a:noFill/>
+          </a:ln>
+        </p:spPr>
+        <p:txBody>
+          <a:bodyPr spcFirstLastPara="1" wrap="square" lIns="91425" tIns="45700" rIns="91425" bIns="45700" anchor="t" anchorCtr="0">
+            <a:noAutofit/>
+          </a:bodyPr>
+          <a:lstStyle/>
+          <a:p>
+            <a:pPr marL="0" marR="0" lvl="0" indent="0" algn="l" rtl="0">
+              <a:spcBef>
+                <a:spcPts val="0"/>
+              </a:spcBef>
+              <a:spcAft>
+                <a:spcPts val="0"/>
+              </a:spcAft>
+              <a:buNone/>
+            </a:pPr>
+            <a:r>
+              <a:rPr lang="en-US" sz="2400" b="1" dirty="0" err="1">
+                <a:solidFill>
+                  <a:srgbClr val="820009"/>
+                </a:solidFill>
+              </a:rPr>
+              <a:t>Subsetting</a:t>
+            </a:r>
+            <a:r>
+              <a:rPr lang="en-US" sz="2400" b="1" dirty="0">
+                <a:solidFill>
+                  <a:srgbClr val="820009"/>
+                </a:solidFill>
+              </a:rPr>
+              <a:t> Vectors Takeaways</a:t>
+            </a:r>
+            <a:endParaRPr sz="2400" b="1" dirty="0">
+              <a:solidFill>
+                <a:srgbClr val="820009"/>
+              </a:solidFill>
+              <a:latin typeface="Arial"/>
+              <a:ea typeface="Arial"/>
+              <a:cs typeface="Arial"/>
+              <a:sym typeface="Arial"/>
+            </a:endParaRPr>
+          </a:p>
+        </p:txBody>
+      </p:sp>
+      <p:graphicFrame>
+        <p:nvGraphicFramePr>
+          <p:cNvPr id="99" name="Shape 99"/>
+          <p:cNvGraphicFramePr/>
+          <p:nvPr/>
+        </p:nvGraphicFramePr>
+        <p:xfrm>
+          <a:off x="5623560" y="560070"/>
+          <a:ext cx="208300" cy="365770"/>
+        </p:xfrm>
+        <a:graphic>
+          <a:graphicData uri="http://schemas.openxmlformats.org/drawingml/2006/table">
+            <a:tbl>
+              <a:tblPr>
+                <a:noFill/>
+                <a:tableStyleId>{3E517AEF-C05D-40B9-8274-1AED4C133E0D}</a:tableStyleId>
+              </a:tblPr>
+              <a:tblGrid>
+                <a:gridCol w="208300">
+                  <a:extLst>
+                    <a:ext uri="{9D8B030D-6E8A-4147-A177-3AD203B41FA5}">
+                      <a16:colId xmlns:a16="http://schemas.microsoft.com/office/drawing/2014/main" val="20000"/>
+                    </a:ext>
+                  </a:extLst>
+                </a:gridCol>
+              </a:tblGrid>
+              <a:tr h="0">
+                <a:tc>
+                  <a:txBody>
+                    <a:bodyPr/>
+                    <a:lstStyle/>
+                    <a:p>
+                      <a:pPr marL="0" marR="0" lvl="0" indent="0" algn="l" rtl="0">
+                        <a:spcBef>
+                          <a:spcPts val="0"/>
+                        </a:spcBef>
+                        <a:spcAft>
+                          <a:spcPts val="0"/>
+                        </a:spcAft>
+                        <a:buNone/>
+                      </a:pPr>
+                      <a:endParaRPr sz="1800"/>
+                    </a:p>
+                  </a:txBody>
+                  <a:tcPr marL="91450" marR="91450" marT="45725" marB="45725">
+                    <a:lnL w="9525" cap="flat" cmpd="sng">
+                      <a:solidFill>
+                        <a:srgbClr val="000000">
+                          <a:alpha val="0"/>
+                        </a:srgbClr>
+                      </a:solidFill>
+                      <a:prstDash val="solid"/>
+                      <a:round/>
+                      <a:headEnd type="none" w="sm" len="sm"/>
+                      <a:tailEnd type="none" w="sm" len="sm"/>
+                    </a:lnL>
+                    <a:lnR w="9525" cap="flat" cmpd="sng">
+                      <a:solidFill>
+                        <a:srgbClr val="000000">
+                          <a:alpha val="0"/>
+                        </a:srgbClr>
+                      </a:solidFill>
+                      <a:prstDash val="solid"/>
+                      <a:round/>
+                      <a:headEnd type="none" w="sm" len="sm"/>
+                      <a:tailEnd type="none" w="sm" len="sm"/>
+                    </a:lnR>
+                    <a:lnT w="9525" cap="flat" cmpd="sng">
+                      <a:solidFill>
+                        <a:srgbClr val="000000">
+                          <a:alpha val="0"/>
+                        </a:srgbClr>
+                      </a:solidFill>
+                      <a:prstDash val="solid"/>
+                      <a:round/>
+                      <a:headEnd type="none" w="sm" len="sm"/>
+                      <a:tailEnd type="none" w="sm" len="sm"/>
+                    </a:lnT>
+                    <a:lnB w="9525" cap="flat" cmpd="sng">
+                      <a:solidFill>
+                        <a:srgbClr val="000000">
+                          <a:alpha val="0"/>
+                        </a:srgbClr>
+                      </a:solidFill>
+                      <a:prstDash val="solid"/>
+                      <a:round/>
+                      <a:headEnd type="none" w="sm" len="sm"/>
+                      <a:tailEnd type="none" w="sm" len="sm"/>
+                    </a:lnB>
+                  </a:tcPr>
+                </a:tc>
+                <a:extLst>
+                  <a:ext uri="{0D108BD9-81ED-4DB2-BD59-A6C34878D82A}">
+                    <a16:rowId xmlns:a16="http://schemas.microsoft.com/office/drawing/2014/main" val="10000"/>
+                  </a:ext>
+                </a:extLst>
+              </a:tr>
+            </a:tbl>
+          </a:graphicData>
+        </a:graphic>
+      </p:graphicFrame>
+      <p:sp>
+        <p:nvSpPr>
+          <p:cNvPr id="5" name="TextBox 4">
+            <a:extLst>
+              <a:ext uri="{FF2B5EF4-FFF2-40B4-BE49-F238E27FC236}">
+                <a16:creationId xmlns:a16="http://schemas.microsoft.com/office/drawing/2014/main" id="{85D8BDF1-8B90-4D96-9626-7B5FD2A2A88D}"/>
+              </a:ext>
+            </a:extLst>
+          </p:cNvPr>
+          <p:cNvSpPr txBox="1"/>
+          <p:nvPr/>
+        </p:nvSpPr>
+        <p:spPr>
+          <a:xfrm>
+            <a:off x="384858" y="1062893"/>
+            <a:ext cx="7917083" cy="2862322"/>
+          </a:xfrm>
+          <a:prstGeom prst="rect">
+            <a:avLst/>
+          </a:prstGeom>
+          <a:noFill/>
+        </p:spPr>
+        <p:txBody>
+          <a:bodyPr wrap="square" rtlCol="0">
+            <a:spAutoFit/>
+          </a:bodyPr>
+          <a:lstStyle/>
+          <a:p>
+            <a:pPr marL="342900" indent="-342900">
+              <a:buFont typeface="+mj-lt"/>
+              <a:buAutoNum type="arabicPeriod"/>
+            </a:pPr>
+            <a:r>
+              <a:rPr lang="en-US" sz="2000" dirty="0"/>
+              <a:t>Reference a subset of a vector using brackets, e.g. x[1:10], R is a one-based indexing language</a:t>
+            </a:r>
+          </a:p>
+          <a:p>
+            <a:pPr marL="342900" indent="-342900">
+              <a:buFont typeface="+mj-lt"/>
+              <a:buAutoNum type="arabicPeriod"/>
+            </a:pPr>
+            <a:r>
+              <a:rPr lang="en-US" sz="2000" dirty="0"/>
+              <a:t>There are four type of </a:t>
+            </a:r>
+            <a:r>
+              <a:rPr lang="en-US" sz="2000" dirty="0" err="1"/>
+              <a:t>subsetting</a:t>
+            </a:r>
+            <a:r>
+              <a:rPr lang="en-US" sz="2000" dirty="0"/>
+              <a:t>: 1. positive integers, 2. </a:t>
+            </a:r>
+            <a:r>
+              <a:rPr lang="en-US" sz="2000" dirty="0" err="1"/>
+              <a:t>logicals</a:t>
+            </a:r>
+            <a:r>
+              <a:rPr lang="en-US" sz="2000" dirty="0"/>
+              <a:t>, 3. negative integers, 4. character strings</a:t>
+            </a:r>
+          </a:p>
+          <a:p>
+            <a:pPr marL="342900" indent="-342900">
+              <a:buFont typeface="+mj-lt"/>
+              <a:buAutoNum type="arabicPeriod"/>
+            </a:pPr>
+            <a:r>
+              <a:rPr lang="en-US" sz="2000" dirty="0"/>
+              <a:t>Positive integers: x[1:10] will return observations 1 through 10</a:t>
+            </a:r>
+          </a:p>
+          <a:p>
+            <a:pPr marL="342900" indent="-342900">
+              <a:buFont typeface="+mj-lt"/>
+              <a:buAutoNum type="arabicPeriod"/>
+            </a:pPr>
+            <a:r>
+              <a:rPr lang="en-US" sz="2000" dirty="0" err="1"/>
+              <a:t>Logicals</a:t>
+            </a:r>
+            <a:r>
+              <a:rPr lang="en-US" sz="2000" dirty="0"/>
+              <a:t>: x[x&gt;10] will return observations for which x exceeds 10</a:t>
+            </a:r>
+          </a:p>
+          <a:p>
+            <a:pPr marL="342900" indent="-342900">
+              <a:buFont typeface="+mj-lt"/>
+              <a:buAutoNum type="arabicPeriod"/>
+            </a:pPr>
+            <a:r>
+              <a:rPr lang="en-US" sz="2000" dirty="0"/>
+              <a:t>Negative integers: x[-1] will return all observations EXCEPT 1</a:t>
+            </a:r>
+          </a:p>
+          <a:p>
+            <a:pPr marL="342900" indent="-342900">
+              <a:buFont typeface="+mj-lt"/>
+              <a:buAutoNum type="arabicPeriod"/>
+            </a:pPr>
+            <a:r>
+              <a:rPr lang="en-US" sz="2000" dirty="0"/>
+              <a:t>Character strings: </a:t>
+            </a:r>
+            <a:r>
+              <a:rPr lang="en-US" sz="2000" dirty="0" err="1"/>
+              <a:t>mtcars</a:t>
+            </a:r>
+            <a:r>
+              <a:rPr lang="en-US" sz="2000" dirty="0"/>
+              <a:t>[“mpg”] returns the column named “mpg”</a:t>
+            </a:r>
+          </a:p>
+          <a:p>
+            <a:pPr marL="342900" indent="-342900">
+              <a:buFont typeface="+mj-lt"/>
+              <a:buAutoNum type="arabicPeriod"/>
+            </a:pPr>
+            <a:endParaRPr lang="en-US" sz="2000" dirty="0"/>
+          </a:p>
+        </p:txBody>
+      </p:sp>
+    </p:spTree>
+    <p:extLst>
+      <p:ext uri="{BB962C8B-B14F-4D97-AF65-F5344CB8AC3E}">
+        <p14:creationId xmlns:p14="http://schemas.microsoft.com/office/powerpoint/2010/main" val="648193912"/>
+      </p:ext>
+    </p:extLst>
+  </p:cSld>
+  <p:clrMapOvr>
+    <a:masterClrMapping/>
+  </p:clrMapOvr>
+</p:sld>
+</file>
+
+<file path=ppt/slides/slide2.xml><?xml version="1.0" encoding="utf-8"?>
+<p:sld xmlns:a="http://schemas.openxmlformats.org/drawingml/2006/main" xmlns:r="http://schemas.openxmlformats.org/officeDocument/2006/relationships" xmlns:p="http://schemas.openxmlformats.org/presentationml/2006/main">
+  <p:cSld>
+    <p:bg>
+      <p:bgPr>
+        <a:solidFill>
+          <a:schemeClr val="lt1"/>
+        </a:solidFill>
+        <a:effectLst/>
+      </p:bgPr>
+    </p:bg>
+    <p:spTree>
+      <p:nvGrpSpPr>
+        <p:cNvPr id="1" name="Shape 87"/>
+        <p:cNvGrpSpPr/>
+        <p:nvPr/>
+      </p:nvGrpSpPr>
+      <p:grpSpPr>
+        <a:xfrm>
+          <a:off x="0" y="0"/>
+          <a:ext cx="0" cy="0"/>
+          <a:chOff x="0" y="0"/>
+          <a:chExt cx="0" cy="0"/>
+        </a:xfrm>
+      </p:grpSpPr>
+      <p:sp>
+        <p:nvSpPr>
+          <p:cNvPr id="88" name="Shape 88"/>
+          <p:cNvSpPr txBox="1"/>
+          <p:nvPr/>
+        </p:nvSpPr>
+        <p:spPr>
+          <a:xfrm>
+            <a:off x="4343400" y="6172200"/>
+            <a:ext cx="457200" cy="457200"/>
+          </a:xfrm>
+          <a:prstGeom prst="rect">
+            <a:avLst/>
+          </a:prstGeom>
+          <a:noFill/>
+          <a:ln>
+            <a:noFill/>
+          </a:ln>
+        </p:spPr>
+        <p:txBody>
+          <a:bodyPr spcFirstLastPara="1" wrap="square" lIns="91425" tIns="45700" rIns="91425" bIns="45700" anchor="t" anchorCtr="0">
+            <a:noAutofit/>
+          </a:bodyPr>
+          <a:lstStyle/>
+          <a:p>
+            <a:pPr marL="0" marR="0" lvl="0" indent="0" algn="ctr" rtl="0">
+              <a:spcBef>
+                <a:spcPts val="0"/>
+              </a:spcBef>
+              <a:spcAft>
+                <a:spcPts val="0"/>
+              </a:spcAft>
+              <a:buNone/>
+            </a:pPr>
+            <a:fld id="{00000000-1234-1234-1234-123412341234}" type="slidenum">
+              <a:rPr lang="en-US" sz="1000" b="0" i="0" u="none" strike="noStrike" cap="none">
+                <a:solidFill>
+                  <a:schemeClr val="dk1"/>
+                </a:solidFill>
+                <a:latin typeface="Arial"/>
+                <a:ea typeface="Arial"/>
+                <a:cs typeface="Arial"/>
+                <a:sym typeface="Arial"/>
+              </a:rPr>
+              <a:t>2</a:t>
+            </a:fld>
+            <a:endParaRPr sz="1000" b="0" i="0" u="none" strike="noStrike" cap="none">
+              <a:solidFill>
+                <a:schemeClr val="dk1"/>
+              </a:solidFill>
+              <a:latin typeface="Arial"/>
+              <a:ea typeface="Arial"/>
+              <a:cs typeface="Arial"/>
+              <a:sym typeface="Arial"/>
+            </a:endParaRPr>
+          </a:p>
+        </p:txBody>
+      </p:sp>
+      <p:sp>
+        <p:nvSpPr>
+          <p:cNvPr id="89" name="Shape 89"/>
+          <p:cNvSpPr txBox="1"/>
+          <p:nvPr/>
+        </p:nvSpPr>
+        <p:spPr>
+          <a:xfrm>
+            <a:off x="381000" y="223650"/>
+            <a:ext cx="8382000" cy="457200"/>
+          </a:xfrm>
+          <a:prstGeom prst="rect">
+            <a:avLst/>
+          </a:prstGeom>
+          <a:noFill/>
+          <a:ln>
+            <a:noFill/>
+          </a:ln>
+        </p:spPr>
+        <p:txBody>
+          <a:bodyPr spcFirstLastPara="1" wrap="square" lIns="91425" tIns="45700" rIns="91425" bIns="45700" anchor="t" anchorCtr="0">
+            <a:noAutofit/>
+          </a:bodyPr>
+          <a:lstStyle/>
+          <a:p>
+            <a:pPr marL="0" marR="0" lvl="0" indent="0" algn="l" rtl="0">
+              <a:spcBef>
+                <a:spcPts val="0"/>
+              </a:spcBef>
+              <a:spcAft>
+                <a:spcPts val="0"/>
+              </a:spcAft>
+              <a:buNone/>
+            </a:pPr>
+            <a:r>
+              <a:rPr lang="en-US" sz="2400" b="1" i="0" u="none" strike="noStrike" cap="none" dirty="0">
+                <a:solidFill>
+                  <a:srgbClr val="820009"/>
+                </a:solidFill>
+                <a:latin typeface="Arial"/>
+                <a:ea typeface="Arial"/>
+                <a:cs typeface="Arial"/>
+                <a:sym typeface="Arial"/>
+              </a:rPr>
+              <a:t>Goals for Today</a:t>
+            </a:r>
+            <a:endParaRPr sz="2400" b="1" i="0" u="none" strike="noStrike" cap="none" dirty="0">
+              <a:solidFill>
+                <a:srgbClr val="820009"/>
+              </a:solidFill>
+              <a:latin typeface="Arial"/>
+              <a:ea typeface="Arial"/>
+              <a:cs typeface="Arial"/>
+              <a:sym typeface="Arial"/>
+            </a:endParaRPr>
+          </a:p>
+        </p:txBody>
+      </p:sp>
+      <p:sp>
+        <p:nvSpPr>
+          <p:cNvPr id="90" name="Shape 90"/>
+          <p:cNvSpPr txBox="1"/>
+          <p:nvPr/>
+        </p:nvSpPr>
+        <p:spPr>
+          <a:xfrm>
+            <a:off x="1143000" y="1585550"/>
+            <a:ext cx="5791200" cy="3261300"/>
+          </a:xfrm>
+          <a:prstGeom prst="rect">
+            <a:avLst/>
+          </a:prstGeom>
+          <a:noFill/>
+          <a:ln>
+            <a:noFill/>
+          </a:ln>
+        </p:spPr>
+        <p:txBody>
+          <a:bodyPr spcFirstLastPara="1" wrap="square" lIns="91425" tIns="45700" rIns="91425" bIns="45700" anchor="t" anchorCtr="0">
+            <a:noAutofit/>
+          </a:bodyPr>
+          <a:lstStyle/>
+          <a:p>
+            <a:pPr marL="285750" marR="0" lvl="0" indent="-285750" algn="l" rtl="0">
+              <a:spcBef>
+                <a:spcPts val="0"/>
+              </a:spcBef>
+              <a:spcAft>
+                <a:spcPts val="0"/>
+              </a:spcAft>
+              <a:buClr>
+                <a:schemeClr val="dk1"/>
+              </a:buClr>
+              <a:buSzPts val="2800"/>
+              <a:buFont typeface="Arial"/>
+              <a:buChar char="•"/>
+            </a:pPr>
+            <a:r>
+              <a:rPr lang="en-US" sz="2800" b="0" i="0" u="none" strike="noStrike" cap="none" dirty="0">
+                <a:solidFill>
+                  <a:schemeClr val="dk1"/>
+                </a:solidFill>
+                <a:latin typeface="Arial"/>
+                <a:ea typeface="Arial"/>
+                <a:cs typeface="Arial"/>
+                <a:sym typeface="Arial"/>
+              </a:rPr>
+              <a:t>Downloading R and R Studio</a:t>
+            </a:r>
+          </a:p>
+          <a:p>
+            <a:pPr marL="285750" marR="0" lvl="0" indent="-285750" algn="l" rtl="0">
+              <a:spcBef>
+                <a:spcPts val="0"/>
+              </a:spcBef>
+              <a:spcAft>
+                <a:spcPts val="0"/>
+              </a:spcAft>
+              <a:buClr>
+                <a:schemeClr val="dk1"/>
+              </a:buClr>
+              <a:buSzPts val="2800"/>
+              <a:buFont typeface="Arial"/>
+              <a:buChar char="•"/>
+            </a:pPr>
+            <a:r>
+              <a:rPr lang="en-US" sz="2800" dirty="0">
+                <a:solidFill>
+                  <a:schemeClr val="dk1"/>
+                </a:solidFill>
+              </a:rPr>
+              <a:t>R Overview</a:t>
+            </a:r>
+            <a:endParaRPr lang="en-US" sz="2800" b="0" i="0" u="none" strike="noStrike" cap="none" dirty="0">
+              <a:solidFill>
+                <a:schemeClr val="dk1"/>
+              </a:solidFill>
+              <a:latin typeface="Arial"/>
+              <a:ea typeface="Arial"/>
+              <a:cs typeface="Arial"/>
+              <a:sym typeface="Arial"/>
+            </a:endParaRPr>
+          </a:p>
+          <a:p>
+            <a:pPr marL="285750" marR="0" lvl="0" indent="-285750" algn="l" rtl="0">
+              <a:spcBef>
+                <a:spcPts val="0"/>
+              </a:spcBef>
+              <a:spcAft>
+                <a:spcPts val="0"/>
+              </a:spcAft>
+              <a:buClr>
+                <a:schemeClr val="dk1"/>
+              </a:buClr>
+              <a:buSzPts val="2800"/>
+              <a:buFont typeface="Arial"/>
+              <a:buChar char="•"/>
+            </a:pPr>
+            <a:r>
+              <a:rPr lang="en-US" sz="2800" dirty="0">
+                <a:solidFill>
+                  <a:schemeClr val="dk1"/>
+                </a:solidFill>
+              </a:rPr>
+              <a:t>Installing Packages</a:t>
+            </a:r>
+          </a:p>
+          <a:p>
+            <a:pPr marL="285750" marR="0" lvl="0" indent="-285750" algn="l" rtl="0">
+              <a:spcBef>
+                <a:spcPts val="0"/>
+              </a:spcBef>
+              <a:spcAft>
+                <a:spcPts val="0"/>
+              </a:spcAft>
+              <a:buClr>
+                <a:schemeClr val="dk1"/>
+              </a:buClr>
+              <a:buSzPts val="2800"/>
+              <a:buFont typeface="Arial"/>
+              <a:buChar char="•"/>
+            </a:pPr>
+            <a:r>
+              <a:rPr lang="en-US" sz="2800" dirty="0">
+                <a:solidFill>
+                  <a:schemeClr val="dk1"/>
+                </a:solidFill>
+              </a:rPr>
+              <a:t>Basics of R Programming</a:t>
+            </a:r>
+          </a:p>
+          <a:p>
+            <a:pPr marL="285750" marR="0" lvl="0" indent="-285750" algn="l" rtl="0">
+              <a:spcBef>
+                <a:spcPts val="0"/>
+              </a:spcBef>
+              <a:spcAft>
+                <a:spcPts val="0"/>
+              </a:spcAft>
+              <a:buClr>
+                <a:schemeClr val="dk1"/>
+              </a:buClr>
+              <a:buSzPts val="2800"/>
+              <a:buFont typeface="Arial"/>
+              <a:buChar char="•"/>
+            </a:pPr>
+            <a:r>
+              <a:rPr lang="en-US" sz="2800" dirty="0">
+                <a:solidFill>
+                  <a:schemeClr val="dk1"/>
+                </a:solidFill>
+              </a:rPr>
+              <a:t>Other Helpful Tools for Classes with R</a:t>
+            </a:r>
+          </a:p>
+          <a:p>
+            <a:pPr marL="285750" marR="0" lvl="0" indent="-285750" algn="l" rtl="0">
+              <a:spcBef>
+                <a:spcPts val="0"/>
+              </a:spcBef>
+              <a:spcAft>
+                <a:spcPts val="0"/>
+              </a:spcAft>
+              <a:buClr>
+                <a:schemeClr val="dk1"/>
+              </a:buClr>
+              <a:buSzPts val="2800"/>
+              <a:buFont typeface="Arial"/>
+              <a:buChar char="•"/>
+            </a:pPr>
+            <a:r>
+              <a:rPr lang="en-US" sz="2800" dirty="0">
+                <a:solidFill>
+                  <a:schemeClr val="dk1"/>
+                </a:solidFill>
+              </a:rPr>
+              <a:t>Additional Resources</a:t>
+            </a:r>
+            <a:endParaRPr sz="2800" dirty="0">
+              <a:solidFill>
+                <a:schemeClr val="dk1"/>
+              </a:solidFill>
+            </a:endParaRPr>
+          </a:p>
+        </p:txBody>
+      </p:sp>
+    </p:spTree>
+  </p:cSld>
+  <p:clrMapOvr>
+    <a:masterClrMapping/>
+  </p:clrMapOvr>
+</p:sld>
+</file>
+
+<file path=ppt/slides/slide20.xml><?xml version="1.0" encoding="utf-8"?>
+<p:sld xmlns:a="http://schemas.openxmlformats.org/drawingml/2006/main" xmlns:r="http://schemas.openxmlformats.org/officeDocument/2006/relationships" xmlns:p="http://schemas.openxmlformats.org/presentationml/2006/main">
+  <p:cSld>
+    <p:spTree>
+      <p:nvGrpSpPr>
+        <p:cNvPr id="1" name="Shape 95"/>
+        <p:cNvGrpSpPr/>
+        <p:nvPr/>
+      </p:nvGrpSpPr>
+      <p:grpSpPr>
+        <a:xfrm>
+          <a:off x="0" y="0"/>
+          <a:ext cx="0" cy="0"/>
+          <a:chOff x="0" y="0"/>
+          <a:chExt cx="0" cy="0"/>
+        </a:xfrm>
+      </p:grpSpPr>
+      <p:sp>
+        <p:nvSpPr>
+          <p:cNvPr id="96" name="Shape 96"/>
+          <p:cNvSpPr txBox="1"/>
+          <p:nvPr/>
+        </p:nvSpPr>
+        <p:spPr>
+          <a:xfrm>
+            <a:off x="4343400" y="6172200"/>
+            <a:ext cx="457200" cy="457200"/>
+          </a:xfrm>
+          <a:prstGeom prst="rect">
+            <a:avLst/>
+          </a:prstGeom>
+          <a:noFill/>
+          <a:ln>
+            <a:noFill/>
+          </a:ln>
+        </p:spPr>
+        <p:txBody>
+          <a:bodyPr spcFirstLastPara="1" wrap="square" lIns="91425" tIns="45700" rIns="91425" bIns="45700" anchor="t" anchorCtr="0">
+            <a:noAutofit/>
+          </a:bodyPr>
+          <a:lstStyle/>
+          <a:p>
+            <a:pPr marL="0" marR="0" lvl="0" indent="0" algn="ctr" rtl="0">
+              <a:spcBef>
+                <a:spcPts val="0"/>
+              </a:spcBef>
+              <a:spcAft>
+                <a:spcPts val="0"/>
+              </a:spcAft>
+              <a:buNone/>
+            </a:pPr>
+            <a:fld id="{00000000-1234-1234-1234-123412341234}" type="slidenum">
+              <a:rPr lang="en-US" sz="1000">
+                <a:solidFill>
+                  <a:schemeClr val="dk1"/>
+                </a:solidFill>
+                <a:latin typeface="Arial"/>
+                <a:ea typeface="Arial"/>
+                <a:cs typeface="Arial"/>
+                <a:sym typeface="Arial"/>
+              </a:rPr>
+              <a:t>20</a:t>
+            </a:fld>
+            <a:endParaRPr sz="1000">
+              <a:solidFill>
+                <a:schemeClr val="dk1"/>
+              </a:solidFill>
+              <a:latin typeface="Arial"/>
+              <a:ea typeface="Arial"/>
+              <a:cs typeface="Arial"/>
+              <a:sym typeface="Arial"/>
+            </a:endParaRPr>
+          </a:p>
+        </p:txBody>
+      </p:sp>
+      <p:sp>
+        <p:nvSpPr>
+          <p:cNvPr id="97" name="Shape 97"/>
+          <p:cNvSpPr txBox="1"/>
+          <p:nvPr/>
+        </p:nvSpPr>
+        <p:spPr>
+          <a:xfrm>
+            <a:off x="381000" y="223650"/>
+            <a:ext cx="8382000" cy="457200"/>
+          </a:xfrm>
+          <a:prstGeom prst="rect">
+            <a:avLst/>
+          </a:prstGeom>
+          <a:noFill/>
+          <a:ln>
+            <a:noFill/>
+          </a:ln>
+        </p:spPr>
+        <p:txBody>
+          <a:bodyPr spcFirstLastPara="1" wrap="square" lIns="91425" tIns="45700" rIns="91425" bIns="45700" anchor="t" anchorCtr="0">
+            <a:noAutofit/>
+          </a:bodyPr>
+          <a:lstStyle/>
+          <a:p>
+            <a:pPr marL="0" marR="0" lvl="0" indent="0" algn="l" rtl="0">
+              <a:spcBef>
+                <a:spcPts val="0"/>
+              </a:spcBef>
+              <a:spcAft>
+                <a:spcPts val="0"/>
+              </a:spcAft>
+              <a:buNone/>
+            </a:pPr>
+            <a:r>
+              <a:rPr lang="en-US" sz="2400" b="1" dirty="0">
+                <a:solidFill>
+                  <a:srgbClr val="820009"/>
+                </a:solidFill>
+              </a:rPr>
+              <a:t>Matrices and Data Frames Takeaways</a:t>
+            </a:r>
+            <a:endParaRPr sz="2400" b="1" dirty="0">
+              <a:solidFill>
+                <a:srgbClr val="820009"/>
+              </a:solidFill>
+              <a:latin typeface="Arial"/>
+              <a:ea typeface="Arial"/>
+              <a:cs typeface="Arial"/>
+              <a:sym typeface="Arial"/>
+            </a:endParaRPr>
+          </a:p>
+        </p:txBody>
+      </p:sp>
+      <p:graphicFrame>
+        <p:nvGraphicFramePr>
+          <p:cNvPr id="99" name="Shape 99"/>
+          <p:cNvGraphicFramePr/>
+          <p:nvPr/>
+        </p:nvGraphicFramePr>
+        <p:xfrm>
+          <a:off x="5623560" y="560070"/>
+          <a:ext cx="208300" cy="365770"/>
+        </p:xfrm>
+        <a:graphic>
+          <a:graphicData uri="http://schemas.openxmlformats.org/drawingml/2006/table">
+            <a:tbl>
+              <a:tblPr>
+                <a:noFill/>
+                <a:tableStyleId>{3E517AEF-C05D-40B9-8274-1AED4C133E0D}</a:tableStyleId>
+              </a:tblPr>
+              <a:tblGrid>
+                <a:gridCol w="208300">
+                  <a:extLst>
+                    <a:ext uri="{9D8B030D-6E8A-4147-A177-3AD203B41FA5}">
+                      <a16:colId xmlns:a16="http://schemas.microsoft.com/office/drawing/2014/main" val="20000"/>
+                    </a:ext>
+                  </a:extLst>
+                </a:gridCol>
+              </a:tblGrid>
+              <a:tr h="0">
+                <a:tc>
+                  <a:txBody>
+                    <a:bodyPr/>
+                    <a:lstStyle/>
+                    <a:p>
+                      <a:pPr marL="0" marR="0" lvl="0" indent="0" algn="l" rtl="0">
+                        <a:spcBef>
+                          <a:spcPts val="0"/>
+                        </a:spcBef>
+                        <a:spcAft>
+                          <a:spcPts val="0"/>
+                        </a:spcAft>
+                        <a:buNone/>
+                      </a:pPr>
+                      <a:endParaRPr sz="1800"/>
+                    </a:p>
+                  </a:txBody>
+                  <a:tcPr marL="91450" marR="91450" marT="45725" marB="45725">
+                    <a:lnL w="9525" cap="flat" cmpd="sng">
+                      <a:solidFill>
+                        <a:srgbClr val="000000">
+                          <a:alpha val="0"/>
+                        </a:srgbClr>
+                      </a:solidFill>
+                      <a:prstDash val="solid"/>
+                      <a:round/>
+                      <a:headEnd type="none" w="sm" len="sm"/>
+                      <a:tailEnd type="none" w="sm" len="sm"/>
+                    </a:lnL>
+                    <a:lnR w="9525" cap="flat" cmpd="sng">
+                      <a:solidFill>
+                        <a:srgbClr val="000000">
+                          <a:alpha val="0"/>
+                        </a:srgbClr>
+                      </a:solidFill>
+                      <a:prstDash val="solid"/>
+                      <a:round/>
+                      <a:headEnd type="none" w="sm" len="sm"/>
+                      <a:tailEnd type="none" w="sm" len="sm"/>
+                    </a:lnR>
+                    <a:lnT w="9525" cap="flat" cmpd="sng">
+                      <a:solidFill>
+                        <a:srgbClr val="000000">
+                          <a:alpha val="0"/>
+                        </a:srgbClr>
+                      </a:solidFill>
+                      <a:prstDash val="solid"/>
+                      <a:round/>
+                      <a:headEnd type="none" w="sm" len="sm"/>
+                      <a:tailEnd type="none" w="sm" len="sm"/>
+                    </a:lnT>
+                    <a:lnB w="9525" cap="flat" cmpd="sng">
+                      <a:solidFill>
+                        <a:srgbClr val="000000">
+                          <a:alpha val="0"/>
+                        </a:srgbClr>
+                      </a:solidFill>
+                      <a:prstDash val="solid"/>
+                      <a:round/>
+                      <a:headEnd type="none" w="sm" len="sm"/>
+                      <a:tailEnd type="none" w="sm" len="sm"/>
+                    </a:lnB>
+                  </a:tcPr>
+                </a:tc>
+                <a:extLst>
+                  <a:ext uri="{0D108BD9-81ED-4DB2-BD59-A6C34878D82A}">
+                    <a16:rowId xmlns:a16="http://schemas.microsoft.com/office/drawing/2014/main" val="10000"/>
+                  </a:ext>
+                </a:extLst>
+              </a:tr>
+            </a:tbl>
+          </a:graphicData>
+        </a:graphic>
+      </p:graphicFrame>
+      <p:sp>
+        <p:nvSpPr>
+          <p:cNvPr id="5" name="TextBox 4">
+            <a:extLst>
+              <a:ext uri="{FF2B5EF4-FFF2-40B4-BE49-F238E27FC236}">
+                <a16:creationId xmlns:a16="http://schemas.microsoft.com/office/drawing/2014/main" id="{85D8BDF1-8B90-4D96-9626-7B5FD2A2A88D}"/>
+              </a:ext>
+            </a:extLst>
+          </p:cNvPr>
+          <p:cNvSpPr txBox="1"/>
+          <p:nvPr/>
+        </p:nvSpPr>
+        <p:spPr>
+          <a:xfrm>
+            <a:off x="384858" y="1062893"/>
+            <a:ext cx="7917083" cy="4247317"/>
+          </a:xfrm>
+          <a:prstGeom prst="rect">
+            <a:avLst/>
+          </a:prstGeom>
+          <a:noFill/>
+        </p:spPr>
+        <p:txBody>
+          <a:bodyPr wrap="square" rtlCol="0">
+            <a:spAutoFit/>
+          </a:bodyPr>
+          <a:lstStyle/>
+          <a:p>
+            <a:pPr marL="342900" indent="-342900">
+              <a:buFont typeface="+mj-lt"/>
+              <a:buAutoNum type="arabicPeriod"/>
+            </a:pPr>
+            <a:r>
+              <a:rPr lang="en-US" sz="3000" dirty="0"/>
+              <a:t>A matrix is like a vector but in 2 dimensions, x and y</a:t>
+            </a:r>
+          </a:p>
+          <a:p>
+            <a:pPr marL="342900" indent="-342900">
+              <a:buFont typeface="+mj-lt"/>
+              <a:buAutoNum type="arabicPeriod"/>
+            </a:pPr>
+            <a:r>
+              <a:rPr lang="en-US" sz="3000" dirty="0"/>
+              <a:t>A </a:t>
+            </a:r>
+            <a:r>
+              <a:rPr lang="en-US" sz="3000" dirty="0" err="1"/>
+              <a:t>dataframe</a:t>
+            </a:r>
+            <a:r>
+              <a:rPr lang="en-US" sz="3000" dirty="0"/>
+              <a:t> is a two dimensional data structure that allows for multiple data types</a:t>
+            </a:r>
+          </a:p>
+          <a:p>
+            <a:pPr marL="342900" indent="-342900">
+              <a:buFont typeface="+mj-lt"/>
+              <a:buAutoNum type="arabicPeriod"/>
+            </a:pPr>
+            <a:endParaRPr lang="en-US" sz="3000" dirty="0"/>
+          </a:p>
+          <a:p>
+            <a:r>
+              <a:rPr lang="en-US" sz="3000" dirty="0"/>
+              <a:t>Additional Notes:</a:t>
+            </a:r>
+          </a:p>
+          <a:p>
+            <a:r>
+              <a:rPr lang="en-US" sz="3000" dirty="0"/>
+              <a:t>1. You can reference a named column using the “$” operator, e.g. </a:t>
+            </a:r>
+            <a:r>
+              <a:rPr lang="en-US" sz="3000" dirty="0" err="1"/>
+              <a:t>mtcars$mpg</a:t>
+            </a:r>
+            <a:endParaRPr lang="en-US" sz="3000" dirty="0"/>
+          </a:p>
+          <a:p>
+            <a:pPr marL="342900" indent="-342900">
+              <a:buFont typeface="+mj-lt"/>
+              <a:buAutoNum type="arabicPeriod"/>
+            </a:pPr>
+            <a:endParaRPr lang="en-US" sz="3000" dirty="0"/>
+          </a:p>
+        </p:txBody>
+      </p:sp>
+    </p:spTree>
+    <p:extLst>
+      <p:ext uri="{BB962C8B-B14F-4D97-AF65-F5344CB8AC3E}">
+        <p14:creationId xmlns:p14="http://schemas.microsoft.com/office/powerpoint/2010/main" val="4154105017"/>
+      </p:ext>
+    </p:extLst>
+  </p:cSld>
+  <p:clrMapOvr>
+    <a:masterClrMapping/>
+  </p:clrMapOvr>
+</p:sld>
+</file>
+
+<file path=ppt/slides/slide21.xml><?xml version="1.0" encoding="utf-8"?>
+<p:sld xmlns:a="http://schemas.openxmlformats.org/drawingml/2006/main" xmlns:r="http://schemas.openxmlformats.org/officeDocument/2006/relationships" xmlns:p="http://schemas.openxmlformats.org/presentationml/2006/main">
+  <p:cSld>
+    <p:spTree>
+      <p:nvGrpSpPr>
+        <p:cNvPr id="1" name="Shape 95"/>
+        <p:cNvGrpSpPr/>
+        <p:nvPr/>
+      </p:nvGrpSpPr>
+      <p:grpSpPr>
+        <a:xfrm>
+          <a:off x="0" y="0"/>
+          <a:ext cx="0" cy="0"/>
+          <a:chOff x="0" y="0"/>
+          <a:chExt cx="0" cy="0"/>
+        </a:xfrm>
+      </p:grpSpPr>
+      <p:sp>
+        <p:nvSpPr>
+          <p:cNvPr id="96" name="Shape 96"/>
+          <p:cNvSpPr txBox="1"/>
+          <p:nvPr/>
+        </p:nvSpPr>
+        <p:spPr>
+          <a:xfrm>
+            <a:off x="4343400" y="6172200"/>
+            <a:ext cx="457200" cy="457200"/>
+          </a:xfrm>
+          <a:prstGeom prst="rect">
+            <a:avLst/>
+          </a:prstGeom>
+          <a:noFill/>
+          <a:ln>
+            <a:noFill/>
+          </a:ln>
+        </p:spPr>
+        <p:txBody>
+          <a:bodyPr spcFirstLastPara="1" wrap="square" lIns="91425" tIns="45700" rIns="91425" bIns="45700" anchor="t" anchorCtr="0">
+            <a:noAutofit/>
+          </a:bodyPr>
+          <a:lstStyle/>
+          <a:p>
+            <a:pPr marL="0" marR="0" lvl="0" indent="0" algn="ctr" rtl="0">
+              <a:spcBef>
+                <a:spcPts val="0"/>
+              </a:spcBef>
+              <a:spcAft>
+                <a:spcPts val="0"/>
+              </a:spcAft>
+              <a:buNone/>
+            </a:pPr>
+            <a:fld id="{00000000-1234-1234-1234-123412341234}" type="slidenum">
+              <a:rPr lang="en-US" sz="1000">
+                <a:solidFill>
+                  <a:schemeClr val="dk1"/>
+                </a:solidFill>
+                <a:latin typeface="Arial"/>
+                <a:ea typeface="Arial"/>
+                <a:cs typeface="Arial"/>
+                <a:sym typeface="Arial"/>
+              </a:rPr>
+              <a:t>21</a:t>
+            </a:fld>
+            <a:endParaRPr sz="1000">
+              <a:solidFill>
+                <a:schemeClr val="dk1"/>
+              </a:solidFill>
+              <a:latin typeface="Arial"/>
+              <a:ea typeface="Arial"/>
+              <a:cs typeface="Arial"/>
+              <a:sym typeface="Arial"/>
+            </a:endParaRPr>
+          </a:p>
+        </p:txBody>
+      </p:sp>
+      <p:sp>
+        <p:nvSpPr>
+          <p:cNvPr id="97" name="Shape 97"/>
+          <p:cNvSpPr txBox="1"/>
+          <p:nvPr/>
+        </p:nvSpPr>
+        <p:spPr>
+          <a:xfrm>
+            <a:off x="381000" y="223650"/>
+            <a:ext cx="8382000" cy="457200"/>
+          </a:xfrm>
+          <a:prstGeom prst="rect">
+            <a:avLst/>
+          </a:prstGeom>
+          <a:noFill/>
+          <a:ln>
+            <a:noFill/>
+          </a:ln>
+        </p:spPr>
+        <p:txBody>
+          <a:bodyPr spcFirstLastPara="1" wrap="square" lIns="91425" tIns="45700" rIns="91425" bIns="45700" anchor="t" anchorCtr="0">
+            <a:noAutofit/>
+          </a:bodyPr>
+          <a:lstStyle/>
+          <a:p>
+            <a:pPr marL="0" marR="0" lvl="0" indent="0" algn="l" rtl="0">
+              <a:spcBef>
+                <a:spcPts val="0"/>
+              </a:spcBef>
+              <a:spcAft>
+                <a:spcPts val="0"/>
+              </a:spcAft>
+              <a:buNone/>
+            </a:pPr>
+            <a:r>
+              <a:rPr lang="en-US" sz="2400" b="1" dirty="0">
+                <a:solidFill>
+                  <a:srgbClr val="820009"/>
+                </a:solidFill>
+              </a:rPr>
+              <a:t>Loading .csv Files into R</a:t>
+            </a:r>
+            <a:endParaRPr sz="2400" b="1" dirty="0">
+              <a:solidFill>
+                <a:srgbClr val="820009"/>
+              </a:solidFill>
+              <a:latin typeface="Arial"/>
+              <a:ea typeface="Arial"/>
+              <a:cs typeface="Arial"/>
+              <a:sym typeface="Arial"/>
+            </a:endParaRPr>
+          </a:p>
+        </p:txBody>
+      </p:sp>
+      <p:graphicFrame>
+        <p:nvGraphicFramePr>
+          <p:cNvPr id="99" name="Shape 99"/>
+          <p:cNvGraphicFramePr/>
+          <p:nvPr/>
+        </p:nvGraphicFramePr>
+        <p:xfrm>
+          <a:off x="5623560" y="560070"/>
+          <a:ext cx="208300" cy="365770"/>
+        </p:xfrm>
+        <a:graphic>
+          <a:graphicData uri="http://schemas.openxmlformats.org/drawingml/2006/table">
+            <a:tbl>
+              <a:tblPr>
+                <a:noFill/>
+                <a:tableStyleId>{3E517AEF-C05D-40B9-8274-1AED4C133E0D}</a:tableStyleId>
+              </a:tblPr>
+              <a:tblGrid>
+                <a:gridCol w="208300">
+                  <a:extLst>
+                    <a:ext uri="{9D8B030D-6E8A-4147-A177-3AD203B41FA5}">
+                      <a16:colId xmlns:a16="http://schemas.microsoft.com/office/drawing/2014/main" val="20000"/>
+                    </a:ext>
+                  </a:extLst>
+                </a:gridCol>
+              </a:tblGrid>
+              <a:tr h="0">
+                <a:tc>
+                  <a:txBody>
+                    <a:bodyPr/>
+                    <a:lstStyle/>
+                    <a:p>
+                      <a:pPr marL="0" marR="0" lvl="0" indent="0" algn="l" rtl="0">
+                        <a:spcBef>
+                          <a:spcPts val="0"/>
+                        </a:spcBef>
+                        <a:spcAft>
+                          <a:spcPts val="0"/>
+                        </a:spcAft>
+                        <a:buNone/>
+                      </a:pPr>
+                      <a:endParaRPr sz="1800"/>
+                    </a:p>
+                  </a:txBody>
+                  <a:tcPr marL="91450" marR="91450" marT="45725" marB="45725">
+                    <a:lnL w="9525" cap="flat" cmpd="sng">
+                      <a:solidFill>
+                        <a:srgbClr val="000000">
+                          <a:alpha val="0"/>
+                        </a:srgbClr>
+                      </a:solidFill>
+                      <a:prstDash val="solid"/>
+                      <a:round/>
+                      <a:headEnd type="none" w="sm" len="sm"/>
+                      <a:tailEnd type="none" w="sm" len="sm"/>
+                    </a:lnL>
+                    <a:lnR w="9525" cap="flat" cmpd="sng">
+                      <a:solidFill>
+                        <a:srgbClr val="000000">
+                          <a:alpha val="0"/>
+                        </a:srgbClr>
+                      </a:solidFill>
+                      <a:prstDash val="solid"/>
+                      <a:round/>
+                      <a:headEnd type="none" w="sm" len="sm"/>
+                      <a:tailEnd type="none" w="sm" len="sm"/>
+                    </a:lnR>
+                    <a:lnT w="9525" cap="flat" cmpd="sng">
+                      <a:solidFill>
+                        <a:srgbClr val="000000">
+                          <a:alpha val="0"/>
+                        </a:srgbClr>
+                      </a:solidFill>
+                      <a:prstDash val="solid"/>
+                      <a:round/>
+                      <a:headEnd type="none" w="sm" len="sm"/>
+                      <a:tailEnd type="none" w="sm" len="sm"/>
+                    </a:lnT>
+                    <a:lnB w="9525" cap="flat" cmpd="sng">
+                      <a:solidFill>
+                        <a:srgbClr val="000000">
+                          <a:alpha val="0"/>
+                        </a:srgbClr>
+                      </a:solidFill>
+                      <a:prstDash val="solid"/>
+                      <a:round/>
+                      <a:headEnd type="none" w="sm" len="sm"/>
+                      <a:tailEnd type="none" w="sm" len="sm"/>
+                    </a:lnB>
+                  </a:tcPr>
+                </a:tc>
+                <a:extLst>
+                  <a:ext uri="{0D108BD9-81ED-4DB2-BD59-A6C34878D82A}">
+                    <a16:rowId xmlns:a16="http://schemas.microsoft.com/office/drawing/2014/main" val="10000"/>
+                  </a:ext>
+                </a:extLst>
+              </a:tr>
+            </a:tbl>
+          </a:graphicData>
+        </a:graphic>
+      </p:graphicFrame>
+      <p:sp>
+        <p:nvSpPr>
+          <p:cNvPr id="5" name="TextBox 4">
+            <a:extLst>
+              <a:ext uri="{FF2B5EF4-FFF2-40B4-BE49-F238E27FC236}">
+                <a16:creationId xmlns:a16="http://schemas.microsoft.com/office/drawing/2014/main" id="{85D8BDF1-8B90-4D96-9626-7B5FD2A2A88D}"/>
+              </a:ext>
+            </a:extLst>
+          </p:cNvPr>
+          <p:cNvSpPr txBox="1"/>
+          <p:nvPr/>
+        </p:nvSpPr>
+        <p:spPr>
+          <a:xfrm>
+            <a:off x="384858" y="1062893"/>
+            <a:ext cx="7917083" cy="1015663"/>
+          </a:xfrm>
+          <a:prstGeom prst="rect">
+            <a:avLst/>
+          </a:prstGeom>
+          <a:noFill/>
+        </p:spPr>
+        <p:txBody>
+          <a:bodyPr wrap="square" rtlCol="0">
+            <a:spAutoFit/>
+          </a:bodyPr>
+          <a:lstStyle/>
+          <a:p>
+            <a:r>
+              <a:rPr lang="en-US" sz="2000" dirty="0"/>
+              <a:t>In your classes, you will be asked to read in data from .csv files. This is done using the read.csv() function. Note that </a:t>
+            </a:r>
+            <a:r>
+              <a:rPr lang="en-US" sz="2000" dirty="0" err="1"/>
+              <a:t>filepaths</a:t>
+            </a:r>
+            <a:r>
+              <a:rPr lang="en-US" sz="2000" dirty="0"/>
+              <a:t> require two “\” symbols in Windows! In mac use just one “/”</a:t>
+            </a:r>
+          </a:p>
+        </p:txBody>
+      </p:sp>
+      <p:pic>
+        <p:nvPicPr>
+          <p:cNvPr id="2" name="Picture 1">
+            <a:extLst>
+              <a:ext uri="{FF2B5EF4-FFF2-40B4-BE49-F238E27FC236}">
+                <a16:creationId xmlns:a16="http://schemas.microsoft.com/office/drawing/2014/main" id="{159B321E-4B76-478F-8918-978D37383010}"/>
+              </a:ext>
+            </a:extLst>
+          </p:cNvPr>
+          <p:cNvPicPr>
+            <a:picLocks noChangeAspect="1"/>
+          </p:cNvPicPr>
+          <p:nvPr/>
+        </p:nvPicPr>
+        <p:blipFill rotWithShape="1">
+          <a:blip r:embed="rId3"/>
+          <a:srcRect b="33112"/>
+          <a:stretch/>
+        </p:blipFill>
+        <p:spPr>
+          <a:xfrm>
+            <a:off x="1148715" y="2367901"/>
+            <a:ext cx="6846570" cy="2952996"/>
+          </a:xfrm>
+          <a:prstGeom prst="rect">
+            <a:avLst/>
+          </a:prstGeom>
+        </p:spPr>
+      </p:pic>
+    </p:spTree>
+    <p:extLst>
+      <p:ext uri="{BB962C8B-B14F-4D97-AF65-F5344CB8AC3E}">
+        <p14:creationId xmlns:p14="http://schemas.microsoft.com/office/powerpoint/2010/main" val="23021290"/>
+      </p:ext>
+    </p:extLst>
+  </p:cSld>
+  <p:clrMapOvr>
+    <a:masterClrMapping/>
+  </p:clrMapOvr>
+</p:sld>
+</file>
+
+<file path=ppt/slides/slide22.xml><?xml version="1.0" encoding="utf-8"?>
+<p:sld xmlns:a="http://schemas.openxmlformats.org/drawingml/2006/main" xmlns:r="http://schemas.openxmlformats.org/officeDocument/2006/relationships" xmlns:p="http://schemas.openxmlformats.org/presentationml/2006/main">
+  <p:cSld>
+    <p:spTree>
+      <p:nvGrpSpPr>
+        <p:cNvPr id="1" name=""/>
+        <p:cNvGrpSpPr/>
+        <p:nvPr/>
+      </p:nvGrpSpPr>
+      <p:grpSpPr>
+        <a:xfrm>
+          <a:off x="0" y="0"/>
+          <a:ext cx="0" cy="0"/>
+          <a:chOff x="0" y="0"/>
+          <a:chExt cx="0" cy="0"/>
+        </a:xfrm>
+      </p:grpSpPr>
+      <p:sp>
+        <p:nvSpPr>
+          <p:cNvPr id="3" name="Title 2">
+            <a:extLst>
+              <a:ext uri="{FF2B5EF4-FFF2-40B4-BE49-F238E27FC236}">
+                <a16:creationId xmlns:a16="http://schemas.microsoft.com/office/drawing/2014/main" id="{EE078754-30AA-4C20-8335-D87A47D7E33D}"/>
+              </a:ext>
+            </a:extLst>
+          </p:cNvPr>
+          <p:cNvSpPr>
+            <a:spLocks noGrp="1"/>
+          </p:cNvSpPr>
+          <p:nvPr>
+            <p:ph type="title"/>
+          </p:nvPr>
+        </p:nvSpPr>
+        <p:spPr/>
+        <p:txBody>
+          <a:bodyPr/>
+          <a:lstStyle/>
+          <a:p>
+            <a:r>
+              <a:rPr lang="en-US" dirty="0"/>
+              <a:t>Other Tools for Programming Classes</a:t>
+            </a:r>
+          </a:p>
+        </p:txBody>
+      </p:sp>
+      <p:sp>
+        <p:nvSpPr>
+          <p:cNvPr id="2" name="Slide Number Placeholder 1">
+            <a:extLst>
+              <a:ext uri="{FF2B5EF4-FFF2-40B4-BE49-F238E27FC236}">
+                <a16:creationId xmlns:a16="http://schemas.microsoft.com/office/drawing/2014/main" id="{B93A5DA5-FF98-4920-B370-FF24EA2D0034}"/>
+              </a:ext>
+            </a:extLst>
+          </p:cNvPr>
+          <p:cNvSpPr>
+            <a:spLocks noGrp="1"/>
+          </p:cNvSpPr>
+          <p:nvPr>
+            <p:ph type="sldNum" idx="12"/>
+          </p:nvPr>
+        </p:nvSpPr>
+        <p:spPr/>
+        <p:txBody>
+          <a:bodyPr/>
+          <a:lstStyle/>
+          <a:p>
+            <a:pPr marL="0" lvl="0" indent="0">
+              <a:spcBef>
+                <a:spcPts val="0"/>
+              </a:spcBef>
+              <a:spcAft>
+                <a:spcPts val="0"/>
+              </a:spcAft>
+              <a:buNone/>
+            </a:pPr>
+            <a:fld id="{00000000-1234-1234-1234-123412341234}" type="slidenum">
+              <a:rPr lang="en-US" smtClean="0"/>
+              <a:t>22</a:t>
+            </a:fld>
+            <a:endParaRPr lang="en-US"/>
+          </a:p>
+        </p:txBody>
+      </p:sp>
+    </p:spTree>
+    <p:extLst>
+      <p:ext uri="{BB962C8B-B14F-4D97-AF65-F5344CB8AC3E}">
+        <p14:creationId xmlns:p14="http://schemas.microsoft.com/office/powerpoint/2010/main" val="2325857097"/>
+      </p:ext>
+    </p:extLst>
+  </p:cSld>
+  <p:clrMapOvr>
+    <a:masterClrMapping/>
+  </p:clrMapOvr>
+</p:sld>
+</file>
+
+<file path=ppt/slides/slide23.xml><?xml version="1.0" encoding="utf-8"?>
+<p:sld xmlns:a="http://schemas.openxmlformats.org/drawingml/2006/main" xmlns:r="http://schemas.openxmlformats.org/officeDocument/2006/relationships" xmlns:p="http://schemas.openxmlformats.org/presentationml/2006/main">
+  <p:cSld>
+    <p:spTree>
+      <p:nvGrpSpPr>
+        <p:cNvPr id="1" name="Shape 95"/>
+        <p:cNvGrpSpPr/>
+        <p:nvPr/>
+      </p:nvGrpSpPr>
+      <p:grpSpPr>
+        <a:xfrm>
+          <a:off x="0" y="0"/>
+          <a:ext cx="0" cy="0"/>
+          <a:chOff x="0" y="0"/>
+          <a:chExt cx="0" cy="0"/>
+        </a:xfrm>
+      </p:grpSpPr>
+      <p:sp>
+        <p:nvSpPr>
+          <p:cNvPr id="96" name="Shape 96"/>
+          <p:cNvSpPr txBox="1"/>
+          <p:nvPr/>
+        </p:nvSpPr>
+        <p:spPr>
+          <a:xfrm>
+            <a:off x="4343400" y="6172200"/>
+            <a:ext cx="457200" cy="457200"/>
+          </a:xfrm>
+          <a:prstGeom prst="rect">
+            <a:avLst/>
+          </a:prstGeom>
+          <a:noFill/>
+          <a:ln>
+            <a:noFill/>
+          </a:ln>
+        </p:spPr>
+        <p:txBody>
+          <a:bodyPr spcFirstLastPara="1" wrap="square" lIns="91425" tIns="45700" rIns="91425" bIns="45700" anchor="t" anchorCtr="0">
+            <a:noAutofit/>
+          </a:bodyPr>
+          <a:lstStyle/>
+          <a:p>
+            <a:pPr marL="0" marR="0" lvl="0" indent="0" algn="ctr" rtl="0">
+              <a:spcBef>
+                <a:spcPts val="0"/>
+              </a:spcBef>
+              <a:spcAft>
+                <a:spcPts val="0"/>
+              </a:spcAft>
+              <a:buNone/>
+            </a:pPr>
+            <a:fld id="{00000000-1234-1234-1234-123412341234}" type="slidenum">
+              <a:rPr lang="en-US" sz="1000">
+                <a:solidFill>
+                  <a:schemeClr val="dk1"/>
+                </a:solidFill>
+                <a:latin typeface="Arial"/>
+                <a:ea typeface="Arial"/>
+                <a:cs typeface="Arial"/>
+                <a:sym typeface="Arial"/>
+              </a:rPr>
+              <a:t>23</a:t>
+            </a:fld>
+            <a:endParaRPr sz="1000">
+              <a:solidFill>
+                <a:schemeClr val="dk1"/>
+              </a:solidFill>
+              <a:latin typeface="Arial"/>
+              <a:ea typeface="Arial"/>
+              <a:cs typeface="Arial"/>
+              <a:sym typeface="Arial"/>
+            </a:endParaRPr>
+          </a:p>
+        </p:txBody>
+      </p:sp>
+      <p:sp>
+        <p:nvSpPr>
+          <p:cNvPr id="97" name="Shape 97"/>
+          <p:cNvSpPr txBox="1"/>
+          <p:nvPr/>
+        </p:nvSpPr>
+        <p:spPr>
+          <a:xfrm>
+            <a:off x="381000" y="223650"/>
+            <a:ext cx="8382000" cy="457200"/>
+          </a:xfrm>
+          <a:prstGeom prst="rect">
+            <a:avLst/>
+          </a:prstGeom>
+          <a:noFill/>
+          <a:ln>
+            <a:noFill/>
+          </a:ln>
+        </p:spPr>
+        <p:txBody>
+          <a:bodyPr spcFirstLastPara="1" wrap="square" lIns="91425" tIns="45700" rIns="91425" bIns="45700" anchor="t" anchorCtr="0">
+            <a:noAutofit/>
+          </a:bodyPr>
+          <a:lstStyle/>
+          <a:p>
+            <a:pPr marL="0" marR="0" lvl="0" indent="0" algn="l" rtl="0">
+              <a:spcBef>
+                <a:spcPts val="0"/>
+              </a:spcBef>
+              <a:spcAft>
+                <a:spcPts val="0"/>
+              </a:spcAft>
+              <a:buNone/>
+            </a:pPr>
+            <a:r>
+              <a:rPr lang="en-US" sz="2400" b="1" dirty="0">
+                <a:solidFill>
+                  <a:srgbClr val="820009"/>
+                </a:solidFill>
+              </a:rPr>
+              <a:t>R Markdown</a:t>
+            </a:r>
+            <a:endParaRPr sz="2400" b="1" dirty="0">
+              <a:solidFill>
+                <a:srgbClr val="820009"/>
+              </a:solidFill>
+              <a:latin typeface="Arial"/>
+              <a:ea typeface="Arial"/>
+              <a:cs typeface="Arial"/>
+              <a:sym typeface="Arial"/>
+            </a:endParaRPr>
+          </a:p>
+        </p:txBody>
+      </p:sp>
+      <p:graphicFrame>
+        <p:nvGraphicFramePr>
+          <p:cNvPr id="99" name="Shape 99"/>
+          <p:cNvGraphicFramePr/>
+          <p:nvPr/>
+        </p:nvGraphicFramePr>
+        <p:xfrm>
+          <a:off x="5623560" y="560070"/>
+          <a:ext cx="208300" cy="365770"/>
+        </p:xfrm>
+        <a:graphic>
+          <a:graphicData uri="http://schemas.openxmlformats.org/drawingml/2006/table">
+            <a:tbl>
+              <a:tblPr>
+                <a:noFill/>
+                <a:tableStyleId>{3E517AEF-C05D-40B9-8274-1AED4C133E0D}</a:tableStyleId>
+              </a:tblPr>
+              <a:tblGrid>
+                <a:gridCol w="208300">
+                  <a:extLst>
+                    <a:ext uri="{9D8B030D-6E8A-4147-A177-3AD203B41FA5}">
+                      <a16:colId xmlns:a16="http://schemas.microsoft.com/office/drawing/2014/main" val="20000"/>
+                    </a:ext>
+                  </a:extLst>
+                </a:gridCol>
+              </a:tblGrid>
+              <a:tr h="0">
+                <a:tc>
+                  <a:txBody>
+                    <a:bodyPr/>
+                    <a:lstStyle/>
+                    <a:p>
+                      <a:pPr marL="0" marR="0" lvl="0" indent="0" algn="l" rtl="0">
+                        <a:spcBef>
+                          <a:spcPts val="0"/>
+                        </a:spcBef>
+                        <a:spcAft>
+                          <a:spcPts val="0"/>
+                        </a:spcAft>
+                        <a:buNone/>
+                      </a:pPr>
+                      <a:endParaRPr sz="1800"/>
+                    </a:p>
+                  </a:txBody>
+                  <a:tcPr marL="91450" marR="91450" marT="45725" marB="45725">
+                    <a:lnL w="9525" cap="flat" cmpd="sng">
+                      <a:solidFill>
+                        <a:srgbClr val="000000">
+                          <a:alpha val="0"/>
+                        </a:srgbClr>
+                      </a:solidFill>
+                      <a:prstDash val="solid"/>
+                      <a:round/>
+                      <a:headEnd type="none" w="sm" len="sm"/>
+                      <a:tailEnd type="none" w="sm" len="sm"/>
+                    </a:lnL>
+                    <a:lnR w="9525" cap="flat" cmpd="sng">
+                      <a:solidFill>
+                        <a:srgbClr val="000000">
+                          <a:alpha val="0"/>
+                        </a:srgbClr>
+                      </a:solidFill>
+                      <a:prstDash val="solid"/>
+                      <a:round/>
+                      <a:headEnd type="none" w="sm" len="sm"/>
+                      <a:tailEnd type="none" w="sm" len="sm"/>
+                    </a:lnR>
+                    <a:lnT w="9525" cap="flat" cmpd="sng">
+                      <a:solidFill>
+                        <a:srgbClr val="000000">
+                          <a:alpha val="0"/>
+                        </a:srgbClr>
+                      </a:solidFill>
+                      <a:prstDash val="solid"/>
+                      <a:round/>
+                      <a:headEnd type="none" w="sm" len="sm"/>
+                      <a:tailEnd type="none" w="sm" len="sm"/>
+                    </a:lnT>
+                    <a:lnB w="9525" cap="flat" cmpd="sng">
+                      <a:solidFill>
+                        <a:srgbClr val="000000">
+                          <a:alpha val="0"/>
+                        </a:srgbClr>
+                      </a:solidFill>
+                      <a:prstDash val="solid"/>
+                      <a:round/>
+                      <a:headEnd type="none" w="sm" len="sm"/>
+                      <a:tailEnd type="none" w="sm" len="sm"/>
+                    </a:lnB>
+                  </a:tcPr>
+                </a:tc>
+                <a:extLst>
+                  <a:ext uri="{0D108BD9-81ED-4DB2-BD59-A6C34878D82A}">
+                    <a16:rowId xmlns:a16="http://schemas.microsoft.com/office/drawing/2014/main" val="10000"/>
+                  </a:ext>
+                </a:extLst>
+              </a:tr>
+            </a:tbl>
+          </a:graphicData>
+        </a:graphic>
+      </p:graphicFrame>
+      <p:sp>
+        <p:nvSpPr>
+          <p:cNvPr id="7" name="TextBox 6">
+            <a:extLst>
+              <a:ext uri="{FF2B5EF4-FFF2-40B4-BE49-F238E27FC236}">
+                <a16:creationId xmlns:a16="http://schemas.microsoft.com/office/drawing/2014/main" id="{08632213-E1DB-4E3E-A327-973607EC3DED}"/>
+              </a:ext>
+            </a:extLst>
+          </p:cNvPr>
+          <p:cNvSpPr txBox="1"/>
+          <p:nvPr/>
+        </p:nvSpPr>
+        <p:spPr>
+          <a:xfrm>
+            <a:off x="473697" y="1017270"/>
+            <a:ext cx="7917083" cy="738664"/>
+          </a:xfrm>
+          <a:prstGeom prst="rect">
+            <a:avLst/>
+          </a:prstGeom>
+          <a:noFill/>
+        </p:spPr>
+        <p:txBody>
+          <a:bodyPr wrap="square" rtlCol="0">
+            <a:spAutoFit/>
+          </a:bodyPr>
+          <a:lstStyle/>
+          <a:p>
+            <a:r>
+              <a:rPr lang="en-US" dirty="0"/>
+              <a:t>R Markdown is a really useful package that allows you to create a document directly in R, making it very simple to include exhibits or outputs. We highly recommend you try R Markdown if you are taking a class that requires write ups of your R homework. See: </a:t>
+            </a:r>
+            <a:r>
+              <a:rPr lang="en-US" dirty="0">
+                <a:hlinkClick r:id="rId3"/>
+              </a:rPr>
+              <a:t>https://rmarkdown.rstudio.com/</a:t>
+            </a:r>
+            <a:r>
+              <a:rPr lang="en-US" dirty="0"/>
+              <a:t> </a:t>
+            </a:r>
+          </a:p>
+        </p:txBody>
+      </p:sp>
+      <p:pic>
+        <p:nvPicPr>
+          <p:cNvPr id="1028" name="Picture 4" descr="Image result for rmarkdown">
+            <a:extLst>
+              <a:ext uri="{FF2B5EF4-FFF2-40B4-BE49-F238E27FC236}">
+                <a16:creationId xmlns:a16="http://schemas.microsoft.com/office/drawing/2014/main" id="{A4F6B6F6-D26A-42C7-B6A7-23D54BF78290}"/>
+              </a:ext>
+            </a:extLst>
+          </p:cNvPr>
+          <p:cNvPicPr>
+            <a:picLocks noChangeAspect="1" noChangeArrowheads="1"/>
+          </p:cNvPicPr>
+          <p:nvPr/>
+        </p:nvPicPr>
+        <p:blipFill>
+          <a:blip r:embed="rId4">
+            <a:extLst>
+              <a:ext uri="{28A0092B-C50C-407E-A947-70E740481C1C}">
+                <a14:useLocalDpi xmlns:a14="http://schemas.microsoft.com/office/drawing/2010/main" val="0"/>
+              </a:ext>
+            </a:extLst>
+          </a:blip>
+          <a:srcRect/>
+          <a:stretch>
+            <a:fillRect/>
+          </a:stretch>
+        </p:blipFill>
+        <p:spPr bwMode="auto">
+          <a:xfrm>
+            <a:off x="2886423" y="1981575"/>
+            <a:ext cx="3371153" cy="3964983"/>
+          </a:xfrm>
+          <a:prstGeom prst="rect">
+            <a:avLst/>
+          </a:prstGeom>
+          <a:noFill/>
+          <a:extLst>
+            <a:ext uri="{909E8E84-426E-40DD-AFC4-6F175D3DCCD1}">
+              <a14:hiddenFill xmlns:a14="http://schemas.microsoft.com/office/drawing/2010/main">
+                <a:solidFill>
+                  <a:srgbClr val="FFFFFF"/>
+                </a:solidFill>
+              </a14:hiddenFill>
+            </a:ext>
+          </a:extLst>
+        </p:spPr>
+      </p:pic>
+    </p:spTree>
+    <p:extLst>
+      <p:ext uri="{BB962C8B-B14F-4D97-AF65-F5344CB8AC3E}">
+        <p14:creationId xmlns:p14="http://schemas.microsoft.com/office/powerpoint/2010/main" val="1999292579"/>
+      </p:ext>
+    </p:extLst>
+  </p:cSld>
+  <p:clrMapOvr>
+    <a:masterClrMapping/>
+  </p:clrMapOvr>
+</p:sld>
+</file>
+
+<file path=ppt/slides/slide24.xml><?xml version="1.0" encoding="utf-8"?>
+<p:sld xmlns:a="http://schemas.openxmlformats.org/drawingml/2006/main" xmlns:r="http://schemas.openxmlformats.org/officeDocument/2006/relationships" xmlns:p="http://schemas.openxmlformats.org/presentationml/2006/main">
+  <p:cSld>
+    <p:spTree>
+      <p:nvGrpSpPr>
+        <p:cNvPr id="1" name="Shape 95"/>
+        <p:cNvGrpSpPr/>
+        <p:nvPr/>
+      </p:nvGrpSpPr>
+      <p:grpSpPr>
+        <a:xfrm>
+          <a:off x="0" y="0"/>
+          <a:ext cx="0" cy="0"/>
+          <a:chOff x="0" y="0"/>
+          <a:chExt cx="0" cy="0"/>
+        </a:xfrm>
+      </p:grpSpPr>
+      <p:sp>
+        <p:nvSpPr>
+          <p:cNvPr id="96" name="Shape 96"/>
+          <p:cNvSpPr txBox="1"/>
+          <p:nvPr/>
+        </p:nvSpPr>
+        <p:spPr>
+          <a:xfrm>
+            <a:off x="4343400" y="6172200"/>
+            <a:ext cx="457200" cy="457200"/>
+          </a:xfrm>
+          <a:prstGeom prst="rect">
+            <a:avLst/>
+          </a:prstGeom>
+          <a:noFill/>
+          <a:ln>
+            <a:noFill/>
+          </a:ln>
+        </p:spPr>
+        <p:txBody>
+          <a:bodyPr spcFirstLastPara="1" wrap="square" lIns="91425" tIns="45700" rIns="91425" bIns="45700" anchor="t" anchorCtr="0">
+            <a:noAutofit/>
+          </a:bodyPr>
+          <a:lstStyle/>
+          <a:p>
+            <a:pPr marL="0" marR="0" lvl="0" indent="0" algn="ctr" rtl="0">
+              <a:spcBef>
+                <a:spcPts val="0"/>
+              </a:spcBef>
+              <a:spcAft>
+                <a:spcPts val="0"/>
+              </a:spcAft>
+              <a:buNone/>
+            </a:pPr>
+            <a:fld id="{00000000-1234-1234-1234-123412341234}" type="slidenum">
+              <a:rPr lang="en-US" sz="1000">
+                <a:solidFill>
+                  <a:schemeClr val="dk1"/>
+                </a:solidFill>
+                <a:latin typeface="Arial"/>
+                <a:ea typeface="Arial"/>
+                <a:cs typeface="Arial"/>
+                <a:sym typeface="Arial"/>
+              </a:rPr>
+              <a:t>24</a:t>
+            </a:fld>
+            <a:endParaRPr sz="1000">
+              <a:solidFill>
+                <a:schemeClr val="dk1"/>
+              </a:solidFill>
+              <a:latin typeface="Arial"/>
+              <a:ea typeface="Arial"/>
+              <a:cs typeface="Arial"/>
+              <a:sym typeface="Arial"/>
+            </a:endParaRPr>
+          </a:p>
+        </p:txBody>
+      </p:sp>
+      <p:sp>
+        <p:nvSpPr>
+          <p:cNvPr id="97" name="Shape 97"/>
+          <p:cNvSpPr txBox="1"/>
+          <p:nvPr/>
+        </p:nvSpPr>
+        <p:spPr>
+          <a:xfrm>
+            <a:off x="381000" y="223650"/>
+            <a:ext cx="8382000" cy="457200"/>
+          </a:xfrm>
+          <a:prstGeom prst="rect">
+            <a:avLst/>
+          </a:prstGeom>
+          <a:noFill/>
+          <a:ln>
+            <a:noFill/>
+          </a:ln>
+        </p:spPr>
+        <p:txBody>
+          <a:bodyPr spcFirstLastPara="1" wrap="square" lIns="91425" tIns="45700" rIns="91425" bIns="45700" anchor="t" anchorCtr="0">
+            <a:noAutofit/>
+          </a:bodyPr>
+          <a:lstStyle/>
+          <a:p>
+            <a:pPr marL="0" marR="0" lvl="0" indent="0" algn="l" rtl="0">
+              <a:spcBef>
+                <a:spcPts val="0"/>
+              </a:spcBef>
+              <a:spcAft>
+                <a:spcPts val="0"/>
+              </a:spcAft>
+              <a:buNone/>
+            </a:pPr>
+            <a:r>
+              <a:rPr lang="en-US" sz="2400" b="1" dirty="0">
+                <a:solidFill>
+                  <a:srgbClr val="820009"/>
+                </a:solidFill>
+              </a:rPr>
+              <a:t>GitHub</a:t>
+            </a:r>
+            <a:endParaRPr sz="2400" b="1" dirty="0">
+              <a:solidFill>
+                <a:srgbClr val="820009"/>
+              </a:solidFill>
+              <a:latin typeface="Arial"/>
+              <a:ea typeface="Arial"/>
+              <a:cs typeface="Arial"/>
+              <a:sym typeface="Arial"/>
+            </a:endParaRPr>
+          </a:p>
+        </p:txBody>
+      </p:sp>
+      <p:graphicFrame>
+        <p:nvGraphicFramePr>
+          <p:cNvPr id="99" name="Shape 99"/>
+          <p:cNvGraphicFramePr/>
+          <p:nvPr/>
+        </p:nvGraphicFramePr>
+        <p:xfrm>
+          <a:off x="5623560" y="560070"/>
+          <a:ext cx="208300" cy="365770"/>
+        </p:xfrm>
+        <a:graphic>
+          <a:graphicData uri="http://schemas.openxmlformats.org/drawingml/2006/table">
+            <a:tbl>
+              <a:tblPr>
+                <a:noFill/>
+                <a:tableStyleId>{3E517AEF-C05D-40B9-8274-1AED4C133E0D}</a:tableStyleId>
+              </a:tblPr>
+              <a:tblGrid>
+                <a:gridCol w="208300">
+                  <a:extLst>
+                    <a:ext uri="{9D8B030D-6E8A-4147-A177-3AD203B41FA5}">
+                      <a16:colId xmlns:a16="http://schemas.microsoft.com/office/drawing/2014/main" val="20000"/>
+                    </a:ext>
+                  </a:extLst>
+                </a:gridCol>
+              </a:tblGrid>
+              <a:tr h="0">
+                <a:tc>
+                  <a:txBody>
+                    <a:bodyPr/>
+                    <a:lstStyle/>
+                    <a:p>
+                      <a:pPr marL="0" marR="0" lvl="0" indent="0" algn="l" rtl="0">
+                        <a:spcBef>
+                          <a:spcPts val="0"/>
+                        </a:spcBef>
+                        <a:spcAft>
+                          <a:spcPts val="0"/>
+                        </a:spcAft>
+                        <a:buNone/>
+                      </a:pPr>
+                      <a:endParaRPr sz="1800"/>
+                    </a:p>
+                  </a:txBody>
+                  <a:tcPr marL="91450" marR="91450" marT="45725" marB="45725">
+                    <a:lnL w="9525" cap="flat" cmpd="sng">
+                      <a:solidFill>
+                        <a:srgbClr val="000000">
+                          <a:alpha val="0"/>
+                        </a:srgbClr>
+                      </a:solidFill>
+                      <a:prstDash val="solid"/>
+                      <a:round/>
+                      <a:headEnd type="none" w="sm" len="sm"/>
+                      <a:tailEnd type="none" w="sm" len="sm"/>
+                    </a:lnL>
+                    <a:lnR w="9525" cap="flat" cmpd="sng">
+                      <a:solidFill>
+                        <a:srgbClr val="000000">
+                          <a:alpha val="0"/>
+                        </a:srgbClr>
+                      </a:solidFill>
+                      <a:prstDash val="solid"/>
+                      <a:round/>
+                      <a:headEnd type="none" w="sm" len="sm"/>
+                      <a:tailEnd type="none" w="sm" len="sm"/>
+                    </a:lnR>
+                    <a:lnT w="9525" cap="flat" cmpd="sng">
+                      <a:solidFill>
+                        <a:srgbClr val="000000">
+                          <a:alpha val="0"/>
+                        </a:srgbClr>
+                      </a:solidFill>
+                      <a:prstDash val="solid"/>
+                      <a:round/>
+                      <a:headEnd type="none" w="sm" len="sm"/>
+                      <a:tailEnd type="none" w="sm" len="sm"/>
+                    </a:lnT>
+                    <a:lnB w="9525" cap="flat" cmpd="sng">
+                      <a:solidFill>
+                        <a:srgbClr val="000000">
+                          <a:alpha val="0"/>
+                        </a:srgbClr>
+                      </a:solidFill>
+                      <a:prstDash val="solid"/>
+                      <a:round/>
+                      <a:headEnd type="none" w="sm" len="sm"/>
+                      <a:tailEnd type="none" w="sm" len="sm"/>
+                    </a:lnB>
+                  </a:tcPr>
+                </a:tc>
+                <a:extLst>
+                  <a:ext uri="{0D108BD9-81ED-4DB2-BD59-A6C34878D82A}">
+                    <a16:rowId xmlns:a16="http://schemas.microsoft.com/office/drawing/2014/main" val="10000"/>
+                  </a:ext>
+                </a:extLst>
+              </a:tr>
+            </a:tbl>
+          </a:graphicData>
+        </a:graphic>
+      </p:graphicFrame>
+      <p:sp>
+        <p:nvSpPr>
+          <p:cNvPr id="7" name="TextBox 6">
+            <a:extLst>
+              <a:ext uri="{FF2B5EF4-FFF2-40B4-BE49-F238E27FC236}">
+                <a16:creationId xmlns:a16="http://schemas.microsoft.com/office/drawing/2014/main" id="{08632213-E1DB-4E3E-A327-973607EC3DED}"/>
+              </a:ext>
+            </a:extLst>
+          </p:cNvPr>
+          <p:cNvSpPr txBox="1"/>
+          <p:nvPr/>
+        </p:nvSpPr>
+        <p:spPr>
+          <a:xfrm>
+            <a:off x="473697" y="1017270"/>
+            <a:ext cx="7917083" cy="738664"/>
+          </a:xfrm>
+          <a:prstGeom prst="rect">
+            <a:avLst/>
+          </a:prstGeom>
+          <a:noFill/>
+        </p:spPr>
+        <p:txBody>
+          <a:bodyPr wrap="square" rtlCol="0">
+            <a:spAutoFit/>
+          </a:bodyPr>
+          <a:lstStyle/>
+          <a:p>
+            <a:r>
+              <a:rPr lang="en-US" dirty="0"/>
+              <a:t>This is outside the scope of this introduction but you’ve probably heard of GitHub and we recommend you consider using it for your group assignments. You can find out more here: </a:t>
+            </a:r>
+            <a:r>
+              <a:rPr lang="en-US" dirty="0">
+                <a:hlinkClick r:id="rId3"/>
+              </a:rPr>
+              <a:t>https://guides.github.com/activities/hello-world/</a:t>
+            </a:r>
+            <a:r>
+              <a:rPr lang="en-US" dirty="0"/>
+              <a:t>. </a:t>
+            </a:r>
+          </a:p>
+        </p:txBody>
+      </p:sp>
+      <p:pic>
+        <p:nvPicPr>
+          <p:cNvPr id="2050" name="Picture 2" descr="Image result for github desktop">
+            <a:extLst>
+              <a:ext uri="{FF2B5EF4-FFF2-40B4-BE49-F238E27FC236}">
+                <a16:creationId xmlns:a16="http://schemas.microsoft.com/office/drawing/2014/main" id="{427F67BF-67A1-44E9-89BE-98EE9170AB03}"/>
+              </a:ext>
+            </a:extLst>
+          </p:cNvPr>
+          <p:cNvPicPr>
+            <a:picLocks noChangeAspect="1" noChangeArrowheads="1"/>
+          </p:cNvPicPr>
+          <p:nvPr/>
+        </p:nvPicPr>
+        <p:blipFill>
+          <a:blip r:embed="rId4">
+            <a:extLst>
+              <a:ext uri="{28A0092B-C50C-407E-A947-70E740481C1C}">
+                <a14:useLocalDpi xmlns:a14="http://schemas.microsoft.com/office/drawing/2010/main" val="0"/>
+              </a:ext>
+            </a:extLst>
+          </a:blip>
+          <a:srcRect/>
+          <a:stretch>
+            <a:fillRect/>
+          </a:stretch>
+        </p:blipFill>
+        <p:spPr bwMode="auto">
+          <a:xfrm>
+            <a:off x="1560576" y="1823609"/>
+            <a:ext cx="6022848" cy="4140708"/>
+          </a:xfrm>
+          <a:prstGeom prst="rect">
+            <a:avLst/>
+          </a:prstGeom>
+          <a:noFill/>
+          <a:extLst>
+            <a:ext uri="{909E8E84-426E-40DD-AFC4-6F175D3DCCD1}">
+              <a14:hiddenFill xmlns:a14="http://schemas.microsoft.com/office/drawing/2010/main">
+                <a:solidFill>
+                  <a:srgbClr val="FFFFFF"/>
+                </a:solidFill>
+              </a14:hiddenFill>
+            </a:ext>
+          </a:extLst>
+        </p:spPr>
+      </p:pic>
+    </p:spTree>
+    <p:extLst>
+      <p:ext uri="{BB962C8B-B14F-4D97-AF65-F5344CB8AC3E}">
+        <p14:creationId xmlns:p14="http://schemas.microsoft.com/office/powerpoint/2010/main" val="1117412140"/>
+      </p:ext>
+    </p:extLst>
+  </p:cSld>
+  <p:clrMapOvr>
+    <a:masterClrMapping/>
+  </p:clrMapOvr>
+</p:sld>
+</file>
+
+<file path=ppt/slides/slide25.xml><?xml version="1.0" encoding="utf-8"?>
 <p:sld xmlns:a="http://schemas.openxmlformats.org/drawingml/2006/main" xmlns:r="http://schemas.openxmlformats.org/officeDocument/2006/relationships" xmlns:p="http://schemas.openxmlformats.org/presentationml/2006/main">
   <p:cSld>
     <p:spTree>
@@ -15494,7 +19239,7 @@
             </a:pPr>
             <a:fld id="{00000000-1234-1234-1234-123412341234}" type="slidenum">
               <a:rPr lang="en-US" smtClean="0"/>
-              <a:t>17</a:t>
+              <a:t>25</a:t>
             </a:fld>
             <a:endParaRPr lang="en-US"/>
           </a:p>
@@ -15513,7 +19258,7 @@
 </p:sld>
 </file>
 
-<file path=ppt/slides/slide18.xml><?xml version="1.0" encoding="utf-8"?>
+<file path=ppt/slides/slide26.xml><?xml version="1.0" encoding="utf-8"?>
 <p:sld xmlns:a="http://schemas.openxmlformats.org/drawingml/2006/main" xmlns:r="http://schemas.openxmlformats.org/officeDocument/2006/relationships" xmlns:p="http://schemas.openxmlformats.org/presentationml/2006/main">
   <p:cSld>
     <p:spTree>
@@ -15574,7 +19319,358 @@
                 <a:cs typeface="Arial"/>
                 <a:sym typeface="Arial"/>
               </a:rPr>
-              <a:t>18</a:t>
+              <a:t>26</a:t>
+            </a:fld>
+            <a:endParaRPr sz="1000">
+              <a:solidFill>
+                <a:schemeClr val="dk1"/>
+              </a:solidFill>
+              <a:latin typeface="Arial"/>
+              <a:ea typeface="Arial"/>
+              <a:cs typeface="Arial"/>
+              <a:sym typeface="Arial"/>
+            </a:endParaRPr>
+          </a:p>
+        </p:txBody>
+      </p:sp>
+      <p:sp>
+        <p:nvSpPr>
+          <p:cNvPr id="97" name="Shape 97"/>
+          <p:cNvSpPr txBox="1"/>
+          <p:nvPr/>
+        </p:nvSpPr>
+        <p:spPr>
+          <a:xfrm>
+            <a:off x="381000" y="223650"/>
+            <a:ext cx="8382000" cy="457200"/>
+          </a:xfrm>
+          <a:prstGeom prst="rect">
+            <a:avLst/>
+          </a:prstGeom>
+          <a:noFill/>
+          <a:ln>
+            <a:noFill/>
+          </a:ln>
+        </p:spPr>
+        <p:txBody>
+          <a:bodyPr spcFirstLastPara="1" wrap="square" lIns="91425" tIns="45700" rIns="91425" bIns="45700" anchor="t" anchorCtr="0">
+            <a:noAutofit/>
+          </a:bodyPr>
+          <a:lstStyle/>
+          <a:p>
+            <a:pPr marL="0" marR="0" lvl="0" indent="0" algn="l" rtl="0">
+              <a:spcBef>
+                <a:spcPts val="0"/>
+              </a:spcBef>
+              <a:spcAft>
+                <a:spcPts val="0"/>
+              </a:spcAft>
+              <a:buNone/>
+            </a:pPr>
+            <a:r>
+              <a:rPr lang="en-US" sz="2400" b="1" dirty="0">
+                <a:solidFill>
+                  <a:srgbClr val="820009"/>
+                </a:solidFill>
+              </a:rPr>
+              <a:t>Preview of Next Week’s Intermediate R Session</a:t>
+            </a:r>
+            <a:endParaRPr sz="2400" b="1" dirty="0">
+              <a:solidFill>
+                <a:srgbClr val="820009"/>
+              </a:solidFill>
+              <a:latin typeface="Arial"/>
+              <a:ea typeface="Arial"/>
+              <a:cs typeface="Arial"/>
+              <a:sym typeface="Arial"/>
+            </a:endParaRPr>
+          </a:p>
+        </p:txBody>
+      </p:sp>
+      <p:graphicFrame>
+        <p:nvGraphicFramePr>
+          <p:cNvPr id="99" name="Shape 99"/>
+          <p:cNvGraphicFramePr/>
+          <p:nvPr/>
+        </p:nvGraphicFramePr>
+        <p:xfrm>
+          <a:off x="5623560" y="560070"/>
+          <a:ext cx="208300" cy="365770"/>
+        </p:xfrm>
+        <a:graphic>
+          <a:graphicData uri="http://schemas.openxmlformats.org/drawingml/2006/table">
+            <a:tbl>
+              <a:tblPr>
+                <a:noFill/>
+                <a:tableStyleId>{3E517AEF-C05D-40B9-8274-1AED4C133E0D}</a:tableStyleId>
+              </a:tblPr>
+              <a:tblGrid>
+                <a:gridCol w="208300">
+                  <a:extLst>
+                    <a:ext uri="{9D8B030D-6E8A-4147-A177-3AD203B41FA5}">
+                      <a16:colId xmlns:a16="http://schemas.microsoft.com/office/drawing/2014/main" val="20000"/>
+                    </a:ext>
+                  </a:extLst>
+                </a:gridCol>
+              </a:tblGrid>
+              <a:tr h="0">
+                <a:tc>
+                  <a:txBody>
+                    <a:bodyPr/>
+                    <a:lstStyle/>
+                    <a:p>
+                      <a:pPr marL="0" marR="0" lvl="0" indent="0" algn="l" rtl="0">
+                        <a:spcBef>
+                          <a:spcPts val="0"/>
+                        </a:spcBef>
+                        <a:spcAft>
+                          <a:spcPts val="0"/>
+                        </a:spcAft>
+                        <a:buNone/>
+                      </a:pPr>
+                      <a:endParaRPr sz="1800"/>
+                    </a:p>
+                  </a:txBody>
+                  <a:tcPr marL="91450" marR="91450" marT="45725" marB="45725">
+                    <a:lnL w="9525" cap="flat" cmpd="sng">
+                      <a:solidFill>
+                        <a:srgbClr val="000000">
+                          <a:alpha val="0"/>
+                        </a:srgbClr>
+                      </a:solidFill>
+                      <a:prstDash val="solid"/>
+                      <a:round/>
+                      <a:headEnd type="none" w="sm" len="sm"/>
+                      <a:tailEnd type="none" w="sm" len="sm"/>
+                    </a:lnL>
+                    <a:lnR w="9525" cap="flat" cmpd="sng">
+                      <a:solidFill>
+                        <a:srgbClr val="000000">
+                          <a:alpha val="0"/>
+                        </a:srgbClr>
+                      </a:solidFill>
+                      <a:prstDash val="solid"/>
+                      <a:round/>
+                      <a:headEnd type="none" w="sm" len="sm"/>
+                      <a:tailEnd type="none" w="sm" len="sm"/>
+                    </a:lnR>
+                    <a:lnT w="9525" cap="flat" cmpd="sng">
+                      <a:solidFill>
+                        <a:srgbClr val="000000">
+                          <a:alpha val="0"/>
+                        </a:srgbClr>
+                      </a:solidFill>
+                      <a:prstDash val="solid"/>
+                      <a:round/>
+                      <a:headEnd type="none" w="sm" len="sm"/>
+                      <a:tailEnd type="none" w="sm" len="sm"/>
+                    </a:lnT>
+                    <a:lnB w="9525" cap="flat" cmpd="sng">
+                      <a:solidFill>
+                        <a:srgbClr val="000000">
+                          <a:alpha val="0"/>
+                        </a:srgbClr>
+                      </a:solidFill>
+                      <a:prstDash val="solid"/>
+                      <a:round/>
+                      <a:headEnd type="none" w="sm" len="sm"/>
+                      <a:tailEnd type="none" w="sm" len="sm"/>
+                    </a:lnB>
+                  </a:tcPr>
+                </a:tc>
+                <a:extLst>
+                  <a:ext uri="{0D108BD9-81ED-4DB2-BD59-A6C34878D82A}">
+                    <a16:rowId xmlns:a16="http://schemas.microsoft.com/office/drawing/2014/main" val="10000"/>
+                  </a:ext>
+                </a:extLst>
+              </a:tr>
+            </a:tbl>
+          </a:graphicData>
+        </a:graphic>
+      </p:graphicFrame>
+      <p:sp>
+        <p:nvSpPr>
+          <p:cNvPr id="6" name="TextBox 5">
+            <a:extLst>
+              <a:ext uri="{FF2B5EF4-FFF2-40B4-BE49-F238E27FC236}">
+                <a16:creationId xmlns:a16="http://schemas.microsoft.com/office/drawing/2014/main" id="{6B43F173-F2A9-41E2-A22E-846D71895B2F}"/>
+              </a:ext>
+            </a:extLst>
+          </p:cNvPr>
+          <p:cNvSpPr txBox="1"/>
+          <p:nvPr/>
+        </p:nvSpPr>
+        <p:spPr>
+          <a:xfrm>
+            <a:off x="473697" y="1017270"/>
+            <a:ext cx="7917083" cy="2862322"/>
+          </a:xfrm>
+          <a:prstGeom prst="rect">
+            <a:avLst/>
+          </a:prstGeom>
+          <a:noFill/>
+        </p:spPr>
+        <p:txBody>
+          <a:bodyPr wrap="square" rtlCol="0">
+            <a:spAutoFit/>
+          </a:bodyPr>
+          <a:lstStyle/>
+          <a:p>
+            <a:r>
+              <a:rPr lang="en-US" sz="2000" dirty="0"/>
+              <a:t>We will walk through an example exercise, step by step:</a:t>
+            </a:r>
+          </a:p>
+          <a:p>
+            <a:pPr marL="400050" indent="-400050">
+              <a:buFont typeface="+mj-lt"/>
+              <a:buAutoNum type="arabicPeriod"/>
+            </a:pPr>
+            <a:endParaRPr lang="en-US" sz="2000" dirty="0"/>
+          </a:p>
+          <a:p>
+            <a:pPr marL="457200" indent="-457200">
+              <a:buFont typeface="+mj-lt"/>
+              <a:buAutoNum type="arabicPeriod"/>
+            </a:pPr>
+            <a:r>
+              <a:rPr lang="en-US" sz="2000" dirty="0"/>
+              <a:t>Read in data</a:t>
+            </a:r>
+          </a:p>
+          <a:p>
+            <a:pPr marL="457200" indent="-457200">
+              <a:buFont typeface="+mj-lt"/>
+              <a:buAutoNum type="arabicPeriod"/>
+            </a:pPr>
+            <a:r>
+              <a:rPr lang="en-US" sz="2000" dirty="0"/>
+              <a:t>Check data – List variables, their type, range, number of </a:t>
+            </a:r>
+            <a:r>
+              <a:rPr lang="en-US" sz="2000" dirty="0" err="1"/>
+              <a:t>missings</a:t>
+            </a:r>
+            <a:r>
+              <a:rPr lang="en-US" sz="2000" dirty="0"/>
+              <a:t>, plot distribution, descriptive statistics, etc.</a:t>
+            </a:r>
+          </a:p>
+          <a:p>
+            <a:pPr marL="457200" indent="-457200">
+              <a:buFont typeface="+mj-lt"/>
+              <a:buAutoNum type="arabicPeriod"/>
+            </a:pPr>
+            <a:r>
+              <a:rPr lang="en-US" sz="2000" dirty="0"/>
+              <a:t>Clean data – Resolve </a:t>
+            </a:r>
+            <a:r>
+              <a:rPr lang="en-US" sz="2000" dirty="0" err="1"/>
+              <a:t>missings</a:t>
+            </a:r>
+            <a:r>
+              <a:rPr lang="en-US" sz="2000" dirty="0"/>
+              <a:t>, transform variables, etc.</a:t>
+            </a:r>
+          </a:p>
+          <a:p>
+            <a:pPr marL="457200" indent="-457200">
+              <a:buFont typeface="+mj-lt"/>
+              <a:buAutoNum type="arabicPeriod"/>
+            </a:pPr>
+            <a:r>
+              <a:rPr lang="en-US" sz="2000" dirty="0"/>
+              <a:t>Test models – Check significance, residuals, goodness of fit, etc.</a:t>
+            </a:r>
+          </a:p>
+          <a:p>
+            <a:pPr marL="457200" indent="-457200">
+              <a:buFont typeface="+mj-lt"/>
+              <a:buAutoNum type="arabicPeriod"/>
+            </a:pPr>
+            <a:r>
+              <a:rPr lang="en-US" sz="2000" dirty="0"/>
+              <a:t>Visualize data</a:t>
+            </a:r>
+          </a:p>
+        </p:txBody>
+      </p:sp>
+    </p:spTree>
+    <p:extLst>
+      <p:ext uri="{BB962C8B-B14F-4D97-AF65-F5344CB8AC3E}">
+        <p14:creationId xmlns:p14="http://schemas.microsoft.com/office/powerpoint/2010/main" val="2822075878"/>
+      </p:ext>
+    </p:extLst>
+  </p:cSld>
+  <p:clrMapOvr>
+    <a:masterClrMapping/>
+  </p:clrMapOvr>
+</p:sld>
+</file>
+
+<file path=ppt/slides/slide27.xml><?xml version="1.0" encoding="utf-8"?>
+<p:sld xmlns:a="http://schemas.openxmlformats.org/drawingml/2006/main" xmlns:r="http://schemas.openxmlformats.org/officeDocument/2006/relationships" xmlns:p="http://schemas.openxmlformats.org/presentationml/2006/main">
+  <p:cSld>
+    <p:spTree>
+      <p:nvGrpSpPr>
+        <p:cNvPr id="1" name="Shape 95"/>
+        <p:cNvGrpSpPr/>
+        <p:nvPr/>
+      </p:nvGrpSpPr>
+      <p:grpSpPr>
+        <a:xfrm>
+          <a:off x="0" y="0"/>
+          <a:ext cx="0" cy="0"/>
+          <a:chOff x="0" y="0"/>
+          <a:chExt cx="0" cy="0"/>
+        </a:xfrm>
+      </p:grpSpPr>
+      <p:sp>
+        <p:nvSpPr>
+          <p:cNvPr id="96" name="Shape 96"/>
+          <p:cNvSpPr txBox="1"/>
+          <p:nvPr/>
+        </p:nvSpPr>
+        <p:spPr>
+          <a:xfrm>
+            <a:off x="4343400" y="6172200"/>
+            <a:ext cx="457200" cy="457200"/>
+          </a:xfrm>
+          <a:prstGeom prst="rect">
+            <a:avLst/>
+          </a:prstGeom>
+          <a:noFill/>
+          <a:ln>
+            <a:noFill/>
+          </a:ln>
+        </p:spPr>
+        <p:txBody>
+          <a:bodyPr spcFirstLastPara="1" wrap="square" lIns="91425" tIns="45700" rIns="91425" bIns="45700" anchor="t" anchorCtr="0">
+            <a:noAutofit/>
+          </a:bodyPr>
+          <a:lstStyle/>
+          <a:p>
+            <a:pPr marL="0" marR="0" lvl="0" indent="0" algn="ctr" rtl="0">
+              <a:spcBef>
+                <a:spcPts val="0"/>
+              </a:spcBef>
+              <a:spcAft>
+                <a:spcPts val="0"/>
+              </a:spcAft>
+              <a:buNone/>
+            </a:pPr>
+            <a:fld id="{00000000-1234-1234-1234-123412341234}" type="slidenum">
+              <a:rPr lang="en-US" sz="1000">
+                <a:solidFill>
+                  <a:schemeClr val="dk1"/>
+                </a:solidFill>
+                <a:latin typeface="Arial"/>
+                <a:ea typeface="Arial"/>
+                <a:cs typeface="Arial"/>
+                <a:sym typeface="Arial"/>
+              </a:rPr>
+              <a:t>27</a:t>
             </a:fld>
             <a:endParaRPr sz="1000">
               <a:solidFill>
@@ -15762,7 +19858,7 @@
         <p:spPr>
           <a:xfrm>
             <a:off x="384858" y="1290704"/>
-            <a:ext cx="7917083" cy="2862322"/>
+            <a:ext cx="7917083" cy="3785652"/>
           </a:xfrm>
           <a:prstGeom prst="rect">
             <a:avLst/>
@@ -15774,6 +19870,14 @@
             <a:spAutoFit/>
           </a:bodyPr>
           <a:lstStyle/>
+          <a:p>
+            <a:r>
+              <a:rPr lang="en-US" sz="3000" dirty="0">
+                <a:hlinkClick r:id="rId3"/>
+              </a:rPr>
+              <a:t>https://www.rstudio.com/resources/cheatsheets/</a:t>
+            </a:r>
+          </a:p>
           <a:p>
             <a:r>
               <a:rPr lang="en-US" sz="3000" dirty="0">
@@ -15838,648 +19942,6 @@
         <p14:creationId xmlns:p14="http://schemas.microsoft.com/office/powerpoint/2010/main" val="690798502"/>
       </p:ext>
     </p:extLst>
-  </p:cSld>
-  <p:clrMapOvr>
-    <a:masterClrMapping/>
-  </p:clrMapOvr>
-</p:sld>
-</file>
-
-<file path=ppt/slides/slide19.xml><?xml version="1.0" encoding="utf-8"?>
-<p:sld xmlns:a="http://schemas.openxmlformats.org/drawingml/2006/main" xmlns:r="http://schemas.openxmlformats.org/officeDocument/2006/relationships" xmlns:p="http://schemas.openxmlformats.org/presentationml/2006/main">
-  <p:cSld>
-    <p:spTree>
-      <p:nvGrpSpPr>
-        <p:cNvPr id="1" name="Shape 95"/>
-        <p:cNvGrpSpPr/>
-        <p:nvPr/>
-      </p:nvGrpSpPr>
-      <p:grpSpPr>
-        <a:xfrm>
-          <a:off x="0" y="0"/>
-          <a:ext cx="0" cy="0"/>
-          <a:chOff x="0" y="0"/>
-          <a:chExt cx="0" cy="0"/>
-        </a:xfrm>
-      </p:grpSpPr>
-      <p:sp>
-        <p:nvSpPr>
-          <p:cNvPr id="96" name="Shape 96"/>
-          <p:cNvSpPr txBox="1"/>
-          <p:nvPr/>
-        </p:nvSpPr>
-        <p:spPr>
-          <a:xfrm>
-            <a:off x="4343400" y="6172200"/>
-            <a:ext cx="457200" cy="457200"/>
-          </a:xfrm>
-          <a:prstGeom prst="rect">
-            <a:avLst/>
-          </a:prstGeom>
-          <a:noFill/>
-          <a:ln>
-            <a:noFill/>
-          </a:ln>
-        </p:spPr>
-        <p:txBody>
-          <a:bodyPr spcFirstLastPara="1" wrap="square" lIns="91425" tIns="45700" rIns="91425" bIns="45700" anchor="t" anchorCtr="0">
-            <a:noAutofit/>
-          </a:bodyPr>
-          <a:lstStyle/>
-          <a:p>
-            <a:pPr marL="0" marR="0" lvl="0" indent="0" algn="ctr" rtl="0">
-              <a:spcBef>
-                <a:spcPts val="0"/>
-              </a:spcBef>
-              <a:spcAft>
-                <a:spcPts val="0"/>
-              </a:spcAft>
-              <a:buNone/>
-            </a:pPr>
-            <a:fld id="{00000000-1234-1234-1234-123412341234}" type="slidenum">
-              <a:rPr lang="en-US" sz="1000">
-                <a:solidFill>
-                  <a:schemeClr val="dk1"/>
-                </a:solidFill>
-                <a:latin typeface="Arial"/>
-                <a:ea typeface="Arial"/>
-                <a:cs typeface="Arial"/>
-                <a:sym typeface="Arial"/>
-              </a:rPr>
-              <a:t>19</a:t>
-            </a:fld>
-            <a:endParaRPr sz="1000">
-              <a:solidFill>
-                <a:schemeClr val="dk1"/>
-              </a:solidFill>
-              <a:latin typeface="Arial"/>
-              <a:ea typeface="Arial"/>
-              <a:cs typeface="Arial"/>
-              <a:sym typeface="Arial"/>
-            </a:endParaRPr>
-          </a:p>
-        </p:txBody>
-      </p:sp>
-      <p:sp>
-        <p:nvSpPr>
-          <p:cNvPr id="97" name="Shape 97"/>
-          <p:cNvSpPr txBox="1"/>
-          <p:nvPr/>
-        </p:nvSpPr>
-        <p:spPr>
-          <a:xfrm>
-            <a:off x="381000" y="223650"/>
-            <a:ext cx="8382000" cy="457200"/>
-          </a:xfrm>
-          <a:prstGeom prst="rect">
-            <a:avLst/>
-          </a:prstGeom>
-          <a:noFill/>
-          <a:ln>
-            <a:noFill/>
-          </a:ln>
-        </p:spPr>
-        <p:txBody>
-          <a:bodyPr spcFirstLastPara="1" wrap="square" lIns="91425" tIns="45700" rIns="91425" bIns="45700" anchor="t" anchorCtr="0">
-            <a:noAutofit/>
-          </a:bodyPr>
-          <a:lstStyle/>
-          <a:p>
-            <a:pPr marL="0" marR="0" lvl="0" indent="0" algn="l" rtl="0">
-              <a:spcBef>
-                <a:spcPts val="0"/>
-              </a:spcBef>
-              <a:spcAft>
-                <a:spcPts val="0"/>
-              </a:spcAft>
-              <a:buNone/>
-            </a:pPr>
-            <a:r>
-              <a:rPr lang="en-US" sz="2400" b="1" dirty="0">
-                <a:solidFill>
-                  <a:srgbClr val="820009"/>
-                </a:solidFill>
-              </a:rPr>
-              <a:t>Preview of Next Week’s Session</a:t>
-            </a:r>
-            <a:endParaRPr sz="2400" b="1" dirty="0">
-              <a:solidFill>
-                <a:srgbClr val="820009"/>
-              </a:solidFill>
-              <a:latin typeface="Arial"/>
-              <a:ea typeface="Arial"/>
-              <a:cs typeface="Arial"/>
-              <a:sym typeface="Arial"/>
-            </a:endParaRPr>
-          </a:p>
-        </p:txBody>
-      </p:sp>
-      <p:graphicFrame>
-        <p:nvGraphicFramePr>
-          <p:cNvPr id="99" name="Shape 99"/>
-          <p:cNvGraphicFramePr/>
-          <p:nvPr/>
-        </p:nvGraphicFramePr>
-        <p:xfrm>
-          <a:off x="5623560" y="560070"/>
-          <a:ext cx="208300" cy="365770"/>
-        </p:xfrm>
-        <a:graphic>
-          <a:graphicData uri="http://schemas.openxmlformats.org/drawingml/2006/table">
-            <a:tbl>
-              <a:tblPr>
-                <a:noFill/>
-                <a:tableStyleId>{3E517AEF-C05D-40B9-8274-1AED4C133E0D}</a:tableStyleId>
-              </a:tblPr>
-              <a:tblGrid>
-                <a:gridCol w="208300">
-                  <a:extLst>
-                    <a:ext uri="{9D8B030D-6E8A-4147-A177-3AD203B41FA5}">
-                      <a16:colId xmlns:a16="http://schemas.microsoft.com/office/drawing/2014/main" val="20000"/>
-                    </a:ext>
-                  </a:extLst>
-                </a:gridCol>
-              </a:tblGrid>
-              <a:tr h="0">
-                <a:tc>
-                  <a:txBody>
-                    <a:bodyPr/>
-                    <a:lstStyle/>
-                    <a:p>
-                      <a:pPr marL="0" marR="0" lvl="0" indent="0" algn="l" rtl="0">
-                        <a:spcBef>
-                          <a:spcPts val="0"/>
-                        </a:spcBef>
-                        <a:spcAft>
-                          <a:spcPts val="0"/>
-                        </a:spcAft>
-                        <a:buNone/>
-                      </a:pPr>
-                      <a:endParaRPr sz="1800"/>
-                    </a:p>
-                  </a:txBody>
-                  <a:tcPr marL="91450" marR="91450" marT="45725" marB="45725">
-                    <a:lnL w="9525" cap="flat" cmpd="sng">
-                      <a:solidFill>
-                        <a:srgbClr val="000000">
-                          <a:alpha val="0"/>
-                        </a:srgbClr>
-                      </a:solidFill>
-                      <a:prstDash val="solid"/>
-                      <a:round/>
-                      <a:headEnd type="none" w="sm" len="sm"/>
-                      <a:tailEnd type="none" w="sm" len="sm"/>
-                    </a:lnL>
-                    <a:lnR w="9525" cap="flat" cmpd="sng">
-                      <a:solidFill>
-                        <a:srgbClr val="000000">
-                          <a:alpha val="0"/>
-                        </a:srgbClr>
-                      </a:solidFill>
-                      <a:prstDash val="solid"/>
-                      <a:round/>
-                      <a:headEnd type="none" w="sm" len="sm"/>
-                      <a:tailEnd type="none" w="sm" len="sm"/>
-                    </a:lnR>
-                    <a:lnT w="9525" cap="flat" cmpd="sng">
-                      <a:solidFill>
-                        <a:srgbClr val="000000">
-                          <a:alpha val="0"/>
-                        </a:srgbClr>
-                      </a:solidFill>
-                      <a:prstDash val="solid"/>
-                      <a:round/>
-                      <a:headEnd type="none" w="sm" len="sm"/>
-                      <a:tailEnd type="none" w="sm" len="sm"/>
-                    </a:lnT>
-                    <a:lnB w="9525" cap="flat" cmpd="sng">
-                      <a:solidFill>
-                        <a:srgbClr val="000000">
-                          <a:alpha val="0"/>
-                        </a:srgbClr>
-                      </a:solidFill>
-                      <a:prstDash val="solid"/>
-                      <a:round/>
-                      <a:headEnd type="none" w="sm" len="sm"/>
-                      <a:tailEnd type="none" w="sm" len="sm"/>
-                    </a:lnB>
-                  </a:tcPr>
-                </a:tc>
-                <a:extLst>
-                  <a:ext uri="{0D108BD9-81ED-4DB2-BD59-A6C34878D82A}">
-                    <a16:rowId xmlns:a16="http://schemas.microsoft.com/office/drawing/2014/main" val="10000"/>
-                  </a:ext>
-                </a:extLst>
-              </a:tr>
-            </a:tbl>
-          </a:graphicData>
-        </a:graphic>
-      </p:graphicFrame>
-      <p:sp>
-        <p:nvSpPr>
-          <p:cNvPr id="9" name="TextBox 8">
-            <a:extLst>
-              <a:ext uri="{FF2B5EF4-FFF2-40B4-BE49-F238E27FC236}">
-                <a16:creationId xmlns:a16="http://schemas.microsoft.com/office/drawing/2014/main" id="{F4DF7DD2-3D15-41B5-BBF8-410230F9B214}"/>
-              </a:ext>
-            </a:extLst>
-          </p:cNvPr>
-          <p:cNvSpPr txBox="1"/>
-          <p:nvPr/>
-        </p:nvSpPr>
-        <p:spPr>
-          <a:xfrm>
-            <a:off x="384858" y="1290704"/>
-            <a:ext cx="7917083" cy="2862322"/>
-          </a:xfrm>
-          <a:prstGeom prst="rect">
-            <a:avLst/>
-          </a:prstGeom>
-          <a:noFill/>
-        </p:spPr>
-        <p:txBody>
-          <a:bodyPr wrap="square" rtlCol="0">
-            <a:spAutoFit/>
-          </a:bodyPr>
-          <a:lstStyle/>
-          <a:p>
-            <a:r>
-              <a:rPr lang="en-US" sz="3000" dirty="0">
-                <a:hlinkClick r:id="rId3"/>
-              </a:rPr>
-              <a:t>https://swirlstats.com/</a:t>
-            </a:r>
-            <a:endParaRPr lang="en-US" sz="3000" dirty="0"/>
-          </a:p>
-          <a:p>
-            <a:r>
-              <a:rPr lang="en-US" sz="3000" dirty="0">
-                <a:hlinkClick r:id="rId4"/>
-              </a:rPr>
-              <a:t>https://www.datacamp.com/</a:t>
-            </a:r>
-            <a:endParaRPr lang="en-US" sz="3000" dirty="0"/>
-          </a:p>
-          <a:p>
-            <a:r>
-              <a:rPr lang="en-US" sz="3000" dirty="0">
-                <a:hlinkClick r:id="rId5"/>
-              </a:rPr>
-              <a:t>http://tryr.codeschool.com/</a:t>
-            </a:r>
-            <a:r>
-              <a:rPr lang="en-US" sz="3000" dirty="0"/>
-              <a:t> </a:t>
-            </a:r>
-          </a:p>
-          <a:p>
-            <a:endParaRPr lang="en-US" sz="3000" dirty="0"/>
-          </a:p>
-          <a:p>
-            <a:r>
-              <a:rPr lang="en-US" sz="3000" dirty="0"/>
-              <a:t>Or just ask! </a:t>
-            </a:r>
-            <a:r>
-              <a:rPr lang="en-US" sz="3000" dirty="0">
-                <a:hlinkClick r:id="rId6"/>
-              </a:rPr>
-              <a:t>jmckee0@chicagobooth.edu</a:t>
-            </a:r>
-            <a:r>
-              <a:rPr lang="en-US" sz="3000" dirty="0"/>
-              <a:t> or @</a:t>
-            </a:r>
-            <a:r>
-              <a:rPr lang="en-US" sz="3000" dirty="0" err="1"/>
-              <a:t>jmckee</a:t>
-            </a:r>
-            <a:r>
-              <a:rPr lang="en-US" sz="3000" dirty="0"/>
-              <a:t> on Slack</a:t>
-            </a:r>
-          </a:p>
-        </p:txBody>
-      </p:sp>
-    </p:spTree>
-    <p:extLst>
-      <p:ext uri="{BB962C8B-B14F-4D97-AF65-F5344CB8AC3E}">
-        <p14:creationId xmlns:p14="http://schemas.microsoft.com/office/powerpoint/2010/main" val="2822075878"/>
-      </p:ext>
-    </p:extLst>
-  </p:cSld>
-  <p:clrMapOvr>
-    <a:masterClrMapping/>
-  </p:clrMapOvr>
-</p:sld>
-</file>
-
-<file path=ppt/slides/slide2.xml><?xml version="1.0" encoding="utf-8"?>
-<p:sld xmlns:a="http://schemas.openxmlformats.org/drawingml/2006/main" xmlns:r="http://schemas.openxmlformats.org/officeDocument/2006/relationships" xmlns:p="http://schemas.openxmlformats.org/presentationml/2006/main">
-  <p:cSld>
-    <p:bg>
-      <p:bgPr>
-        <a:solidFill>
-          <a:schemeClr val="lt1"/>
-        </a:solidFill>
-        <a:effectLst/>
-      </p:bgPr>
-    </p:bg>
-    <p:spTree>
-      <p:nvGrpSpPr>
-        <p:cNvPr id="1" name="Shape 87"/>
-        <p:cNvGrpSpPr/>
-        <p:nvPr/>
-      </p:nvGrpSpPr>
-      <p:grpSpPr>
-        <a:xfrm>
-          <a:off x="0" y="0"/>
-          <a:ext cx="0" cy="0"/>
-          <a:chOff x="0" y="0"/>
-          <a:chExt cx="0" cy="0"/>
-        </a:xfrm>
-      </p:grpSpPr>
-      <p:sp>
-        <p:nvSpPr>
-          <p:cNvPr id="88" name="Shape 88"/>
-          <p:cNvSpPr txBox="1"/>
-          <p:nvPr/>
-        </p:nvSpPr>
-        <p:spPr>
-          <a:xfrm>
-            <a:off x="4343400" y="6172200"/>
-            <a:ext cx="457200" cy="457200"/>
-          </a:xfrm>
-          <a:prstGeom prst="rect">
-            <a:avLst/>
-          </a:prstGeom>
-          <a:noFill/>
-          <a:ln>
-            <a:noFill/>
-          </a:ln>
-        </p:spPr>
-        <p:txBody>
-          <a:bodyPr spcFirstLastPara="1" wrap="square" lIns="91425" tIns="45700" rIns="91425" bIns="45700" anchor="t" anchorCtr="0">
-            <a:noAutofit/>
-          </a:bodyPr>
-          <a:lstStyle/>
-          <a:p>
-            <a:pPr marL="0" marR="0" lvl="0" indent="0" algn="ctr" rtl="0">
-              <a:spcBef>
-                <a:spcPts val="0"/>
-              </a:spcBef>
-              <a:spcAft>
-                <a:spcPts val="0"/>
-              </a:spcAft>
-              <a:buNone/>
-            </a:pPr>
-            <a:fld id="{00000000-1234-1234-1234-123412341234}" type="slidenum">
-              <a:rPr lang="en-US" sz="1000" b="0" i="0" u="none" strike="noStrike" cap="none">
-                <a:solidFill>
-                  <a:schemeClr val="dk1"/>
-                </a:solidFill>
-                <a:latin typeface="Arial"/>
-                <a:ea typeface="Arial"/>
-                <a:cs typeface="Arial"/>
-                <a:sym typeface="Arial"/>
-              </a:rPr>
-              <a:t>2</a:t>
-            </a:fld>
-            <a:endParaRPr sz="1000" b="0" i="0" u="none" strike="noStrike" cap="none">
-              <a:solidFill>
-                <a:schemeClr val="dk1"/>
-              </a:solidFill>
-              <a:latin typeface="Arial"/>
-              <a:ea typeface="Arial"/>
-              <a:cs typeface="Arial"/>
-              <a:sym typeface="Arial"/>
-            </a:endParaRPr>
-          </a:p>
-        </p:txBody>
-      </p:sp>
-      <p:sp>
-        <p:nvSpPr>
-          <p:cNvPr id="89" name="Shape 89"/>
-          <p:cNvSpPr txBox="1"/>
-          <p:nvPr/>
-        </p:nvSpPr>
-        <p:spPr>
-          <a:xfrm>
-            <a:off x="381000" y="223650"/>
-            <a:ext cx="8382000" cy="457200"/>
-          </a:xfrm>
-          <a:prstGeom prst="rect">
-            <a:avLst/>
-          </a:prstGeom>
-          <a:noFill/>
-          <a:ln>
-            <a:noFill/>
-          </a:ln>
-        </p:spPr>
-        <p:txBody>
-          <a:bodyPr spcFirstLastPara="1" wrap="square" lIns="91425" tIns="45700" rIns="91425" bIns="45700" anchor="t" anchorCtr="0">
-            <a:noAutofit/>
-          </a:bodyPr>
-          <a:lstStyle/>
-          <a:p>
-            <a:pPr marL="0" marR="0" lvl="0" indent="0" algn="l" rtl="0">
-              <a:spcBef>
-                <a:spcPts val="0"/>
-              </a:spcBef>
-              <a:spcAft>
-                <a:spcPts val="0"/>
-              </a:spcAft>
-              <a:buNone/>
-            </a:pPr>
-            <a:r>
-              <a:rPr lang="en-US" sz="2400" b="1" i="0" u="none" strike="noStrike" cap="none" dirty="0">
-                <a:solidFill>
-                  <a:srgbClr val="820009"/>
-                </a:solidFill>
-                <a:latin typeface="Arial"/>
-                <a:ea typeface="Arial"/>
-                <a:cs typeface="Arial"/>
-                <a:sym typeface="Arial"/>
-              </a:rPr>
-              <a:t>Goals for Today</a:t>
-            </a:r>
-            <a:endParaRPr sz="2400" b="1" i="0" u="none" strike="noStrike" cap="none" dirty="0">
-              <a:solidFill>
-                <a:srgbClr val="820009"/>
-              </a:solidFill>
-              <a:latin typeface="Arial"/>
-              <a:ea typeface="Arial"/>
-              <a:cs typeface="Arial"/>
-              <a:sym typeface="Arial"/>
-            </a:endParaRPr>
-          </a:p>
-        </p:txBody>
-      </p:sp>
-      <p:sp>
-        <p:nvSpPr>
-          <p:cNvPr id="90" name="Shape 90"/>
-          <p:cNvSpPr txBox="1"/>
-          <p:nvPr/>
-        </p:nvSpPr>
-        <p:spPr>
-          <a:xfrm>
-            <a:off x="1143000" y="1585550"/>
-            <a:ext cx="5791200" cy="3261300"/>
-          </a:xfrm>
-          <a:prstGeom prst="rect">
-            <a:avLst/>
-          </a:prstGeom>
-          <a:noFill/>
-          <a:ln>
-            <a:noFill/>
-          </a:ln>
-        </p:spPr>
-        <p:txBody>
-          <a:bodyPr spcFirstLastPara="1" wrap="square" lIns="91425" tIns="45700" rIns="91425" bIns="45700" anchor="t" anchorCtr="0">
-            <a:noAutofit/>
-          </a:bodyPr>
-          <a:lstStyle/>
-          <a:p>
-            <a:pPr marL="285750" marR="0" lvl="0" indent="-285750" algn="l" rtl="0">
-              <a:spcBef>
-                <a:spcPts val="0"/>
-              </a:spcBef>
-              <a:spcAft>
-                <a:spcPts val="0"/>
-              </a:spcAft>
-              <a:buClr>
-                <a:schemeClr val="dk1"/>
-              </a:buClr>
-              <a:buSzPts val="2800"/>
-              <a:buFont typeface="Arial"/>
-              <a:buChar char="•"/>
-            </a:pPr>
-            <a:r>
-              <a:rPr lang="en-US" sz="2800" b="0" i="0" u="none" strike="noStrike" cap="none" dirty="0">
-                <a:solidFill>
-                  <a:schemeClr val="dk1"/>
-                </a:solidFill>
-                <a:latin typeface="Arial"/>
-                <a:ea typeface="Arial"/>
-                <a:cs typeface="Arial"/>
-                <a:sym typeface="Arial"/>
-              </a:rPr>
-              <a:t>Downloading R and R Studio</a:t>
-            </a:r>
-          </a:p>
-          <a:p>
-            <a:pPr marL="285750" marR="0" lvl="0" indent="-285750" algn="l" rtl="0">
-              <a:spcBef>
-                <a:spcPts val="0"/>
-              </a:spcBef>
-              <a:spcAft>
-                <a:spcPts val="0"/>
-              </a:spcAft>
-              <a:buClr>
-                <a:schemeClr val="dk1"/>
-              </a:buClr>
-              <a:buSzPts val="2800"/>
-              <a:buFont typeface="Arial"/>
-              <a:buChar char="•"/>
-            </a:pPr>
-            <a:r>
-              <a:rPr lang="en-US" sz="2800" dirty="0">
-                <a:solidFill>
-                  <a:schemeClr val="dk1"/>
-                </a:solidFill>
-              </a:rPr>
-              <a:t>R Overview</a:t>
-            </a:r>
-            <a:endParaRPr lang="en-US" sz="2800" b="0" i="0" u="none" strike="noStrike" cap="none" dirty="0">
-              <a:solidFill>
-                <a:schemeClr val="dk1"/>
-              </a:solidFill>
-              <a:latin typeface="Arial"/>
-              <a:ea typeface="Arial"/>
-              <a:cs typeface="Arial"/>
-              <a:sym typeface="Arial"/>
-            </a:endParaRPr>
-          </a:p>
-          <a:p>
-            <a:pPr marL="285750" marR="0" lvl="0" indent="-285750" algn="l" rtl="0">
-              <a:spcBef>
-                <a:spcPts val="0"/>
-              </a:spcBef>
-              <a:spcAft>
-                <a:spcPts val="0"/>
-              </a:spcAft>
-              <a:buClr>
-                <a:schemeClr val="dk1"/>
-              </a:buClr>
-              <a:buSzPts val="2800"/>
-              <a:buFont typeface="Arial"/>
-              <a:buChar char="•"/>
-            </a:pPr>
-            <a:r>
-              <a:rPr lang="en-US" sz="2800" dirty="0">
-                <a:solidFill>
-                  <a:schemeClr val="dk1"/>
-                </a:solidFill>
-              </a:rPr>
-              <a:t>Installing packages</a:t>
-            </a:r>
-          </a:p>
-          <a:p>
-            <a:pPr marL="285750" marR="0" lvl="0" indent="-285750" algn="l" rtl="0">
-              <a:spcBef>
-                <a:spcPts val="0"/>
-              </a:spcBef>
-              <a:spcAft>
-                <a:spcPts val="0"/>
-              </a:spcAft>
-              <a:buClr>
-                <a:schemeClr val="dk1"/>
-              </a:buClr>
-              <a:buSzPts val="2800"/>
-              <a:buFont typeface="Arial"/>
-              <a:buChar char="•"/>
-            </a:pPr>
-            <a:r>
-              <a:rPr lang="en-US" sz="2800" dirty="0">
-                <a:solidFill>
-                  <a:schemeClr val="dk1"/>
-                </a:solidFill>
-              </a:rPr>
-              <a:t>Getting Started with Swirl</a:t>
-            </a:r>
-          </a:p>
-          <a:p>
-            <a:pPr marL="285750" marR="0" lvl="0" indent="-285750" algn="l" rtl="0">
-              <a:spcBef>
-                <a:spcPts val="0"/>
-              </a:spcBef>
-              <a:spcAft>
-                <a:spcPts val="0"/>
-              </a:spcAft>
-              <a:buClr>
-                <a:schemeClr val="dk1"/>
-              </a:buClr>
-              <a:buSzPts val="2800"/>
-              <a:buFont typeface="Arial"/>
-              <a:buChar char="•"/>
-            </a:pPr>
-            <a:r>
-              <a:rPr lang="en-US" sz="2800" dirty="0">
-                <a:solidFill>
-                  <a:schemeClr val="dk1"/>
-                </a:solidFill>
-              </a:rPr>
-              <a:t>Preview Next Week</a:t>
-            </a:r>
-            <a:endParaRPr sz="2800" dirty="0">
-              <a:solidFill>
-                <a:schemeClr val="dk1"/>
-              </a:solidFill>
-            </a:endParaRPr>
-          </a:p>
-        </p:txBody>
-      </p:sp>
-    </p:spTree>
   </p:cSld>
   <p:clrMapOvr>
     <a:masterClrMapping/>
@@ -18190,13 +21652,8 @@
           <a:p>
             <a:r>
               <a:rPr lang="en-US" dirty="0"/>
-              <a:t>R’s primary strength is its support of user-written packages that allow you to easily run complicated/state of the art analyses without having to write (or necessarily even understand) the code yourself. In particular, R’s visualization packages are </a:t>
+              <a:t>R’s primary strength is its support of user-written packages that allow you to easily run complicated/state of the art analyses without having to write (or necessarily even understand) the code yourself. In particular, R’s visualization packages are considered best-in-class.</a:t>
             </a:r>
-            <a:r>
-              <a:rPr lang="en-US"/>
-              <a:t>considered best-in-class.</a:t>
-            </a:r>
-            <a:endParaRPr lang="en-US" dirty="0"/>
           </a:p>
         </p:txBody>
       </p:sp>
